--- a/Syllabus/Lecture06/Lec06.pptx
+++ b/Syllabus/Lecture06/Lec06.pptx
@@ -5,10 +5,10 @@
     <p:sldMasterId id="2147483664" r:id="rId1"/>
   </p:sldMasterIdLst>
   <p:notesMasterIdLst>
-    <p:notesMasterId r:id="rId47"/>
+    <p:notesMasterId r:id="rId49"/>
   </p:notesMasterIdLst>
   <p:handoutMasterIdLst>
-    <p:handoutMasterId r:id="rId48"/>
+    <p:handoutMasterId r:id="rId50"/>
   </p:handoutMasterIdLst>
   <p:sldIdLst>
     <p:sldId id="266" r:id="rId2"/>
@@ -43,19 +43,21 @@
     <p:sldId id="431" r:id="rId31"/>
     <p:sldId id="413" r:id="rId32"/>
     <p:sldId id="414" r:id="rId33"/>
-    <p:sldId id="415" r:id="rId34"/>
-    <p:sldId id="418" r:id="rId35"/>
-    <p:sldId id="402" r:id="rId36"/>
-    <p:sldId id="419" r:id="rId37"/>
-    <p:sldId id="420" r:id="rId38"/>
-    <p:sldId id="421" r:id="rId39"/>
-    <p:sldId id="393" r:id="rId40"/>
-    <p:sldId id="379" r:id="rId41"/>
-    <p:sldId id="380" r:id="rId42"/>
-    <p:sldId id="394" r:id="rId43"/>
-    <p:sldId id="423" r:id="rId44"/>
-    <p:sldId id="424" r:id="rId45"/>
-    <p:sldId id="422" r:id="rId46"/>
+    <p:sldId id="433" r:id="rId34"/>
+    <p:sldId id="432" r:id="rId35"/>
+    <p:sldId id="415" r:id="rId36"/>
+    <p:sldId id="418" r:id="rId37"/>
+    <p:sldId id="402" r:id="rId38"/>
+    <p:sldId id="419" r:id="rId39"/>
+    <p:sldId id="420" r:id="rId40"/>
+    <p:sldId id="421" r:id="rId41"/>
+    <p:sldId id="393" r:id="rId42"/>
+    <p:sldId id="379" r:id="rId43"/>
+    <p:sldId id="380" r:id="rId44"/>
+    <p:sldId id="394" r:id="rId45"/>
+    <p:sldId id="423" r:id="rId46"/>
+    <p:sldId id="424" r:id="rId47"/>
+    <p:sldId id="422" r:id="rId48"/>
   </p:sldIdLst>
   <p:sldSz cx="12192000" cy="6858000"/>
   <p:notesSz cx="6858000" cy="9144000"/>
@@ -191,6 +193,8 @@
             <p14:sldId id="431"/>
             <p14:sldId id="413"/>
             <p14:sldId id="414"/>
+            <p14:sldId id="433"/>
+            <p14:sldId id="432"/>
             <p14:sldId id="415"/>
             <p14:sldId id="418"/>
             <p14:sldId id="402"/>
@@ -3699,7 +3703,7 @@
     </p:spTree>
     <p:extLst>
       <p:ext uri="{BB962C8B-B14F-4D97-AF65-F5344CB8AC3E}">
-        <p14:creationId xmlns:p14="http://schemas.microsoft.com/office/powerpoint/2010/main" val="2649337705"/>
+        <p14:creationId xmlns:p14="http://schemas.microsoft.com/office/powerpoint/2010/main" val="913576597"/>
       </p:ext>
     </p:extLst>
   </p:cSld>
@@ -3844,7 +3848,7 @@
     </p:spTree>
     <p:extLst>
       <p:ext uri="{BB962C8B-B14F-4D97-AF65-F5344CB8AC3E}">
-        <p14:creationId xmlns:p14="http://schemas.microsoft.com/office/powerpoint/2010/main" val="3020920793"/>
+        <p14:creationId xmlns:p14="http://schemas.microsoft.com/office/powerpoint/2010/main" val="2165922342"/>
       </p:ext>
     </p:extLst>
   </p:cSld>
@@ -3946,6 +3950,42 @@
               </a:spcAft>
               <a:buNone/>
             </a:pPr>
+            <a:r>
+              <a:rPr lang="en-US" sz="1600" b="0" i="0" kern="1200" dirty="0">
+                <a:solidFill>
+                  <a:schemeClr val="tx1"/>
+                </a:solidFill>
+                <a:effectLst/>
+                <a:latin typeface="+mn-lt"/>
+                <a:ea typeface="+mn-ea"/>
+                <a:cs typeface="+mn-cs"/>
+              </a:rPr>
+              <a:t>Occam's razor, Ockham's razor, </a:t>
+            </a:r>
+            <a:r>
+              <a:rPr lang="en-US" sz="1600" b="0" i="0" kern="1200" dirty="0" err="1">
+                <a:solidFill>
+                  <a:schemeClr val="tx1"/>
+                </a:solidFill>
+                <a:effectLst/>
+                <a:latin typeface="+mn-lt"/>
+                <a:ea typeface="+mn-ea"/>
+                <a:cs typeface="+mn-cs"/>
+              </a:rPr>
+              <a:t>Ocham's</a:t>
+            </a:r>
+            <a:r>
+              <a:rPr lang="en-US" sz="1600" b="0" i="0" kern="1200" dirty="0">
+                <a:solidFill>
+                  <a:schemeClr val="tx1"/>
+                </a:solidFill>
+                <a:effectLst/>
+                <a:latin typeface="+mn-lt"/>
+                <a:ea typeface="+mn-ea"/>
+                <a:cs typeface="+mn-cs"/>
+              </a:rPr>
+              <a:t> razor, or the principle of parsimony or law of parsimony is the problem-solving principle that entities should not be multiplied beyond necessity, sometimes inaccurately paraphrased as the simplest explanation is usually the best one</a:t>
+            </a:r>
             <a:endParaRPr lang="en-US" dirty="0"/>
           </a:p>
         </p:txBody>
@@ -3953,7 +3993,7 @@
     </p:spTree>
     <p:extLst>
       <p:ext uri="{BB962C8B-B14F-4D97-AF65-F5344CB8AC3E}">
-        <p14:creationId xmlns:p14="http://schemas.microsoft.com/office/powerpoint/2010/main" val="1247894542"/>
+        <p14:creationId xmlns:p14="http://schemas.microsoft.com/office/powerpoint/2010/main" val="2649337705"/>
       </p:ext>
     </p:extLst>
   </p:cSld>
@@ -4098,7 +4138,7 @@
     </p:spTree>
     <p:extLst>
       <p:ext uri="{BB962C8B-B14F-4D97-AF65-F5344CB8AC3E}">
-        <p14:creationId xmlns:p14="http://schemas.microsoft.com/office/powerpoint/2010/main" val="3632331186"/>
+        <p14:creationId xmlns:p14="http://schemas.microsoft.com/office/powerpoint/2010/main" val="3020920793"/>
       </p:ext>
     </p:extLst>
   </p:cSld>
@@ -4200,42 +4240,6 @@
               </a:spcAft>
               <a:buNone/>
             </a:pPr>
-            <a:r>
-              <a:rPr lang="en-US" sz="1600" b="0" i="0" kern="1200" dirty="0">
-                <a:solidFill>
-                  <a:schemeClr val="tx1"/>
-                </a:solidFill>
-                <a:effectLst/>
-                <a:latin typeface="+mn-lt"/>
-                <a:ea typeface="+mn-ea"/>
-                <a:cs typeface="+mn-cs"/>
-              </a:rPr>
-              <a:t>Occam's razor, Ockham's razor, </a:t>
-            </a:r>
-            <a:r>
-              <a:rPr lang="en-US" sz="1600" b="0" i="0" kern="1200" dirty="0" err="1">
-                <a:solidFill>
-                  <a:schemeClr val="tx1"/>
-                </a:solidFill>
-                <a:effectLst/>
-                <a:latin typeface="+mn-lt"/>
-                <a:ea typeface="+mn-ea"/>
-                <a:cs typeface="+mn-cs"/>
-              </a:rPr>
-              <a:t>Ocham's</a:t>
-            </a:r>
-            <a:r>
-              <a:rPr lang="en-US" sz="1600" b="0" i="0" kern="1200" dirty="0">
-                <a:solidFill>
-                  <a:schemeClr val="tx1"/>
-                </a:solidFill>
-                <a:effectLst/>
-                <a:latin typeface="+mn-lt"/>
-                <a:ea typeface="+mn-ea"/>
-                <a:cs typeface="+mn-cs"/>
-              </a:rPr>
-              <a:t> razor, or the principle of parsimony or law of parsimony is the problem-solving principle that entities should not be multiplied beyond necessity, sometimes inaccurately paraphrased as the simplest explanation is usually the best one</a:t>
-            </a:r>
             <a:endParaRPr lang="en-US" dirty="0"/>
           </a:p>
         </p:txBody>
@@ -4243,7 +4247,7 @@
     </p:spTree>
     <p:extLst>
       <p:ext uri="{BB962C8B-B14F-4D97-AF65-F5344CB8AC3E}">
-        <p14:creationId xmlns:p14="http://schemas.microsoft.com/office/powerpoint/2010/main" val="143576074"/>
+        <p14:creationId xmlns:p14="http://schemas.microsoft.com/office/powerpoint/2010/main" val="1247894542"/>
       </p:ext>
     </p:extLst>
   </p:cSld>
@@ -4388,7 +4392,7 @@
     </p:spTree>
     <p:extLst>
       <p:ext uri="{BB962C8B-B14F-4D97-AF65-F5344CB8AC3E}">
-        <p14:creationId xmlns:p14="http://schemas.microsoft.com/office/powerpoint/2010/main" val="631276539"/>
+        <p14:creationId xmlns:p14="http://schemas.microsoft.com/office/powerpoint/2010/main" val="3632331186"/>
       </p:ext>
     </p:extLst>
   </p:cSld>
@@ -4490,6 +4494,42 @@
               </a:spcAft>
               <a:buNone/>
             </a:pPr>
+            <a:r>
+              <a:rPr lang="en-US" sz="1600" b="0" i="0" kern="1200" dirty="0">
+                <a:solidFill>
+                  <a:schemeClr val="tx1"/>
+                </a:solidFill>
+                <a:effectLst/>
+                <a:latin typeface="+mn-lt"/>
+                <a:ea typeface="+mn-ea"/>
+                <a:cs typeface="+mn-cs"/>
+              </a:rPr>
+              <a:t>Occam's razor, Ockham's razor, </a:t>
+            </a:r>
+            <a:r>
+              <a:rPr lang="en-US" sz="1600" b="0" i="0" kern="1200" dirty="0" err="1">
+                <a:solidFill>
+                  <a:schemeClr val="tx1"/>
+                </a:solidFill>
+                <a:effectLst/>
+                <a:latin typeface="+mn-lt"/>
+                <a:ea typeface="+mn-ea"/>
+                <a:cs typeface="+mn-cs"/>
+              </a:rPr>
+              <a:t>Ocham's</a:t>
+            </a:r>
+            <a:r>
+              <a:rPr lang="en-US" sz="1600" b="0" i="0" kern="1200" dirty="0">
+                <a:solidFill>
+                  <a:schemeClr val="tx1"/>
+                </a:solidFill>
+                <a:effectLst/>
+                <a:latin typeface="+mn-lt"/>
+                <a:ea typeface="+mn-ea"/>
+                <a:cs typeface="+mn-cs"/>
+              </a:rPr>
+              <a:t> razor, or the principle of parsimony or law of parsimony is the problem-solving principle that entities should not be multiplied beyond necessity, sometimes inaccurately paraphrased as the simplest explanation is usually the best one</a:t>
+            </a:r>
             <a:endParaRPr lang="en-US" dirty="0"/>
           </a:p>
         </p:txBody>
@@ -4497,7 +4537,7 @@
     </p:spTree>
     <p:extLst>
       <p:ext uri="{BB962C8B-B14F-4D97-AF65-F5344CB8AC3E}">
-        <p14:creationId xmlns:p14="http://schemas.microsoft.com/office/powerpoint/2010/main" val="2330996479"/>
+        <p14:creationId xmlns:p14="http://schemas.microsoft.com/office/powerpoint/2010/main" val="143576074"/>
       </p:ext>
     </p:extLst>
   </p:cSld>
@@ -4599,6 +4639,42 @@
               </a:spcAft>
               <a:buNone/>
             </a:pPr>
+            <a:r>
+              <a:rPr lang="en-US" sz="1600" b="0" i="0" kern="1200" dirty="0">
+                <a:solidFill>
+                  <a:schemeClr val="tx1"/>
+                </a:solidFill>
+                <a:effectLst/>
+                <a:latin typeface="+mn-lt"/>
+                <a:ea typeface="+mn-ea"/>
+                <a:cs typeface="+mn-cs"/>
+              </a:rPr>
+              <a:t>Occam's razor, Ockham's razor, </a:t>
+            </a:r>
+            <a:r>
+              <a:rPr lang="en-US" sz="1600" b="0" i="0" kern="1200" dirty="0" err="1">
+                <a:solidFill>
+                  <a:schemeClr val="tx1"/>
+                </a:solidFill>
+                <a:effectLst/>
+                <a:latin typeface="+mn-lt"/>
+                <a:ea typeface="+mn-ea"/>
+                <a:cs typeface="+mn-cs"/>
+              </a:rPr>
+              <a:t>Ocham's</a:t>
+            </a:r>
+            <a:r>
+              <a:rPr lang="en-US" sz="1600" b="0" i="0" kern="1200" dirty="0">
+                <a:solidFill>
+                  <a:schemeClr val="tx1"/>
+                </a:solidFill>
+                <a:effectLst/>
+                <a:latin typeface="+mn-lt"/>
+                <a:ea typeface="+mn-ea"/>
+                <a:cs typeface="+mn-cs"/>
+              </a:rPr>
+              <a:t> razor, or the principle of parsimony or law of parsimony is the problem-solving principle that entities should not be multiplied beyond necessity, sometimes inaccurately paraphrased as the simplest explanation is usually the best one</a:t>
+            </a:r>
             <a:endParaRPr lang="en-US" dirty="0"/>
           </a:p>
         </p:txBody>
@@ -4606,7 +4682,7 @@
     </p:spTree>
     <p:extLst>
       <p:ext uri="{BB962C8B-B14F-4D97-AF65-F5344CB8AC3E}">
-        <p14:creationId xmlns:p14="http://schemas.microsoft.com/office/powerpoint/2010/main" val="1950962703"/>
+        <p14:creationId xmlns:p14="http://schemas.microsoft.com/office/powerpoint/2010/main" val="631276539"/>
       </p:ext>
     </p:extLst>
   </p:cSld>
@@ -4824,7 +4900,7 @@
     </p:spTree>
     <p:extLst>
       <p:ext uri="{BB962C8B-B14F-4D97-AF65-F5344CB8AC3E}">
-        <p14:creationId xmlns:p14="http://schemas.microsoft.com/office/powerpoint/2010/main" val="2950196463"/>
+        <p14:creationId xmlns:p14="http://schemas.microsoft.com/office/powerpoint/2010/main" val="2330996479"/>
       </p:ext>
     </p:extLst>
   </p:cSld>
@@ -4926,42 +5002,6 @@
               </a:spcAft>
               <a:buNone/>
             </a:pPr>
-            <a:r>
-              <a:rPr lang="en-US" sz="1600" b="0" i="0" kern="1200" dirty="0">
-                <a:solidFill>
-                  <a:schemeClr val="tx1"/>
-                </a:solidFill>
-                <a:effectLst/>
-                <a:latin typeface="+mn-lt"/>
-                <a:ea typeface="+mn-ea"/>
-                <a:cs typeface="+mn-cs"/>
-              </a:rPr>
-              <a:t>Occam's razor, Ockham's razor, </a:t>
-            </a:r>
-            <a:r>
-              <a:rPr lang="en-US" sz="1600" b="0" i="0" kern="1200" dirty="0" err="1">
-                <a:solidFill>
-                  <a:schemeClr val="tx1"/>
-                </a:solidFill>
-                <a:effectLst/>
-                <a:latin typeface="+mn-lt"/>
-                <a:ea typeface="+mn-ea"/>
-                <a:cs typeface="+mn-cs"/>
-              </a:rPr>
-              <a:t>Ocham's</a:t>
-            </a:r>
-            <a:r>
-              <a:rPr lang="en-US" sz="1600" b="0" i="0" kern="1200" dirty="0">
-                <a:solidFill>
-                  <a:schemeClr val="tx1"/>
-                </a:solidFill>
-                <a:effectLst/>
-                <a:latin typeface="+mn-lt"/>
-                <a:ea typeface="+mn-ea"/>
-                <a:cs typeface="+mn-cs"/>
-              </a:rPr>
-              <a:t> razor, or the principle of parsimony or law of parsimony is the problem-solving principle that entities should not be multiplied beyond necessity, sometimes inaccurately paraphrased as the simplest explanation is usually the best one</a:t>
-            </a:r>
             <a:endParaRPr lang="en-US" dirty="0"/>
           </a:p>
         </p:txBody>
@@ -4969,7 +5009,7 @@
     </p:spTree>
     <p:extLst>
       <p:ext uri="{BB962C8B-B14F-4D97-AF65-F5344CB8AC3E}">
-        <p14:creationId xmlns:p14="http://schemas.microsoft.com/office/powerpoint/2010/main" val="1265412717"/>
+        <p14:creationId xmlns:p14="http://schemas.microsoft.com/office/powerpoint/2010/main" val="1950962703"/>
       </p:ext>
     </p:extLst>
   </p:cSld>
@@ -5071,42 +5111,6 @@
               </a:spcAft>
               <a:buNone/>
             </a:pPr>
-            <a:r>
-              <a:rPr lang="en-US" sz="1600" b="0" i="0" kern="1200" dirty="0">
-                <a:solidFill>
-                  <a:schemeClr val="tx1"/>
-                </a:solidFill>
-                <a:effectLst/>
-                <a:latin typeface="+mn-lt"/>
-                <a:ea typeface="+mn-ea"/>
-                <a:cs typeface="+mn-cs"/>
-              </a:rPr>
-              <a:t>Occam's razor, Ockham's razor, </a:t>
-            </a:r>
-            <a:r>
-              <a:rPr lang="en-US" sz="1600" b="0" i="0" kern="1200" dirty="0" err="1">
-                <a:solidFill>
-                  <a:schemeClr val="tx1"/>
-                </a:solidFill>
-                <a:effectLst/>
-                <a:latin typeface="+mn-lt"/>
-                <a:ea typeface="+mn-ea"/>
-                <a:cs typeface="+mn-cs"/>
-              </a:rPr>
-              <a:t>Ocham's</a:t>
-            </a:r>
-            <a:r>
-              <a:rPr lang="en-US" sz="1600" b="0" i="0" kern="1200" dirty="0">
-                <a:solidFill>
-                  <a:schemeClr val="tx1"/>
-                </a:solidFill>
-                <a:effectLst/>
-                <a:latin typeface="+mn-lt"/>
-                <a:ea typeface="+mn-ea"/>
-                <a:cs typeface="+mn-cs"/>
-              </a:rPr>
-              <a:t> razor, or the principle of parsimony or law of parsimony is the problem-solving principle that entities should not be multiplied beyond necessity, sometimes inaccurately paraphrased as the simplest explanation is usually the best one</a:t>
-            </a:r>
             <a:endParaRPr lang="en-US" dirty="0"/>
           </a:p>
         </p:txBody>
@@ -5114,7 +5118,7 @@
     </p:spTree>
     <p:extLst>
       <p:ext uri="{BB962C8B-B14F-4D97-AF65-F5344CB8AC3E}">
-        <p14:creationId xmlns:p14="http://schemas.microsoft.com/office/powerpoint/2010/main" val="2934559739"/>
+        <p14:creationId xmlns:p14="http://schemas.microsoft.com/office/powerpoint/2010/main" val="2950196463"/>
       </p:ext>
     </p:extLst>
   </p:cSld>
@@ -5259,6 +5263,296 @@
     </p:spTree>
     <p:extLst>
       <p:ext uri="{BB962C8B-B14F-4D97-AF65-F5344CB8AC3E}">
+        <p14:creationId xmlns:p14="http://schemas.microsoft.com/office/powerpoint/2010/main" val="1265412717"/>
+      </p:ext>
+    </p:extLst>
+  </p:cSld>
+  <p:clrMapOvr>
+    <a:masterClrMapping/>
+  </p:clrMapOvr>
+</p:notes>
+</file>
+
+<file path=ppt/notesSlides/notesSlide44.xml><?xml version="1.0" encoding="utf-8"?>
+<p:notes xmlns:a="http://schemas.openxmlformats.org/drawingml/2006/main" xmlns:r="http://schemas.openxmlformats.org/officeDocument/2006/relationships" xmlns:p="http://schemas.openxmlformats.org/presentationml/2006/main" showMasterSp="0" showMasterPhAnim="0">
+  <p:cSld>
+    <p:spTree>
+      <p:nvGrpSpPr>
+        <p:cNvPr id="1" name="Shape 91"/>
+        <p:cNvGrpSpPr/>
+        <p:nvPr/>
+      </p:nvGrpSpPr>
+      <p:grpSpPr>
+        <a:xfrm>
+          <a:off x="0" y="0"/>
+          <a:ext cx="0" cy="0"/>
+          <a:chOff x="0" y="0"/>
+          <a:chExt cx="0" cy="0"/>
+        </a:xfrm>
+      </p:grpSpPr>
+      <p:sp>
+        <p:nvSpPr>
+          <p:cNvPr id="92" name="Google Shape;92;g921be16503_9_0:notes"/>
+          <p:cNvSpPr>
+            <a:spLocks noGrp="1" noRot="1" noChangeAspect="1"/>
+          </p:cNvSpPr>
+          <p:nvPr>
+            <p:ph type="sldImg" idx="2"/>
+          </p:nvPr>
+        </p:nvSpPr>
+        <p:spPr>
+          <a:xfrm>
+            <a:off x="381000" y="685800"/>
+            <a:ext cx="6096000" cy="3429000"/>
+          </a:xfrm>
+          <a:custGeom>
+            <a:avLst/>
+            <a:gdLst/>
+            <a:ahLst/>
+            <a:cxnLst/>
+            <a:rect l="l" t="t" r="r" b="b"/>
+            <a:pathLst>
+              <a:path w="120000" h="120000" extrusionOk="0">
+                <a:moveTo>
+                  <a:pt x="0" y="0"/>
+                </a:moveTo>
+                <a:lnTo>
+                  <a:pt x="120000" y="0"/>
+                </a:lnTo>
+                <a:lnTo>
+                  <a:pt x="120000" y="120000"/>
+                </a:lnTo>
+                <a:lnTo>
+                  <a:pt x="0" y="120000"/>
+                </a:lnTo>
+                <a:close/>
+              </a:path>
+            </a:pathLst>
+          </a:custGeom>
+        </p:spPr>
+      </p:sp>
+      <p:sp>
+        <p:nvSpPr>
+          <p:cNvPr id="93" name="Google Shape;93;g921be16503_9_0:notes"/>
+          <p:cNvSpPr txBox="1">
+            <a:spLocks noGrp="1"/>
+          </p:cNvSpPr>
+          <p:nvPr>
+            <p:ph type="body" idx="1"/>
+          </p:nvPr>
+        </p:nvSpPr>
+        <p:spPr>
+          <a:xfrm>
+            <a:off x="685800" y="4343400"/>
+            <a:ext cx="5486400" cy="4114800"/>
+          </a:xfrm>
+          <a:prstGeom prst="rect">
+            <a:avLst/>
+          </a:prstGeom>
+        </p:spPr>
+        <p:txBody>
+          <a:bodyPr spcFirstLastPara="1" wrap="square" lIns="91425" tIns="91425" rIns="91425" bIns="91425" anchor="t" anchorCtr="0">
+            <a:noAutofit/>
+          </a:bodyPr>
+          <a:lstStyle/>
+          <a:p>
+            <a:pPr marL="0" lvl="0" indent="0" algn="l" rtl="0">
+              <a:spcBef>
+                <a:spcPts val="0"/>
+              </a:spcBef>
+              <a:spcAft>
+                <a:spcPts val="0"/>
+              </a:spcAft>
+              <a:buNone/>
+            </a:pPr>
+            <a:r>
+              <a:rPr lang="en-US" sz="1600" b="0" i="0" kern="1200" dirty="0">
+                <a:solidFill>
+                  <a:schemeClr val="tx1"/>
+                </a:solidFill>
+                <a:effectLst/>
+                <a:latin typeface="+mn-lt"/>
+                <a:ea typeface="+mn-ea"/>
+                <a:cs typeface="+mn-cs"/>
+              </a:rPr>
+              <a:t>Occam's razor, Ockham's razor, </a:t>
+            </a:r>
+            <a:r>
+              <a:rPr lang="en-US" sz="1600" b="0" i="0" kern="1200" dirty="0" err="1">
+                <a:solidFill>
+                  <a:schemeClr val="tx1"/>
+                </a:solidFill>
+                <a:effectLst/>
+                <a:latin typeface="+mn-lt"/>
+                <a:ea typeface="+mn-ea"/>
+                <a:cs typeface="+mn-cs"/>
+              </a:rPr>
+              <a:t>Ocham's</a:t>
+            </a:r>
+            <a:r>
+              <a:rPr lang="en-US" sz="1600" b="0" i="0" kern="1200" dirty="0">
+                <a:solidFill>
+                  <a:schemeClr val="tx1"/>
+                </a:solidFill>
+                <a:effectLst/>
+                <a:latin typeface="+mn-lt"/>
+                <a:ea typeface="+mn-ea"/>
+                <a:cs typeface="+mn-cs"/>
+              </a:rPr>
+              <a:t> razor, or the principle of parsimony or law of parsimony is the problem-solving principle that entities should not be multiplied beyond necessity, sometimes inaccurately paraphrased as the simplest explanation is usually the best one</a:t>
+            </a:r>
+            <a:endParaRPr lang="en-US" dirty="0"/>
+          </a:p>
+        </p:txBody>
+      </p:sp>
+    </p:spTree>
+    <p:extLst>
+      <p:ext uri="{BB962C8B-B14F-4D97-AF65-F5344CB8AC3E}">
+        <p14:creationId xmlns:p14="http://schemas.microsoft.com/office/powerpoint/2010/main" val="2934559739"/>
+      </p:ext>
+    </p:extLst>
+  </p:cSld>
+  <p:clrMapOvr>
+    <a:masterClrMapping/>
+  </p:clrMapOvr>
+</p:notes>
+</file>
+
+<file path=ppt/notesSlides/notesSlide45.xml><?xml version="1.0" encoding="utf-8"?>
+<p:notes xmlns:a="http://schemas.openxmlformats.org/drawingml/2006/main" xmlns:r="http://schemas.openxmlformats.org/officeDocument/2006/relationships" xmlns:p="http://schemas.openxmlformats.org/presentationml/2006/main" showMasterSp="0" showMasterPhAnim="0">
+  <p:cSld>
+    <p:spTree>
+      <p:nvGrpSpPr>
+        <p:cNvPr id="1" name="Shape 91"/>
+        <p:cNvGrpSpPr/>
+        <p:nvPr/>
+      </p:nvGrpSpPr>
+      <p:grpSpPr>
+        <a:xfrm>
+          <a:off x="0" y="0"/>
+          <a:ext cx="0" cy="0"/>
+          <a:chOff x="0" y="0"/>
+          <a:chExt cx="0" cy="0"/>
+        </a:xfrm>
+      </p:grpSpPr>
+      <p:sp>
+        <p:nvSpPr>
+          <p:cNvPr id="92" name="Google Shape;92;g921be16503_9_0:notes"/>
+          <p:cNvSpPr>
+            <a:spLocks noGrp="1" noRot="1" noChangeAspect="1"/>
+          </p:cNvSpPr>
+          <p:nvPr>
+            <p:ph type="sldImg" idx="2"/>
+          </p:nvPr>
+        </p:nvSpPr>
+        <p:spPr>
+          <a:xfrm>
+            <a:off x="381000" y="685800"/>
+            <a:ext cx="6096000" cy="3429000"/>
+          </a:xfrm>
+          <a:custGeom>
+            <a:avLst/>
+            <a:gdLst/>
+            <a:ahLst/>
+            <a:cxnLst/>
+            <a:rect l="l" t="t" r="r" b="b"/>
+            <a:pathLst>
+              <a:path w="120000" h="120000" extrusionOk="0">
+                <a:moveTo>
+                  <a:pt x="0" y="0"/>
+                </a:moveTo>
+                <a:lnTo>
+                  <a:pt x="120000" y="0"/>
+                </a:lnTo>
+                <a:lnTo>
+                  <a:pt x="120000" y="120000"/>
+                </a:lnTo>
+                <a:lnTo>
+                  <a:pt x="0" y="120000"/>
+                </a:lnTo>
+                <a:close/>
+              </a:path>
+            </a:pathLst>
+          </a:custGeom>
+        </p:spPr>
+      </p:sp>
+      <p:sp>
+        <p:nvSpPr>
+          <p:cNvPr id="93" name="Google Shape;93;g921be16503_9_0:notes"/>
+          <p:cNvSpPr txBox="1">
+            <a:spLocks noGrp="1"/>
+          </p:cNvSpPr>
+          <p:nvPr>
+            <p:ph type="body" idx="1"/>
+          </p:nvPr>
+        </p:nvSpPr>
+        <p:spPr>
+          <a:xfrm>
+            <a:off x="685800" y="4343400"/>
+            <a:ext cx="5486400" cy="4114800"/>
+          </a:xfrm>
+          <a:prstGeom prst="rect">
+            <a:avLst/>
+          </a:prstGeom>
+        </p:spPr>
+        <p:txBody>
+          <a:bodyPr spcFirstLastPara="1" wrap="square" lIns="91425" tIns="91425" rIns="91425" bIns="91425" anchor="t" anchorCtr="0">
+            <a:noAutofit/>
+          </a:bodyPr>
+          <a:lstStyle/>
+          <a:p>
+            <a:pPr marL="0" lvl="0" indent="0" algn="l" rtl="0">
+              <a:spcBef>
+                <a:spcPts val="0"/>
+              </a:spcBef>
+              <a:spcAft>
+                <a:spcPts val="0"/>
+              </a:spcAft>
+              <a:buNone/>
+            </a:pPr>
+            <a:r>
+              <a:rPr lang="en-US" sz="1600" b="0" i="0" kern="1200" dirty="0">
+                <a:solidFill>
+                  <a:schemeClr val="tx1"/>
+                </a:solidFill>
+                <a:effectLst/>
+                <a:latin typeface="+mn-lt"/>
+                <a:ea typeface="+mn-ea"/>
+                <a:cs typeface="+mn-cs"/>
+              </a:rPr>
+              <a:t>Occam's razor, Ockham's razor, </a:t>
+            </a:r>
+            <a:r>
+              <a:rPr lang="en-US" sz="1600" b="0" i="0" kern="1200" dirty="0" err="1">
+                <a:solidFill>
+                  <a:schemeClr val="tx1"/>
+                </a:solidFill>
+                <a:effectLst/>
+                <a:latin typeface="+mn-lt"/>
+                <a:ea typeface="+mn-ea"/>
+                <a:cs typeface="+mn-cs"/>
+              </a:rPr>
+              <a:t>Ocham's</a:t>
+            </a:r>
+            <a:r>
+              <a:rPr lang="en-US" sz="1600" b="0" i="0" kern="1200" dirty="0">
+                <a:solidFill>
+                  <a:schemeClr val="tx1"/>
+                </a:solidFill>
+                <a:effectLst/>
+                <a:latin typeface="+mn-lt"/>
+                <a:ea typeface="+mn-ea"/>
+                <a:cs typeface="+mn-cs"/>
+              </a:rPr>
+              <a:t> razor, or the principle of parsimony or law of parsimony is the problem-solving principle that entities should not be multiplied beyond necessity, sometimes inaccurately paraphrased as the simplest explanation is usually the best one</a:t>
+            </a:r>
+            <a:endParaRPr lang="en-US" dirty="0"/>
+          </a:p>
+        </p:txBody>
+      </p:sp>
+    </p:spTree>
+    <p:extLst>
+      <p:ext uri="{BB962C8B-B14F-4D97-AF65-F5344CB8AC3E}">
         <p14:creationId xmlns:p14="http://schemas.microsoft.com/office/powerpoint/2010/main" val="2454729382"/>
       </p:ext>
     </p:extLst>
@@ -5269,7 +5563,7 @@
 </p:notes>
 </file>
 
-<file path=ppt/notesSlides/notesSlide44.xml><?xml version="1.0" encoding="utf-8"?>
+<file path=ppt/notesSlides/notesSlide46.xml><?xml version="1.0" encoding="utf-8"?>
 <p:notes xmlns:a="http://schemas.openxmlformats.org/drawingml/2006/main" xmlns:r="http://schemas.openxmlformats.org/officeDocument/2006/relationships" xmlns:p="http://schemas.openxmlformats.org/presentationml/2006/main" showMasterSp="0" showMasterPhAnim="0">
   <p:cSld>
     <p:spTree>
@@ -19692,7 +19986,11 @@
             </a:pPr>
             <a:r>
               <a:rPr lang="en-US" dirty="0"/>
-              <a:t>In Classification</a:t>
+              <a:t>In </a:t>
+            </a:r>
+            <a:r>
+              <a:rPr lang="en-US" b="1" dirty="0"/>
+              <a:t>Classification</a:t>
             </a:r>
           </a:p>
           <a:p>
@@ -19740,11 +20038,41 @@
             </a:pPr>
             <a:r>
               <a:rPr lang="en-US" dirty="0"/>
-              <a:t>quantified using metrics like Gini impurity</a:t>
+              <a:t>quantified using metrics like Gini impurity (will study later)</a:t>
             </a:r>
           </a:p>
         </p:txBody>
       </p:sp>
+      <p:pic>
+        <p:nvPicPr>
+          <p:cNvPr id="2" name="Picture 1">
+            <a:extLst>
+              <a:ext uri="{FF2B5EF4-FFF2-40B4-BE49-F238E27FC236}">
+                <a16:creationId xmlns:a16="http://schemas.microsoft.com/office/drawing/2014/main" id="{C832DCC3-58BF-C30E-972C-9BA1B25C7CCC}"/>
+              </a:ext>
+            </a:extLst>
+          </p:cNvPr>
+          <p:cNvPicPr>
+            <a:picLocks noChangeAspect="1"/>
+          </p:cNvPicPr>
+          <p:nvPr/>
+        </p:nvPicPr>
+        <p:blipFill>
+          <a:blip r:embed="rId3"/>
+          <a:stretch>
+            <a:fillRect/>
+          </a:stretch>
+        </p:blipFill>
+        <p:spPr>
+          <a:xfrm>
+            <a:off x="3609274" y="4554823"/>
+            <a:ext cx="4973451" cy="1960276"/>
+          </a:xfrm>
+          <a:prstGeom prst="rect">
+            <a:avLst/>
+          </a:prstGeom>
+        </p:spPr>
+      </p:pic>
     </p:spTree>
     <p:extLst>
       <p:ext uri="{BB962C8B-B14F-4D97-AF65-F5344CB8AC3E}">
@@ -19859,7 +20187,11 @@
             </a:pPr>
             <a:r>
               <a:rPr lang="en-US" dirty="0"/>
-              <a:t>In Regression</a:t>
+              <a:t>In </a:t>
+            </a:r>
+            <a:r>
+              <a:rPr lang="en-US" b="1" dirty="0"/>
+              <a:t>Regression</a:t>
             </a:r>
           </a:p>
           <a:p>
@@ -20037,7 +20369,15 @@
             </a:pPr>
             <a:r>
               <a:rPr lang="en-US" dirty="0"/>
-              <a:t>Decision trees will continue splitting nodes until a certain purity level is achieved or until other stopping criteria are met (like maximum depth of the tree).</a:t>
+              <a:t>Decision trees will continue splitting nodes until a certain purity level is achieved or until other stopping criteria are met (</a:t>
+            </a:r>
+            <a:r>
+              <a:rPr lang="en-US" i="1" dirty="0"/>
+              <a:t>e.g., </a:t>
+            </a:r>
+            <a:r>
+              <a:rPr lang="en-US" dirty="0"/>
+              <a:t>maximum depth of tree).</a:t>
             </a:r>
           </a:p>
           <a:p>
@@ -20433,7 +20773,7 @@
               <a:rPr lang="en-US" sz="1700" b="0" i="0" dirty="0">
                 <a:effectLst/>
               </a:rPr>
-              <a:t>If the variance of the data points is below a threshold (for regression).</a:t>
+              <a:t>If the variance of the data points is below a threshold (for regression), STOP.</a:t>
             </a:r>
           </a:p>
           <a:p>
@@ -20445,7 +20785,7 @@
               <a:rPr lang="en-US" sz="1700" b="0" i="0" dirty="0">
                 <a:effectLst/>
               </a:rPr>
-              <a:t>If other stopping criteria, such as maximum depth or minimum samples per leaf, are met, stop.</a:t>
+              <a:t>If other stopping criteria, such as maximum depth, are met, STOP.</a:t>
             </a:r>
           </a:p>
           <a:p>
@@ -20562,7 +20902,7 @@
               <a:rPr lang="en-US" sz="1700" b="0" i="0" dirty="0">
                 <a:effectLst/>
               </a:rPr>
-              <a:t>For Classification: Often use Gini impurity or information gain (entropy).</a:t>
+              <a:t>For Classification: Gini impurity or information gain (entropy).</a:t>
             </a:r>
           </a:p>
           <a:p>
@@ -20574,7 +20914,7 @@
               <a:rPr lang="en-US" sz="1700" b="0" i="0" dirty="0">
                 <a:effectLst/>
               </a:rPr>
-              <a:t>For Regression: Use the variance reduction or mean squared error. </a:t>
+              <a:t>For Regression: Variance reduction or MSE. </a:t>
             </a:r>
           </a:p>
           <a:p>
@@ -21369,7 +21709,7 @@
                   <a:srgbClr val="E46102"/>
                 </a:solidFill>
               </a:rPr>
-              <a:t>Information Gain</a:t>
+              <a:t>Information Gain (intuition)</a:t>
             </a:r>
           </a:p>
         </p:txBody>
@@ -21667,7 +22007,7 @@
                   <a:srgbClr val="E46102"/>
                 </a:solidFill>
               </a:rPr>
-              <a:t>Information Gain</a:t>
+              <a:t>Information Gain (intuition)</a:t>
             </a:r>
           </a:p>
         </p:txBody>
@@ -21686,7 +22026,7 @@
         </p:nvSpPr>
         <p:spPr>
           <a:xfrm>
-            <a:off x="387626" y="1352811"/>
+            <a:off x="297359" y="1140000"/>
             <a:ext cx="11504516" cy="5132867"/>
           </a:xfrm>
           <a:prstGeom prst="rect">
@@ -21703,99 +22043,26 @@
           </a:bodyPr>
           <a:lstStyle/>
           <a:p>
+            <a:endParaRPr lang="en-US" dirty="0"/>
+          </a:p>
+          <a:p>
             <a:pPr marL="342900" indent="-342900">
               <a:buFont typeface="Arial" panose="020B0604020202020204" pitchFamily="34" charset="0"/>
               <a:buChar char="•"/>
             </a:pPr>
             <a:r>
               <a:rPr lang="en-US" dirty="0"/>
-              <a:t>A reduction of entropy is often called an </a:t>
-            </a:r>
-            <a:r>
-              <a:rPr lang="en-US" b="1" i="1" dirty="0"/>
-              <a:t>information gain</a:t>
-            </a:r>
-            <a:r>
-              <a:rPr lang="en-US" b="1" dirty="0"/>
-              <a:t>. </a:t>
-            </a:r>
-          </a:p>
-          <a:p>
-            <a:pPr marL="342900" indent="-342900">
-              <a:buFont typeface="Arial" panose="020B0604020202020204" pitchFamily="34" charset="0"/>
-              <a:buChar char="•"/>
-            </a:pPr>
-            <a:endParaRPr lang="en-US" dirty="0"/>
-          </a:p>
-          <a:p>
-            <a:pPr marL="342900" indent="-342900">
-              <a:buFont typeface="Arial" panose="020B0604020202020204" pitchFamily="34" charset="0"/>
-              <a:buChar char="•"/>
-            </a:pPr>
-            <a:r>
-              <a:rPr lang="en-US" dirty="0"/>
-              <a:t>Definition: Information Gain is the expected reduction in entropy of target variable Y for data sample S, due to sorting</a:t>
-            </a:r>
-          </a:p>
-          <a:p>
-            <a:pPr marL="342900" indent="-342900">
-              <a:buFont typeface="Arial" panose="020B0604020202020204" pitchFamily="34" charset="0"/>
-              <a:buChar char="•"/>
-            </a:pPr>
-            <a:endParaRPr lang="en-US" dirty="0"/>
-          </a:p>
-          <a:p>
-            <a:pPr marL="342900" indent="-342900">
-              <a:buFont typeface="Arial" panose="020B0604020202020204" pitchFamily="34" charset="0"/>
-              <a:buChar char="•"/>
-            </a:pPr>
-            <a:r>
-              <a:rPr lang="en-US" dirty="0"/>
-              <a:t>We want to determine which attribute in a given set of training feature vectors is most useful for discriminating between the classes to be learned.</a:t>
-            </a:r>
-          </a:p>
-          <a:p>
-            <a:pPr marL="342900" indent="-342900">
-              <a:buFont typeface="Arial" panose="020B0604020202020204" pitchFamily="34" charset="0"/>
-              <a:buChar char="•"/>
-            </a:pPr>
-            <a:endParaRPr lang="en-US" dirty="0"/>
-          </a:p>
-          <a:p>
-            <a:pPr marL="342900" indent="-342900">
-              <a:buFont typeface="Arial" panose="020B0604020202020204" pitchFamily="34" charset="0"/>
-              <a:buChar char="•"/>
-            </a:pPr>
-            <a:r>
-              <a:rPr lang="en-US" dirty="0"/>
-              <a:t>Information gain tells us how important a given attribute of the feature vectors is.</a:t>
-            </a:r>
-          </a:p>
-          <a:p>
-            <a:pPr marL="342900" indent="-342900">
-              <a:buFont typeface="Arial" panose="020B0604020202020204" pitchFamily="34" charset="0"/>
-              <a:buChar char="•"/>
-            </a:pPr>
-            <a:endParaRPr lang="en-US" dirty="0"/>
-          </a:p>
-          <a:p>
-            <a:pPr marL="342900" indent="-342900">
-              <a:buFont typeface="Arial" panose="020B0604020202020204" pitchFamily="34" charset="0"/>
-              <a:buChar char="•"/>
-            </a:pPr>
-            <a:r>
-              <a:rPr lang="en-US" dirty="0"/>
-              <a:t> We will use it to decide the ordering of attributes in the nodes of a decision tree</a:t>
+              <a:t>Measures the level of impurity in a group of examples</a:t>
             </a:r>
           </a:p>
         </p:txBody>
       </p:sp>
       <p:sp>
         <p:nvSpPr>
-          <p:cNvPr id="2" name="TextBox 1">
+          <p:cNvPr id="7" name="TextBox 6">
             <a:extLst>
               <a:ext uri="{FF2B5EF4-FFF2-40B4-BE49-F238E27FC236}">
-                <a16:creationId xmlns:a16="http://schemas.microsoft.com/office/drawing/2014/main" id="{C9A40173-E82D-4835-B7C1-D505B0ECE630}"/>
+                <a16:creationId xmlns:a16="http://schemas.microsoft.com/office/drawing/2014/main" id="{6F7A7561-13F6-4124-A67F-4184530A4D76}"/>
               </a:ext>
             </a:extLst>
           </p:cNvPr>
@@ -21838,26 +22105,6 @@
               </a:rPr>
               <a:t>Domingos</a:t>
             </a:r>
-            <a:r>
-              <a:rPr lang="en-US" sz="1400" i="1" dirty="0">
-                <a:solidFill>
-                  <a:schemeClr val="bg1">
-                    <a:lumMod val="75000"/>
-                  </a:schemeClr>
-                </a:solidFill>
-              </a:rPr>
-              <a:t>, </a:t>
-            </a:r>
-            <a:r>
-              <a:rPr lang="en-US" sz="1400" i="1" dirty="0" err="1">
-                <a:solidFill>
-                  <a:schemeClr val="bg1">
-                    <a:lumMod val="75000"/>
-                  </a:schemeClr>
-                </a:solidFill>
-              </a:rPr>
-              <a:t>Sli</a:t>
-            </a:r>
             <a:endParaRPr lang="en-US" sz="1400" i="1" dirty="0">
               <a:solidFill>
                 <a:schemeClr val="bg1">
@@ -21868,10 +22115,40 @@
           </a:p>
         </p:txBody>
       </p:sp>
+      <p:pic>
+        <p:nvPicPr>
+          <p:cNvPr id="3" name="Picture 2">
+            <a:extLst>
+              <a:ext uri="{FF2B5EF4-FFF2-40B4-BE49-F238E27FC236}">
+                <a16:creationId xmlns:a16="http://schemas.microsoft.com/office/drawing/2014/main" id="{ECCD2A02-F708-575E-47F6-D2981D032F04}"/>
+              </a:ext>
+            </a:extLst>
+          </p:cNvPr>
+          <p:cNvPicPr>
+            <a:picLocks noChangeAspect="1"/>
+          </p:cNvPicPr>
+          <p:nvPr/>
+        </p:nvPicPr>
+        <p:blipFill>
+          <a:blip r:embed="rId3"/>
+          <a:stretch>
+            <a:fillRect/>
+          </a:stretch>
+        </p:blipFill>
+        <p:spPr>
+          <a:xfrm>
+            <a:off x="3144012" y="3358408"/>
+            <a:ext cx="5410200" cy="1993900"/>
+          </a:xfrm>
+          <a:prstGeom prst="rect">
+            <a:avLst/>
+          </a:prstGeom>
+        </p:spPr>
+      </p:pic>
     </p:spTree>
     <p:extLst>
       <p:ext uri="{BB962C8B-B14F-4D97-AF65-F5344CB8AC3E}">
-        <p14:creationId xmlns:p14="http://schemas.microsoft.com/office/powerpoint/2010/main" val="585811251"/>
+        <p14:creationId xmlns:p14="http://schemas.microsoft.com/office/powerpoint/2010/main" val="2573396083"/>
       </p:ext>
     </p:extLst>
   </p:cSld>
@@ -21929,161 +22206,17 @@
                   <a:srgbClr val="E46102"/>
                 </a:solidFill>
               </a:rPr>
-              <a:t>Entropy</a:t>
+              <a:t>Information Gain (intuition)</a:t>
             </a:r>
           </a:p>
         </p:txBody>
       </p:sp>
       <p:sp>
         <p:nvSpPr>
-          <p:cNvPr id="34" name="Google Shape;96;p14">
+          <p:cNvPr id="7" name="TextBox 6">
             <a:extLst>
               <a:ext uri="{FF2B5EF4-FFF2-40B4-BE49-F238E27FC236}">
-                <a16:creationId xmlns:a16="http://schemas.microsoft.com/office/drawing/2014/main" id="{58EA380B-9CCD-4D12-AAB2-9CBED38C12D0}"/>
-              </a:ext>
-            </a:extLst>
-          </p:cNvPr>
-          <p:cNvSpPr txBox="1"/>
-          <p:nvPr/>
-        </p:nvSpPr>
-        <p:spPr>
-          <a:xfrm>
-            <a:off x="387626" y="1352811"/>
-            <a:ext cx="11504516" cy="5132867"/>
-          </a:xfrm>
-          <a:prstGeom prst="rect">
-            <a:avLst/>
-          </a:prstGeom>
-          <a:noFill/>
-          <a:ln>
-            <a:noFill/>
-          </a:ln>
-        </p:spPr>
-        <p:txBody>
-          <a:bodyPr spcFirstLastPara="1" wrap="square" lIns="121900" tIns="121900" rIns="121900" bIns="121900" anchor="t" anchorCtr="0">
-            <a:noAutofit/>
-          </a:bodyPr>
-          <a:lstStyle/>
-          <a:p>
-            <a:pPr marL="342900" indent="-342900">
-              <a:buFont typeface="Arial" panose="020B0604020202020204" pitchFamily="34" charset="0"/>
-              <a:buChar char="•"/>
-            </a:pPr>
-            <a:r>
-              <a:rPr lang="en-US" dirty="0"/>
-              <a:t>Entropy – A common way to measure impurity</a:t>
-            </a:r>
-          </a:p>
-          <a:p>
-            <a:pPr marL="342900" indent="-342900">
-              <a:buFont typeface="Arial" panose="020B0604020202020204" pitchFamily="34" charset="0"/>
-              <a:buChar char="•"/>
-            </a:pPr>
-            <a:endParaRPr lang="en-US" dirty="0"/>
-          </a:p>
-          <a:p>
-            <a:pPr marL="342900" indent="-342900">
-              <a:buFont typeface="Arial" panose="020B0604020202020204" pitchFamily="34" charset="0"/>
-              <a:buChar char="•"/>
-            </a:pPr>
-            <a:endParaRPr lang="en-US" dirty="0"/>
-          </a:p>
-          <a:p>
-            <a:pPr marL="342900" indent="-342900">
-              <a:buFont typeface="Arial" panose="020B0604020202020204" pitchFamily="34" charset="0"/>
-              <a:buChar char="•"/>
-            </a:pPr>
-            <a:endParaRPr lang="en-US" dirty="0"/>
-          </a:p>
-          <a:p>
-            <a:pPr marL="342900" indent="-342900">
-              <a:buFont typeface="Arial" panose="020B0604020202020204" pitchFamily="34" charset="0"/>
-              <a:buChar char="•"/>
-            </a:pPr>
-            <a:endParaRPr lang="en-US" dirty="0"/>
-          </a:p>
-          <a:p>
-            <a:pPr marL="342900" indent="-342900">
-              <a:buFont typeface="Arial" panose="020B0604020202020204" pitchFamily="34" charset="0"/>
-              <a:buChar char="•"/>
-            </a:pPr>
-            <a:endParaRPr lang="en-US" dirty="0"/>
-          </a:p>
-          <a:p>
-            <a:pPr marL="342900" indent="-342900">
-              <a:buFont typeface="Arial" panose="020B0604020202020204" pitchFamily="34" charset="0"/>
-              <a:buChar char="•"/>
-            </a:pPr>
-            <a:endParaRPr lang="en-US" dirty="0"/>
-          </a:p>
-          <a:p>
-            <a:pPr marL="342900" indent="-342900">
-              <a:buFont typeface="Arial" panose="020B0604020202020204" pitchFamily="34" charset="0"/>
-              <a:buChar char="•"/>
-            </a:pPr>
-            <a:r>
-              <a:rPr lang="en-US" dirty="0"/>
-              <a:t>Where, </a:t>
-            </a:r>
-            <a:r>
-              <a:rPr lang="en-US" dirty="0" err="1"/>
-              <a:t>p</a:t>
-            </a:r>
-            <a:r>
-              <a:rPr lang="en-US" baseline="-25000" dirty="0" err="1"/>
-              <a:t>i,k</a:t>
-            </a:r>
-            <a:r>
-              <a:rPr lang="en-US" dirty="0"/>
-              <a:t> is the probability of class k.</a:t>
-            </a:r>
-          </a:p>
-          <a:p>
-            <a:pPr marL="342900" indent="-342900">
-              <a:buFont typeface="Arial" panose="020B0604020202020204" pitchFamily="34" charset="0"/>
-              <a:buChar char="•"/>
-            </a:pPr>
-            <a:endParaRPr lang="en-US" dirty="0"/>
-          </a:p>
-          <a:p>
-            <a:pPr marL="342900" indent="-342900">
-              <a:buFont typeface="Arial" panose="020B0604020202020204" pitchFamily="34" charset="0"/>
-              <a:buChar char="•"/>
-            </a:pPr>
-            <a:r>
-              <a:rPr lang="en-US" dirty="0"/>
-              <a:t>Compute it as the proportion of class k in the training set</a:t>
-            </a:r>
-          </a:p>
-          <a:p>
-            <a:pPr marL="342900" indent="-342900">
-              <a:buFont typeface="Arial" panose="020B0604020202020204" pitchFamily="34" charset="0"/>
-              <a:buChar char="•"/>
-            </a:pPr>
-            <a:endParaRPr lang="en-US" dirty="0"/>
-          </a:p>
-          <a:p>
-            <a:pPr marL="342900" indent="-342900">
-              <a:buFont typeface="Arial" panose="020B0604020202020204" pitchFamily="34" charset="0"/>
-              <a:buChar char="•"/>
-            </a:pPr>
-            <a:r>
-              <a:rPr lang="en-US" dirty="0"/>
-              <a:t>Entropy comes from information theory. The higher the entropy the more the information content.</a:t>
-            </a:r>
-            <a:br>
-              <a:rPr lang="en-US" dirty="0"/>
-            </a:br>
-            <a:endParaRPr lang="en-US" dirty="0"/>
-          </a:p>
-        </p:txBody>
-      </p:sp>
-      <p:sp>
-        <p:nvSpPr>
-          <p:cNvPr id="2" name="TextBox 1">
-            <a:extLst>
-              <a:ext uri="{FF2B5EF4-FFF2-40B4-BE49-F238E27FC236}">
-                <a16:creationId xmlns:a16="http://schemas.microsoft.com/office/drawing/2014/main" id="{C9A40173-E82D-4835-B7C1-D505B0ECE630}"/>
+                <a16:creationId xmlns:a16="http://schemas.microsoft.com/office/drawing/2014/main" id="{6F7A7561-13F6-4124-A67F-4184530A4D76}"/>
               </a:ext>
             </a:extLst>
           </p:cNvPr>
@@ -22136,69 +22269,63 @@
           </a:p>
         </p:txBody>
       </p:sp>
-      <p:pic>
-        <p:nvPicPr>
-          <p:cNvPr id="5" name="Picture 4">
+      <p:sp>
+        <p:nvSpPr>
+          <p:cNvPr id="3" name="TextBox 2">
             <a:extLst>
               <a:ext uri="{FF2B5EF4-FFF2-40B4-BE49-F238E27FC236}">
-                <a16:creationId xmlns:a16="http://schemas.microsoft.com/office/drawing/2014/main" id="{2318DE68-A992-4D0A-A124-35BD3001D45C}"/>
+                <a16:creationId xmlns:a16="http://schemas.microsoft.com/office/drawing/2014/main" id="{619197AF-FF0A-BBBF-CC93-1AFA65803B4E}"/>
               </a:ext>
             </a:extLst>
           </p:cNvPr>
-          <p:cNvPicPr>
-            <a:picLocks noChangeAspect="1"/>
-          </p:cNvPicPr>
+          <p:cNvSpPr txBox="1"/>
           <p:nvPr/>
-        </p:nvPicPr>
-        <p:blipFill rotWithShape="1">
-          <a:blip r:embed="rId3"/>
-          <a:srcRect l="727" t="20918" r="69055" b="-2463"/>
-          <a:stretch/>
-        </p:blipFill>
-        <p:spPr>
-          <a:xfrm>
-            <a:off x="8893038" y="2131944"/>
-            <a:ext cx="2343150" cy="2196747"/>
+        </p:nvSpPr>
+        <p:spPr>
+          <a:xfrm>
+            <a:off x="640080" y="1842039"/>
+            <a:ext cx="10616184" cy="2677656"/>
           </a:xfrm>
           <a:prstGeom prst="rect">
             <a:avLst/>
           </a:prstGeom>
-        </p:spPr>
-      </p:pic>
-      <p:pic>
-        <p:nvPicPr>
-          <p:cNvPr id="4" name="Picture 3">
-            <a:extLst>
-              <a:ext uri="{FF2B5EF4-FFF2-40B4-BE49-F238E27FC236}">
-                <a16:creationId xmlns:a16="http://schemas.microsoft.com/office/drawing/2014/main" id="{ECC605A6-A878-4CD3-9AC9-C7619E2C4C78}"/>
-              </a:ext>
-            </a:extLst>
-          </p:cNvPr>
-          <p:cNvPicPr>
-            <a:picLocks noChangeAspect="1"/>
-          </p:cNvPicPr>
-          <p:nvPr/>
-        </p:nvPicPr>
-        <p:blipFill>
-          <a:blip r:embed="rId4"/>
-          <a:stretch>
-            <a:fillRect/>
-          </a:stretch>
-        </p:blipFill>
-        <p:spPr>
-          <a:xfrm>
-            <a:off x="1500808" y="2227052"/>
-            <a:ext cx="3230425" cy="1170074"/>
-          </a:xfrm>
-          <a:prstGeom prst="rect">
-            <a:avLst/>
-          </a:prstGeom>
-        </p:spPr>
-      </p:pic>
+          <a:noFill/>
+        </p:spPr>
+        <p:txBody>
+          <a:bodyPr wrap="square">
+            <a:spAutoFit/>
+          </a:bodyPr>
+          <a:lstStyle/>
+          <a:p>
+            <a:r>
+              <a:rPr lang="en-US" dirty="0"/>
+              <a:t>You have a mixed bag of red and green balls, and you want to separate them using various criteria like size, texture, or weight. </a:t>
+            </a:r>
+          </a:p>
+          <a:p>
+            <a:endParaRPr lang="en-US" dirty="0"/>
+          </a:p>
+          <a:p>
+            <a:r>
+              <a:rPr lang="en-US" dirty="0"/>
+              <a:t>Information gain will quantify the effectiveness of each criterion in achieving this separation. </a:t>
+            </a:r>
+          </a:p>
+          <a:p>
+            <a:endParaRPr lang="en-US" dirty="0"/>
+          </a:p>
+          <a:p>
+            <a:r>
+              <a:rPr lang="en-US" dirty="0"/>
+              <a:t>The criterion that provides the highest IG would be the most effective.</a:t>
+            </a:r>
+          </a:p>
+        </p:txBody>
+      </p:sp>
     </p:spTree>
     <p:extLst>
       <p:ext uri="{BB962C8B-B14F-4D97-AF65-F5344CB8AC3E}">
-        <p14:creationId xmlns:p14="http://schemas.microsoft.com/office/powerpoint/2010/main" val="3251565341"/>
+        <p14:creationId xmlns:p14="http://schemas.microsoft.com/office/powerpoint/2010/main" val="323953147"/>
       </p:ext>
     </p:extLst>
   </p:cSld>
@@ -22227,217 +22354,259 @@
       </p:grpSpPr>
       <p:sp>
         <p:nvSpPr>
-          <p:cNvPr id="9" name="Rectangle 4">
-            <a:extLst>
-              <a:ext uri="{FF2B5EF4-FFF2-40B4-BE49-F238E27FC236}">
-                <a16:creationId xmlns:a16="http://schemas.microsoft.com/office/drawing/2014/main" id="{5C915ED5-BC22-4210-B2CA-DB8E43F9B03B}"/>
-              </a:ext>
-            </a:extLst>
-          </p:cNvPr>
-          <p:cNvSpPr>
-            <a:spLocks noChangeArrowheads="1"/>
+          <p:cNvPr id="95" name="Google Shape;95;p14"/>
+          <p:cNvSpPr txBox="1">
+            <a:spLocks noGrp="1"/>
           </p:cNvSpPr>
-          <p:nvPr/>
+          <p:nvPr>
+            <p:ph type="title" idx="4294967295"/>
+          </p:nvPr>
         </p:nvSpPr>
-        <p:spPr bwMode="auto">
-          <a:xfrm>
-            <a:off x="518493" y="1773910"/>
-            <a:ext cx="11529362" cy="3693319"/>
+        <p:spPr>
+          <a:xfrm>
+            <a:off x="717173" y="696913"/>
+            <a:ext cx="10972800" cy="506789"/>
           </a:xfrm>
           <a:prstGeom prst="rect">
             <a:avLst/>
           </a:prstGeom>
-          <a:noFill/>
-          <a:ln w="9525">
-            <a:noFill/>
-            <a:miter lim="800000"/>
-            <a:headEnd/>
-            <a:tailEnd/>
-          </a:ln>
-          <a:effectLst/>
         </p:spPr>
         <p:txBody>
-          <a:bodyPr wrap="square" lIns="0" tIns="0" rIns="0" bIns="0">
-            <a:spAutoFit/>
+          <a:bodyPr spcFirstLastPara="1" wrap="square" lIns="121900" tIns="121900" rIns="121900" bIns="121900" anchor="ctr" anchorCtr="0">
+            <a:noAutofit/>
           </a:bodyPr>
           <a:lstStyle/>
           <a:p>
-            <a:pPr marL="165100" indent="-165100">
-              <a:spcAft>
-                <a:spcPts val="1800"/>
-              </a:spcAft>
-              <a:buFont typeface="Arial" pitchFamily="34" charset="0"/>
-              <a:buChar char="•"/>
-            </a:pPr>
-            <a:r>
-              <a:rPr lang="en-US" sz="2000" b="1" dirty="0"/>
-              <a:t>Variance impurity</a:t>
-            </a:r>
-            <a:r>
-              <a:rPr lang="en-US" sz="2000" dirty="0"/>
-              <a:t>: </a:t>
-            </a:r>
-            <a:r>
-              <a:rPr lang="en-US" sz="2000" dirty="0">
-                <a:sym typeface="Symbol" pitchFamily="18" charset="2"/>
+            <a:r>
+              <a:rPr lang="en-US" sz="4000" b="1" dirty="0">
+                <a:solidFill>
+                  <a:srgbClr val="E46102"/>
+                </a:solidFill>
               </a:rPr>
-              <a:t>because this is related to the variance of a distribution associated with the two classes.</a:t>
-            </a:r>
-          </a:p>
-          <a:p>
-            <a:pPr marL="165100" indent="-165100">
-              <a:spcAft>
-                <a:spcPts val="1800"/>
-              </a:spcAft>
-              <a:buFont typeface="Arial" pitchFamily="34" charset="0"/>
-              <a:buChar char="•"/>
-            </a:pPr>
-            <a:r>
-              <a:rPr lang="en-US" sz="2000" b="1" dirty="0">
-                <a:sym typeface="Symbol" pitchFamily="18" charset="2"/>
-              </a:rPr>
-              <a:t>Gini Impurity</a:t>
-            </a:r>
-            <a:r>
-              <a:rPr lang="en-US" sz="2000" dirty="0">
-                <a:sym typeface="Symbol" pitchFamily="18" charset="2"/>
-              </a:rPr>
-              <a:t>: The expected error rate at node </a:t>
-            </a:r>
-            <a:r>
-              <a:rPr lang="en-US" sz="2000" i="1" dirty="0">
-                <a:sym typeface="Symbol" pitchFamily="18" charset="2"/>
-              </a:rPr>
-              <a:t>N</a:t>
-            </a:r>
-            <a:r>
-              <a:rPr lang="en-US" sz="2000" dirty="0">
-                <a:sym typeface="Symbol" pitchFamily="18" charset="2"/>
-              </a:rPr>
-              <a:t> if the category label is selected randomly from the class distribution present at node </a:t>
-            </a:r>
-            <a:r>
-              <a:rPr lang="en-US" sz="2000" i="1" dirty="0">
-                <a:sym typeface="Symbol" pitchFamily="18" charset="2"/>
-              </a:rPr>
-              <a:t>N</a:t>
-            </a:r>
-            <a:r>
-              <a:rPr lang="en-US" sz="2000" dirty="0">
-                <a:sym typeface="Symbol" pitchFamily="18" charset="2"/>
-              </a:rPr>
-              <a:t>.</a:t>
-            </a:r>
-          </a:p>
-          <a:p>
-            <a:pPr marL="165100" indent="-165100">
-              <a:spcAft>
-                <a:spcPts val="1800"/>
-              </a:spcAft>
-              <a:buFont typeface="Arial" pitchFamily="34" charset="0"/>
-              <a:buChar char="•"/>
-            </a:pPr>
-            <a:r>
-              <a:rPr lang="en-US" sz="2000" b="1" dirty="0">
-                <a:sym typeface="Symbol" pitchFamily="18" charset="2"/>
-              </a:rPr>
-              <a:t>Misclassification impurity</a:t>
-            </a:r>
-            <a:r>
-              <a:rPr lang="en-US" sz="2000" dirty="0">
-                <a:sym typeface="Symbol" pitchFamily="18" charset="2"/>
-              </a:rPr>
-              <a:t>: measures the minimum probability that a training pattern would be misclassified at node </a:t>
-            </a:r>
-            <a:r>
-              <a:rPr lang="en-US" sz="2000" i="1" dirty="0">
-                <a:sym typeface="Symbol" pitchFamily="18" charset="2"/>
-              </a:rPr>
-              <a:t>N</a:t>
-            </a:r>
-            <a:r>
-              <a:rPr lang="en-US" sz="2000" dirty="0">
-                <a:sym typeface="Symbol" pitchFamily="18" charset="2"/>
-              </a:rPr>
-              <a:t>.</a:t>
-            </a:r>
-          </a:p>
-          <a:p>
-            <a:pPr marL="165100" indent="-165100">
-              <a:spcAft>
-                <a:spcPts val="1800"/>
-              </a:spcAft>
-              <a:buFont typeface="Arial" pitchFamily="34" charset="0"/>
-              <a:buChar char="•"/>
-            </a:pPr>
-            <a:r>
-              <a:rPr lang="en-US" sz="2000" dirty="0">
-                <a:sym typeface="Symbol" pitchFamily="18" charset="2"/>
-              </a:rPr>
-              <a:t>In practice, simple entropy splitting (choosing the question that splits the data into two classes of equal size) is very effective.</a:t>
-            </a:r>
-          </a:p>
-          <a:p>
-            <a:pPr marL="165100" indent="-165100">
-              <a:spcAft>
-                <a:spcPts val="1800"/>
-              </a:spcAft>
-              <a:buFont typeface="Arial" pitchFamily="34" charset="0"/>
-              <a:buChar char="•"/>
-            </a:pPr>
-            <a:endParaRPr lang="en-US" sz="2000" dirty="0">
-              <a:sym typeface="Symbol" pitchFamily="18" charset="2"/>
-            </a:endParaRPr>
+              <a:t>Information Gain</a:t>
+            </a:r>
           </a:p>
         </p:txBody>
       </p:sp>
       <p:sp>
         <p:nvSpPr>
-          <p:cNvPr id="3" name="Rectangle 2">
+          <p:cNvPr id="34" name="Google Shape;96;p14">
             <a:extLst>
               <a:ext uri="{FF2B5EF4-FFF2-40B4-BE49-F238E27FC236}">
-                <a16:creationId xmlns:a16="http://schemas.microsoft.com/office/drawing/2014/main" id="{7A2A5F89-22ED-4F40-B7BF-3A31E63B5A12}"/>
+                <a16:creationId xmlns:a16="http://schemas.microsoft.com/office/drawing/2014/main" id="{58EA380B-9CCD-4D12-AAB2-9CBED38C12D0}"/>
               </a:ext>
             </a:extLst>
           </p:cNvPr>
-          <p:cNvSpPr/>
+          <p:cNvSpPr txBox="1"/>
           <p:nvPr/>
         </p:nvSpPr>
         <p:spPr>
           <a:xfrm>
-            <a:off x="7896639" y="660952"/>
-            <a:ext cx="5172199" cy="461665"/>
+            <a:off x="387626" y="1352811"/>
+            <a:ext cx="11504516" cy="5132867"/>
           </a:xfrm>
           <a:prstGeom prst="rect">
             <a:avLst/>
           </a:prstGeom>
+          <a:noFill/>
+          <a:ln>
+            <a:noFill/>
+          </a:ln>
         </p:spPr>
         <p:txBody>
-          <a:bodyPr wrap="square">
+          <a:bodyPr spcFirstLastPara="1" wrap="square" lIns="121900" tIns="121900" rIns="121900" bIns="121900" anchor="t" anchorCtr="0">
+            <a:noAutofit/>
+          </a:bodyPr>
+          <a:lstStyle/>
+          <a:p>
+            <a:pPr marL="342900" indent="-342900">
+              <a:buFont typeface="Arial" panose="020B0604020202020204" pitchFamily="34" charset="0"/>
+              <a:buChar char="•"/>
+            </a:pPr>
+            <a:r>
+              <a:rPr lang="en-US" dirty="0"/>
+              <a:t>IG quantifies how well a feature separates the data into classes. </a:t>
+            </a:r>
+            <a:endParaRPr lang="en-US" b="1" dirty="0"/>
+          </a:p>
+          <a:p>
+            <a:pPr marL="342900" indent="-342900">
+              <a:buFont typeface="Arial" panose="020B0604020202020204" pitchFamily="34" charset="0"/>
+              <a:buChar char="•"/>
+            </a:pPr>
+            <a:endParaRPr lang="en-US" dirty="0"/>
+          </a:p>
+          <a:p>
+            <a:pPr marL="342900" indent="-342900">
+              <a:buFont typeface="Arial" panose="020B0604020202020204" pitchFamily="34" charset="0"/>
+              <a:buChar char="•"/>
+            </a:pPr>
+            <a:r>
+              <a:rPr lang="en-US" dirty="0"/>
+              <a:t>Definition: IG is the expected reduction in entropy of target variable Y for data sample S, due to sorting.</a:t>
+            </a:r>
+          </a:p>
+          <a:p>
+            <a:pPr marL="342900" indent="-342900">
+              <a:buFont typeface="Arial" panose="020B0604020202020204" pitchFamily="34" charset="0"/>
+              <a:buChar char="•"/>
+            </a:pPr>
+            <a:endParaRPr lang="en-US" dirty="0"/>
+          </a:p>
+          <a:p>
+            <a:pPr marL="342900" indent="-342900">
+              <a:buFont typeface="Arial" panose="020B0604020202020204" pitchFamily="34" charset="0"/>
+              <a:buChar char="•"/>
+            </a:pPr>
+            <a:r>
+              <a:rPr lang="en-US" dirty="0"/>
+              <a:t>A reduction of entropy is often called an </a:t>
+            </a:r>
+            <a:r>
+              <a:rPr lang="en-US" b="1" i="1" dirty="0"/>
+              <a:t>information gain</a:t>
+            </a:r>
+            <a:r>
+              <a:rPr lang="en-US" b="1" dirty="0"/>
+              <a:t>.</a:t>
+            </a:r>
+            <a:endParaRPr lang="en-US" dirty="0"/>
+          </a:p>
+          <a:p>
+            <a:pPr marL="342900" indent="-342900">
+              <a:buFont typeface="Arial" panose="020B0604020202020204" pitchFamily="34" charset="0"/>
+              <a:buChar char="•"/>
+            </a:pPr>
+            <a:endParaRPr lang="en-US" dirty="0"/>
+          </a:p>
+          <a:p>
+            <a:pPr marL="342900" indent="-342900">
+              <a:buFont typeface="Arial" panose="020B0604020202020204" pitchFamily="34" charset="0"/>
+              <a:buChar char="•"/>
+            </a:pPr>
+            <a:r>
+              <a:rPr lang="en-US" dirty="0"/>
+              <a:t>We want to determine which attribute in a given set of training feature vectors is most useful for discriminating between the classes to be learned.</a:t>
+            </a:r>
+          </a:p>
+          <a:p>
+            <a:pPr marL="342900" indent="-342900">
+              <a:buFont typeface="Arial" panose="020B0604020202020204" pitchFamily="34" charset="0"/>
+              <a:buChar char="•"/>
+            </a:pPr>
+            <a:endParaRPr lang="en-US" dirty="0"/>
+          </a:p>
+          <a:p>
+            <a:pPr marL="342900" indent="-342900">
+              <a:buFont typeface="Arial" panose="020B0604020202020204" pitchFamily="34" charset="0"/>
+              <a:buChar char="•"/>
+            </a:pPr>
+            <a:r>
+              <a:rPr lang="en-US" dirty="0"/>
+              <a:t>Information gain tells us how important a given attribute of the feature vectors is.</a:t>
+            </a:r>
+          </a:p>
+          <a:p>
+            <a:pPr marL="342900" indent="-342900">
+              <a:buFont typeface="Arial" panose="020B0604020202020204" pitchFamily="34" charset="0"/>
+              <a:buChar char="•"/>
+            </a:pPr>
+            <a:endParaRPr lang="en-US" dirty="0"/>
+          </a:p>
+          <a:p>
+            <a:pPr marL="342900" indent="-342900">
+              <a:buFont typeface="Arial" panose="020B0604020202020204" pitchFamily="34" charset="0"/>
+              <a:buChar char="•"/>
+            </a:pPr>
+            <a:r>
+              <a:rPr lang="en-US" dirty="0"/>
+              <a:t> We will use it to decide the ordering of attributes in the nodes of a decision tree</a:t>
+            </a:r>
+          </a:p>
+        </p:txBody>
+      </p:sp>
+      <p:sp>
+        <p:nvSpPr>
+          <p:cNvPr id="2" name="TextBox 1">
+            <a:extLst>
+              <a:ext uri="{FF2B5EF4-FFF2-40B4-BE49-F238E27FC236}">
+                <a16:creationId xmlns:a16="http://schemas.microsoft.com/office/drawing/2014/main" id="{C9A40173-E82D-4835-B7C1-D505B0ECE630}"/>
+              </a:ext>
+            </a:extLst>
+          </p:cNvPr>
+          <p:cNvSpPr txBox="1"/>
+          <p:nvPr/>
+        </p:nvSpPr>
+        <p:spPr>
+          <a:xfrm>
+            <a:off x="134179" y="6425648"/>
+            <a:ext cx="4497457" cy="307777"/>
+          </a:xfrm>
+          <a:prstGeom prst="rect">
+            <a:avLst/>
+          </a:prstGeom>
+          <a:noFill/>
+        </p:spPr>
+        <p:txBody>
+          <a:bodyPr wrap="square" rtlCol="0">
             <a:spAutoFit/>
           </a:bodyPr>
           <a:lstStyle/>
           <a:p>
-            <a:pPr>
-              <a:spcBef>
-                <a:spcPct val="50000"/>
-              </a:spcBef>
-            </a:pPr>
-            <a:r>
-              <a:rPr lang="en-US" b="1" dirty="0">
+            <a:r>
+              <a:rPr lang="en-US" sz="1400" i="1" dirty="0">
                 <a:solidFill>
-                  <a:srgbClr val="E46102"/>
+                  <a:schemeClr val="bg1">
+                    <a:lumMod val="75000"/>
+                  </a:schemeClr>
                 </a:solidFill>
               </a:rPr>
-              <a:t>Alternate Splitting Criteria</a:t>
-            </a:r>
+              <a:t>Based on slide by Pedro </a:t>
+            </a:r>
+            <a:r>
+              <a:rPr lang="en-US" sz="1400" i="1" dirty="0" err="1">
+                <a:solidFill>
+                  <a:schemeClr val="bg1">
+                    <a:lumMod val="75000"/>
+                  </a:schemeClr>
+                </a:solidFill>
+              </a:rPr>
+              <a:t>Domingos</a:t>
+            </a:r>
+            <a:r>
+              <a:rPr lang="en-US" sz="1400" i="1" dirty="0">
+                <a:solidFill>
+                  <a:schemeClr val="bg1">
+                    <a:lumMod val="75000"/>
+                  </a:schemeClr>
+                </a:solidFill>
+              </a:rPr>
+              <a:t>, </a:t>
+            </a:r>
+            <a:r>
+              <a:rPr lang="en-US" sz="1400" i="1" dirty="0" err="1">
+                <a:solidFill>
+                  <a:schemeClr val="bg1">
+                    <a:lumMod val="75000"/>
+                  </a:schemeClr>
+                </a:solidFill>
+              </a:rPr>
+              <a:t>Sli</a:t>
+            </a:r>
+            <a:endParaRPr lang="en-US" sz="1400" i="1" dirty="0">
+              <a:solidFill>
+                <a:schemeClr val="bg1">
+                  <a:lumMod val="75000"/>
+                </a:schemeClr>
+              </a:solidFill>
+            </a:endParaRPr>
           </a:p>
         </p:txBody>
       </p:sp>
     </p:spTree>
     <p:extLst>
       <p:ext uri="{BB962C8B-B14F-4D97-AF65-F5344CB8AC3E}">
-        <p14:creationId xmlns:p14="http://schemas.microsoft.com/office/powerpoint/2010/main" val="3345183997"/>
+        <p14:creationId xmlns:p14="http://schemas.microsoft.com/office/powerpoint/2010/main" val="585811251"/>
       </p:ext>
     </p:extLst>
   </p:cSld>
@@ -22495,7 +22664,7 @@
                   <a:srgbClr val="E46102"/>
                 </a:solidFill>
               </a:rPr>
-              <a:t>From Entropy to Information Gain</a:t>
+              <a:t>Entropy</a:t>
             </a:r>
           </a:p>
         </p:txBody>
@@ -22535,7 +22704,122 @@
               <a:buFont typeface="Arial" panose="020B0604020202020204" pitchFamily="34" charset="0"/>
               <a:buChar char="•"/>
             </a:pPr>
+            <a:r>
+              <a:rPr lang="en-US" dirty="0"/>
+              <a:t>Entropy – A common way to measure impurity</a:t>
+            </a:r>
+          </a:p>
+          <a:p>
+            <a:pPr marL="342900" indent="-342900">
+              <a:buFont typeface="Arial" panose="020B0604020202020204" pitchFamily="34" charset="0"/>
+              <a:buChar char="•"/>
+            </a:pPr>
             <a:endParaRPr lang="en-US" dirty="0"/>
+          </a:p>
+          <a:p>
+            <a:pPr marL="342900" indent="-342900">
+              <a:buFont typeface="Arial" panose="020B0604020202020204" pitchFamily="34" charset="0"/>
+              <a:buChar char="•"/>
+            </a:pPr>
+            <a:endParaRPr lang="en-US" dirty="0"/>
+          </a:p>
+          <a:p>
+            <a:pPr marL="342900" indent="-342900">
+              <a:buFont typeface="Arial" panose="020B0604020202020204" pitchFamily="34" charset="0"/>
+              <a:buChar char="•"/>
+            </a:pPr>
+            <a:endParaRPr lang="en-US" dirty="0"/>
+          </a:p>
+          <a:p>
+            <a:pPr marL="342900" indent="-342900">
+              <a:buFont typeface="Arial" panose="020B0604020202020204" pitchFamily="34" charset="0"/>
+              <a:buChar char="•"/>
+            </a:pPr>
+            <a:endParaRPr lang="en-US" dirty="0"/>
+          </a:p>
+          <a:p>
+            <a:endParaRPr lang="en-US" dirty="0"/>
+          </a:p>
+          <a:p>
+            <a:pPr marL="342900" indent="-342900">
+              <a:buFont typeface="Arial" panose="020B0604020202020204" pitchFamily="34" charset="0"/>
+              <a:buChar char="•"/>
+            </a:pPr>
+            <a:r>
+              <a:rPr lang="en-US" sz="2000" dirty="0"/>
+              <a:t>n is the # of possible values for X</a:t>
+            </a:r>
+          </a:p>
+          <a:p>
+            <a:pPr marL="342900" indent="-342900">
+              <a:buFont typeface="Arial" panose="020B0604020202020204" pitchFamily="34" charset="0"/>
+              <a:buChar char="•"/>
+            </a:pPr>
+            <a:endParaRPr lang="en-US" sz="2000" dirty="0"/>
+          </a:p>
+          <a:p>
+            <a:pPr marL="342900" indent="-342900">
+              <a:buFont typeface="Arial" panose="020B0604020202020204" pitchFamily="34" charset="0"/>
+              <a:buChar char="•"/>
+            </a:pPr>
+            <a:r>
+              <a:rPr lang="en-US" sz="2000" dirty="0"/>
+              <a:t>Where, </a:t>
+            </a:r>
+            <a:r>
+              <a:rPr lang="en-US" sz="2000" dirty="0" err="1"/>
+              <a:t>p</a:t>
+            </a:r>
+            <a:r>
+              <a:rPr lang="en-US" sz="2000" baseline="-25000" dirty="0" err="1"/>
+              <a:t>i,k</a:t>
+            </a:r>
+            <a:r>
+              <a:rPr lang="en-US" sz="2000" dirty="0"/>
+              <a:t> is the probability of class k.</a:t>
+            </a:r>
+          </a:p>
+          <a:p>
+            <a:pPr marL="342900" indent="-342900">
+              <a:buFont typeface="Arial" panose="020B0604020202020204" pitchFamily="34" charset="0"/>
+              <a:buChar char="•"/>
+            </a:pPr>
+            <a:endParaRPr lang="en-US" sz="2000" dirty="0"/>
+          </a:p>
+          <a:p>
+            <a:pPr marL="342900" indent="-342900">
+              <a:buFont typeface="Arial" panose="020B0604020202020204" pitchFamily="34" charset="0"/>
+              <a:buChar char="•"/>
+            </a:pPr>
+            <a:r>
+              <a:rPr lang="en-US" sz="2000" dirty="0"/>
+              <a:t>Compute it as the proportion of class k in the </a:t>
+            </a:r>
+            <a:r>
+              <a:rPr lang="en-US" sz="2000" b="1" dirty="0"/>
+              <a:t>training set</a:t>
+            </a:r>
+          </a:p>
+          <a:p>
+            <a:pPr marL="342900" indent="-342900">
+              <a:buFont typeface="Arial" panose="020B0604020202020204" pitchFamily="34" charset="0"/>
+              <a:buChar char="•"/>
+            </a:pPr>
+            <a:endParaRPr lang="en-US" sz="2000" dirty="0"/>
+          </a:p>
+          <a:p>
+            <a:pPr marL="342900" indent="-342900">
+              <a:buFont typeface="Arial" panose="020B0604020202020204" pitchFamily="34" charset="0"/>
+              <a:buChar char="•"/>
+            </a:pPr>
+            <a:r>
+              <a:rPr lang="en-US" sz="2000" dirty="0"/>
+              <a:t>Note: Entropy comes from information theory. The higher the entropy the more the information content.</a:t>
+            </a:r>
+            <a:br>
+              <a:rPr lang="en-US" sz="2000" dirty="0"/>
+            </a:br>
+            <a:endParaRPr lang="en-US" sz="2000" dirty="0"/>
           </a:p>
         </p:txBody>
       </p:sp>
@@ -22575,17 +22859,63 @@
                   </a:schemeClr>
                 </a:solidFill>
               </a:rPr>
-              <a:t>Based on slide by Tom Mitchell</a:t>
-            </a:r>
+              <a:t>Based on slide by Pedro </a:t>
+            </a:r>
+            <a:r>
+              <a:rPr lang="en-US" sz="1400" i="1" dirty="0" err="1">
+                <a:solidFill>
+                  <a:schemeClr val="bg1">
+                    <a:lumMod val="75000"/>
+                  </a:schemeClr>
+                </a:solidFill>
+              </a:rPr>
+              <a:t>Domingos</a:t>
+            </a:r>
+            <a:endParaRPr lang="en-US" sz="1400" i="1" dirty="0">
+              <a:solidFill>
+                <a:schemeClr val="bg1">
+                  <a:lumMod val="75000"/>
+                </a:schemeClr>
+              </a:solidFill>
+            </a:endParaRPr>
           </a:p>
         </p:txBody>
       </p:sp>
       <p:pic>
         <p:nvPicPr>
-          <p:cNvPr id="6" name="Picture 5">
+          <p:cNvPr id="5" name="Picture 4">
             <a:extLst>
               <a:ext uri="{FF2B5EF4-FFF2-40B4-BE49-F238E27FC236}">
-                <a16:creationId xmlns:a16="http://schemas.microsoft.com/office/drawing/2014/main" id="{445DCCA3-7C29-4AF2-90DA-52BFCEEC5AD2}"/>
+                <a16:creationId xmlns:a16="http://schemas.microsoft.com/office/drawing/2014/main" id="{2318DE68-A992-4D0A-A124-35BD3001D45C}"/>
+              </a:ext>
+            </a:extLst>
+          </p:cNvPr>
+          <p:cNvPicPr>
+            <a:picLocks noChangeAspect="1"/>
+          </p:cNvPicPr>
+          <p:nvPr/>
+        </p:nvPicPr>
+        <p:blipFill rotWithShape="1">
+          <a:blip r:embed="rId3"/>
+          <a:srcRect l="727" t="20918" r="69055" b="-2463"/>
+          <a:stretch/>
+        </p:blipFill>
+        <p:spPr>
+          <a:xfrm>
+            <a:off x="8893038" y="2131944"/>
+            <a:ext cx="2343150" cy="2196747"/>
+          </a:xfrm>
+          <a:prstGeom prst="rect">
+            <a:avLst/>
+          </a:prstGeom>
+        </p:spPr>
+      </p:pic>
+      <p:pic>
+        <p:nvPicPr>
+          <p:cNvPr id="4" name="Picture 3">
+            <a:extLst>
+              <a:ext uri="{FF2B5EF4-FFF2-40B4-BE49-F238E27FC236}">
+                <a16:creationId xmlns:a16="http://schemas.microsoft.com/office/drawing/2014/main" id="{ECC605A6-A878-4CD3-9AC9-C7619E2C4C78}"/>
               </a:ext>
             </a:extLst>
           </p:cNvPr>
@@ -22595,15 +22925,15 @@
           <p:nvPr/>
         </p:nvPicPr>
         <p:blipFill>
-          <a:blip r:embed="rId3"/>
+          <a:blip r:embed="rId4"/>
           <a:stretch>
             <a:fillRect/>
           </a:stretch>
         </p:blipFill>
         <p:spPr>
           <a:xfrm>
-            <a:off x="1073427" y="1402702"/>
-            <a:ext cx="6555380" cy="4814224"/>
+            <a:off x="1500808" y="2227052"/>
+            <a:ext cx="3230425" cy="1170074"/>
           </a:xfrm>
           <a:prstGeom prst="rect">
             <a:avLst/>
@@ -22613,7 +22943,7 @@
     </p:spTree>
     <p:extLst>
       <p:ext uri="{BB962C8B-B14F-4D97-AF65-F5344CB8AC3E}">
-        <p14:creationId xmlns:p14="http://schemas.microsoft.com/office/powerpoint/2010/main" val="10293956"/>
+        <p14:creationId xmlns:p14="http://schemas.microsoft.com/office/powerpoint/2010/main" val="3251565341"/>
       </p:ext>
     </p:extLst>
   </p:cSld>
@@ -22642,478 +22972,176 @@
       </p:grpSpPr>
       <p:sp>
         <p:nvSpPr>
-          <p:cNvPr id="95" name="Google Shape;95;p14"/>
-          <p:cNvSpPr txBox="1">
-            <a:spLocks noGrp="1"/>
+          <p:cNvPr id="9" name="Rectangle 4">
+            <a:extLst>
+              <a:ext uri="{FF2B5EF4-FFF2-40B4-BE49-F238E27FC236}">
+                <a16:creationId xmlns:a16="http://schemas.microsoft.com/office/drawing/2014/main" id="{5C915ED5-BC22-4210-B2CA-DB8E43F9B03B}"/>
+              </a:ext>
+            </a:extLst>
+          </p:cNvPr>
+          <p:cNvSpPr>
+            <a:spLocks noChangeArrowheads="1"/>
           </p:cNvSpPr>
-          <p:nvPr>
-            <p:ph type="title" idx="4294967295"/>
-          </p:nvPr>
+          <p:nvPr/>
         </p:nvSpPr>
-        <p:spPr>
-          <a:xfrm>
-            <a:off x="717173" y="696913"/>
-            <a:ext cx="10972800" cy="506789"/>
+        <p:spPr bwMode="auto">
+          <a:xfrm>
+            <a:off x="518493" y="1773910"/>
+            <a:ext cx="11529362" cy="3693319"/>
           </a:xfrm>
           <a:prstGeom prst="rect">
             <a:avLst/>
           </a:prstGeom>
+          <a:noFill/>
+          <a:ln w="9525">
+            <a:noFill/>
+            <a:miter lim="800000"/>
+            <a:headEnd/>
+            <a:tailEnd/>
+          </a:ln>
+          <a:effectLst/>
         </p:spPr>
         <p:txBody>
-          <a:bodyPr spcFirstLastPara="1" wrap="square" lIns="121900" tIns="121900" rIns="121900" bIns="121900" anchor="ctr" anchorCtr="0">
-            <a:noAutofit/>
+          <a:bodyPr wrap="square" lIns="0" tIns="0" rIns="0" bIns="0">
+            <a:spAutoFit/>
           </a:bodyPr>
           <a:lstStyle/>
           <a:p>
-            <a:r>
-              <a:rPr lang="en-US" sz="4000" b="1" dirty="0">
-                <a:solidFill>
-                  <a:srgbClr val="E46102"/>
-                </a:solidFill>
+            <a:pPr marL="165100" indent="-165100">
+              <a:spcAft>
+                <a:spcPts val="1800"/>
+              </a:spcAft>
+              <a:buFont typeface="Arial" pitchFamily="34" charset="0"/>
+              <a:buChar char="•"/>
+            </a:pPr>
+            <a:r>
+              <a:rPr lang="en-US" sz="2000" b="1" dirty="0"/>
+              <a:t>Variance impurity</a:t>
+            </a:r>
+            <a:r>
+              <a:rPr lang="en-US" sz="2000" dirty="0"/>
+              <a:t>: </a:t>
+            </a:r>
+            <a:r>
+              <a:rPr lang="en-US" sz="2000" dirty="0">
+                <a:sym typeface="Symbol" pitchFamily="18" charset="2"/>
               </a:rPr>
-              <a:t>Calculating Information Gain</a:t>
-            </a:r>
+              <a:t>because this is related to the variance of a distribution associated with the two classes.</a:t>
+            </a:r>
+          </a:p>
+          <a:p>
+            <a:pPr marL="165100" indent="-165100">
+              <a:spcAft>
+                <a:spcPts val="1800"/>
+              </a:spcAft>
+              <a:buFont typeface="Arial" pitchFamily="34" charset="0"/>
+              <a:buChar char="•"/>
+            </a:pPr>
+            <a:r>
+              <a:rPr lang="en-US" sz="2000" b="1" dirty="0">
+                <a:sym typeface="Symbol" pitchFamily="18" charset="2"/>
+              </a:rPr>
+              <a:t>Gini Impurity</a:t>
+            </a:r>
+            <a:r>
+              <a:rPr lang="en-US" sz="2000" dirty="0">
+                <a:sym typeface="Symbol" pitchFamily="18" charset="2"/>
+              </a:rPr>
+              <a:t>: The expected error rate at node </a:t>
+            </a:r>
+            <a:r>
+              <a:rPr lang="en-US" sz="2000" i="1" dirty="0">
+                <a:sym typeface="Symbol" pitchFamily="18" charset="2"/>
+              </a:rPr>
+              <a:t>N</a:t>
+            </a:r>
+            <a:r>
+              <a:rPr lang="en-US" sz="2000" dirty="0">
+                <a:sym typeface="Symbol" pitchFamily="18" charset="2"/>
+              </a:rPr>
+              <a:t> if the category label is selected randomly from the class distribution present at node </a:t>
+            </a:r>
+            <a:r>
+              <a:rPr lang="en-US" sz="2000" i="1" dirty="0">
+                <a:sym typeface="Symbol" pitchFamily="18" charset="2"/>
+              </a:rPr>
+              <a:t>N</a:t>
+            </a:r>
+            <a:r>
+              <a:rPr lang="en-US" sz="2000" dirty="0">
+                <a:sym typeface="Symbol" pitchFamily="18" charset="2"/>
+              </a:rPr>
+              <a:t>.</a:t>
+            </a:r>
+          </a:p>
+          <a:p>
+            <a:pPr marL="165100" indent="-165100">
+              <a:spcAft>
+                <a:spcPts val="1800"/>
+              </a:spcAft>
+              <a:buFont typeface="Arial" pitchFamily="34" charset="0"/>
+              <a:buChar char="•"/>
+            </a:pPr>
+            <a:r>
+              <a:rPr lang="en-US" sz="2000" b="1" dirty="0">
+                <a:sym typeface="Symbol" pitchFamily="18" charset="2"/>
+              </a:rPr>
+              <a:t>Misclassification impurity</a:t>
+            </a:r>
+            <a:r>
+              <a:rPr lang="en-US" sz="2000" dirty="0">
+                <a:sym typeface="Symbol" pitchFamily="18" charset="2"/>
+              </a:rPr>
+              <a:t>: measures the minimum probability that a training pattern would be misclassified at node </a:t>
+            </a:r>
+            <a:r>
+              <a:rPr lang="en-US" sz="2000" i="1" dirty="0">
+                <a:sym typeface="Symbol" pitchFamily="18" charset="2"/>
+              </a:rPr>
+              <a:t>N</a:t>
+            </a:r>
+            <a:r>
+              <a:rPr lang="en-US" sz="2000" dirty="0">
+                <a:sym typeface="Symbol" pitchFamily="18" charset="2"/>
+              </a:rPr>
+              <a:t>.</a:t>
+            </a:r>
+          </a:p>
+          <a:p>
+            <a:pPr marL="165100" indent="-165100">
+              <a:spcAft>
+                <a:spcPts val="1800"/>
+              </a:spcAft>
+              <a:buFont typeface="Arial" pitchFamily="34" charset="0"/>
+              <a:buChar char="•"/>
+            </a:pPr>
+            <a:r>
+              <a:rPr lang="en-US" sz="2000" dirty="0">
+                <a:sym typeface="Symbol" pitchFamily="18" charset="2"/>
+              </a:rPr>
+              <a:t>In practice, simple entropy splitting (choosing the question that splits the data into two classes of equal size) is very effective.</a:t>
+            </a:r>
+          </a:p>
+          <a:p>
+            <a:pPr marL="165100" indent="-165100">
+              <a:spcAft>
+                <a:spcPts val="1800"/>
+              </a:spcAft>
+              <a:buFont typeface="Arial" pitchFamily="34" charset="0"/>
+              <a:buChar char="•"/>
+            </a:pPr>
+            <a:endParaRPr lang="en-US" sz="2000" dirty="0">
+              <a:sym typeface="Symbol" pitchFamily="18" charset="2"/>
+            </a:endParaRPr>
           </a:p>
         </p:txBody>
       </p:sp>
       <p:sp>
         <p:nvSpPr>
-          <p:cNvPr id="2" name="TextBox 1">
+          <p:cNvPr id="3" name="Rectangle 2">
             <a:extLst>
               <a:ext uri="{FF2B5EF4-FFF2-40B4-BE49-F238E27FC236}">
-                <a16:creationId xmlns:a16="http://schemas.microsoft.com/office/drawing/2014/main" id="{C9A40173-E82D-4835-B7C1-D505B0ECE630}"/>
-              </a:ext>
-            </a:extLst>
-          </p:cNvPr>
-          <p:cNvSpPr txBox="1"/>
-          <p:nvPr/>
-        </p:nvSpPr>
-        <p:spPr>
-          <a:xfrm>
-            <a:off x="134179" y="6425648"/>
-            <a:ext cx="4497457" cy="307777"/>
-          </a:xfrm>
-          <a:prstGeom prst="rect">
-            <a:avLst/>
-          </a:prstGeom>
-          <a:noFill/>
-        </p:spPr>
-        <p:txBody>
-          <a:bodyPr wrap="square" rtlCol="0">
-            <a:spAutoFit/>
-          </a:bodyPr>
-          <a:lstStyle/>
-          <a:p>
-            <a:r>
-              <a:rPr lang="en-US" sz="1400" i="1" dirty="0">
-                <a:solidFill>
-                  <a:schemeClr val="bg1">
-                    <a:lumMod val="75000"/>
-                  </a:schemeClr>
-                </a:solidFill>
-              </a:rPr>
-              <a:t>Based on slide by Pedro </a:t>
-            </a:r>
-            <a:r>
-              <a:rPr lang="en-US" sz="1400" i="1" dirty="0" err="1">
-                <a:solidFill>
-                  <a:schemeClr val="bg1">
-                    <a:lumMod val="75000"/>
-                  </a:schemeClr>
-                </a:solidFill>
-              </a:rPr>
-              <a:t>Domingos</a:t>
-            </a:r>
-            <a:endParaRPr lang="en-US" sz="1400" i="1" dirty="0">
-              <a:solidFill>
-                <a:schemeClr val="bg1">
-                  <a:lumMod val="75000"/>
-                </a:schemeClr>
-              </a:solidFill>
-            </a:endParaRPr>
-          </a:p>
-        </p:txBody>
-      </p:sp>
-      <p:pic>
-        <p:nvPicPr>
-          <p:cNvPr id="4" name="Picture 3">
-            <a:extLst>
-              <a:ext uri="{FF2B5EF4-FFF2-40B4-BE49-F238E27FC236}">
-                <a16:creationId xmlns:a16="http://schemas.microsoft.com/office/drawing/2014/main" id="{2A9AA9B8-FFDC-4D44-9A5F-26A8509EDCBA}"/>
-              </a:ext>
-            </a:extLst>
-          </p:cNvPr>
-          <p:cNvPicPr>
-            <a:picLocks noChangeAspect="1"/>
-          </p:cNvPicPr>
-          <p:nvPr/>
-        </p:nvPicPr>
-        <p:blipFill>
-          <a:blip r:embed="rId3"/>
-          <a:stretch>
-            <a:fillRect/>
-          </a:stretch>
-        </p:blipFill>
-        <p:spPr>
-          <a:xfrm>
-            <a:off x="8239539" y="1901110"/>
-            <a:ext cx="3071446" cy="506789"/>
-          </a:xfrm>
-          <a:prstGeom prst="rect">
-            <a:avLst/>
-          </a:prstGeom>
-        </p:spPr>
-      </p:pic>
-      <p:sp>
-        <p:nvSpPr>
-          <p:cNvPr id="5" name="TextBox 4">
-            <a:extLst>
-              <a:ext uri="{FF2B5EF4-FFF2-40B4-BE49-F238E27FC236}">
-                <a16:creationId xmlns:a16="http://schemas.microsoft.com/office/drawing/2014/main" id="{052FF921-4FAA-46F2-92F1-A2300DEA12C7}"/>
-              </a:ext>
-            </a:extLst>
-          </p:cNvPr>
-          <p:cNvSpPr txBox="1"/>
-          <p:nvPr/>
-        </p:nvSpPr>
-        <p:spPr>
-          <a:xfrm>
-            <a:off x="506896" y="1364179"/>
-            <a:ext cx="6942482" cy="461665"/>
-          </a:xfrm>
-          <a:prstGeom prst="rect">
-            <a:avLst/>
-          </a:prstGeom>
-          <a:noFill/>
-        </p:spPr>
-        <p:txBody>
-          <a:bodyPr wrap="square" rtlCol="0">
-            <a:spAutoFit/>
-          </a:bodyPr>
-          <a:lstStyle/>
-          <a:p>
-            <a:r>
-              <a:rPr lang="en-US" dirty="0"/>
-              <a:t>IG: entropy(parent)- [average entropy (children)]</a:t>
-            </a:r>
-          </a:p>
-        </p:txBody>
-      </p:sp>
-      <p:sp>
-        <p:nvSpPr>
-          <p:cNvPr id="9" name="TextBox 8">
-            <a:extLst>
-              <a:ext uri="{FF2B5EF4-FFF2-40B4-BE49-F238E27FC236}">
-                <a16:creationId xmlns:a16="http://schemas.microsoft.com/office/drawing/2014/main" id="{00558541-D71D-433E-88C6-B69771EE2510}"/>
-              </a:ext>
-            </a:extLst>
-          </p:cNvPr>
-          <p:cNvSpPr txBox="1"/>
-          <p:nvPr/>
-        </p:nvSpPr>
-        <p:spPr>
-          <a:xfrm>
-            <a:off x="6309691" y="1901110"/>
-            <a:ext cx="1929848" cy="400110"/>
-          </a:xfrm>
-          <a:prstGeom prst="rect">
-            <a:avLst/>
-          </a:prstGeom>
-          <a:noFill/>
-        </p:spPr>
-        <p:txBody>
-          <a:bodyPr wrap="square" rtlCol="0">
-            <a:spAutoFit/>
-          </a:bodyPr>
-          <a:lstStyle/>
-          <a:p>
-            <a:r>
-              <a:rPr lang="en-US" sz="2000" b="1" dirty="0">
-                <a:solidFill>
-                  <a:srgbClr val="E46102"/>
-                </a:solidFill>
-              </a:rPr>
-              <a:t>child entropy</a:t>
-            </a:r>
-          </a:p>
-        </p:txBody>
-      </p:sp>
-      <p:sp>
-        <p:nvSpPr>
-          <p:cNvPr id="10" name="TextBox 9">
-            <a:extLst>
-              <a:ext uri="{FF2B5EF4-FFF2-40B4-BE49-F238E27FC236}">
-                <a16:creationId xmlns:a16="http://schemas.microsoft.com/office/drawing/2014/main" id="{B3EEFDB2-FE12-47B8-88F6-D1DA73E4A4A7}"/>
-              </a:ext>
-            </a:extLst>
-          </p:cNvPr>
-          <p:cNvSpPr txBox="1"/>
-          <p:nvPr/>
-        </p:nvSpPr>
-        <p:spPr>
-          <a:xfrm>
-            <a:off x="544995" y="2582104"/>
-            <a:ext cx="2208143" cy="707886"/>
-          </a:xfrm>
-          <a:prstGeom prst="rect">
-            <a:avLst/>
-          </a:prstGeom>
-          <a:noFill/>
-        </p:spPr>
-        <p:txBody>
-          <a:bodyPr wrap="square" rtlCol="0">
-            <a:spAutoFit/>
-          </a:bodyPr>
-          <a:lstStyle/>
-          <a:p>
-            <a:pPr algn="ctr"/>
-            <a:r>
-              <a:rPr lang="en-US" sz="2000" dirty="0"/>
-              <a:t>Training dataset (30 instances)</a:t>
-            </a:r>
-          </a:p>
-        </p:txBody>
-      </p:sp>
-      <p:sp>
-        <p:nvSpPr>
-          <p:cNvPr id="11" name="TextBox 10">
-            <a:extLst>
-              <a:ext uri="{FF2B5EF4-FFF2-40B4-BE49-F238E27FC236}">
-                <a16:creationId xmlns:a16="http://schemas.microsoft.com/office/drawing/2014/main" id="{6F6079C9-F479-4604-B267-73D3E9F25EE9}"/>
-              </a:ext>
-            </a:extLst>
-          </p:cNvPr>
-          <p:cNvSpPr txBox="1"/>
-          <p:nvPr/>
-        </p:nvSpPr>
-        <p:spPr>
-          <a:xfrm>
-            <a:off x="270013" y="5139610"/>
-            <a:ext cx="1929848" cy="369332"/>
-          </a:xfrm>
-          <a:prstGeom prst="rect">
-            <a:avLst/>
-          </a:prstGeom>
-          <a:noFill/>
-        </p:spPr>
-        <p:txBody>
-          <a:bodyPr wrap="square" rtlCol="0">
-            <a:spAutoFit/>
-          </a:bodyPr>
-          <a:lstStyle/>
-          <a:p>
-            <a:r>
-              <a:rPr lang="en-US" sz="1800" b="1" dirty="0">
-                <a:solidFill>
-                  <a:srgbClr val="E46102"/>
-                </a:solidFill>
-              </a:rPr>
-              <a:t>parent entropy</a:t>
-            </a:r>
-          </a:p>
-        </p:txBody>
-      </p:sp>
-      <p:sp>
-        <p:nvSpPr>
-          <p:cNvPr id="12" name="TextBox 11">
-            <a:extLst>
-              <a:ext uri="{FF2B5EF4-FFF2-40B4-BE49-F238E27FC236}">
-                <a16:creationId xmlns:a16="http://schemas.microsoft.com/office/drawing/2014/main" id="{885A99EE-30D7-4781-844D-4399C0D8EF31}"/>
-              </a:ext>
-            </a:extLst>
-          </p:cNvPr>
-          <p:cNvSpPr txBox="1"/>
-          <p:nvPr/>
-        </p:nvSpPr>
-        <p:spPr>
-          <a:xfrm>
-            <a:off x="6309691" y="4001579"/>
-            <a:ext cx="1929848" cy="400110"/>
-          </a:xfrm>
-          <a:prstGeom prst="rect">
-            <a:avLst/>
-          </a:prstGeom>
-          <a:noFill/>
-        </p:spPr>
-        <p:txBody>
-          <a:bodyPr wrap="square" rtlCol="0">
-            <a:spAutoFit/>
-          </a:bodyPr>
-          <a:lstStyle/>
-          <a:p>
-            <a:r>
-              <a:rPr lang="en-US" sz="2000" b="1" dirty="0">
-                <a:solidFill>
-                  <a:srgbClr val="E46102"/>
-                </a:solidFill>
-              </a:rPr>
-              <a:t>child entropy</a:t>
-            </a:r>
-          </a:p>
-        </p:txBody>
-      </p:sp>
-      <p:pic>
-        <p:nvPicPr>
-          <p:cNvPr id="8" name="Picture 7">
-            <a:extLst>
-              <a:ext uri="{FF2B5EF4-FFF2-40B4-BE49-F238E27FC236}">
-                <a16:creationId xmlns:a16="http://schemas.microsoft.com/office/drawing/2014/main" id="{88DBDD81-8038-43FD-94AA-FCC5BE3B4759}"/>
-              </a:ext>
-            </a:extLst>
-          </p:cNvPr>
-          <p:cNvPicPr>
-            <a:picLocks noChangeAspect="1"/>
-          </p:cNvPicPr>
-          <p:nvPr/>
-        </p:nvPicPr>
-        <p:blipFill>
-          <a:blip r:embed="rId4"/>
-          <a:stretch>
-            <a:fillRect/>
-          </a:stretch>
-        </p:blipFill>
-        <p:spPr>
-          <a:xfrm>
-            <a:off x="594238" y="3499779"/>
-            <a:ext cx="1527766" cy="1332732"/>
-          </a:xfrm>
-          <a:prstGeom prst="rect">
-            <a:avLst/>
-          </a:prstGeom>
-        </p:spPr>
-      </p:pic>
-      <p:pic>
-        <p:nvPicPr>
-          <p:cNvPr id="14" name="Picture 13">
-            <a:extLst>
-              <a:ext uri="{FF2B5EF4-FFF2-40B4-BE49-F238E27FC236}">
-                <a16:creationId xmlns:a16="http://schemas.microsoft.com/office/drawing/2014/main" id="{801B1A41-4981-48DE-9BDA-353F48387896}"/>
-              </a:ext>
-            </a:extLst>
-          </p:cNvPr>
-          <p:cNvPicPr>
-            <a:picLocks noChangeAspect="1"/>
-          </p:cNvPicPr>
-          <p:nvPr/>
-        </p:nvPicPr>
-        <p:blipFill>
-          <a:blip r:embed="rId5"/>
-          <a:stretch>
-            <a:fillRect/>
-          </a:stretch>
-        </p:blipFill>
-        <p:spPr>
-          <a:xfrm>
-            <a:off x="6950765" y="2334514"/>
-            <a:ext cx="1182286" cy="1085010"/>
-          </a:xfrm>
-          <a:prstGeom prst="rect">
-            <a:avLst/>
-          </a:prstGeom>
-        </p:spPr>
-      </p:pic>
-      <p:pic>
-        <p:nvPicPr>
-          <p:cNvPr id="16" name="Picture 15">
-            <a:extLst>
-              <a:ext uri="{FF2B5EF4-FFF2-40B4-BE49-F238E27FC236}">
-                <a16:creationId xmlns:a16="http://schemas.microsoft.com/office/drawing/2014/main" id="{34D09DEA-B369-4DA0-9593-A17117516B0F}"/>
-              </a:ext>
-            </a:extLst>
-          </p:cNvPr>
-          <p:cNvPicPr>
-            <a:picLocks noChangeAspect="1"/>
-          </p:cNvPicPr>
-          <p:nvPr/>
-        </p:nvPicPr>
-        <p:blipFill>
-          <a:blip r:embed="rId6"/>
-          <a:stretch>
-            <a:fillRect/>
-          </a:stretch>
-        </p:blipFill>
-        <p:spPr>
-          <a:xfrm>
-            <a:off x="6892788" y="4510188"/>
-            <a:ext cx="1286064" cy="1225646"/>
-          </a:xfrm>
-          <a:prstGeom prst="rect">
-            <a:avLst/>
-          </a:prstGeom>
-        </p:spPr>
-      </p:pic>
-      <p:pic>
-        <p:nvPicPr>
-          <p:cNvPr id="18" name="Picture 17">
-            <a:extLst>
-              <a:ext uri="{FF2B5EF4-FFF2-40B4-BE49-F238E27FC236}">
-                <a16:creationId xmlns:a16="http://schemas.microsoft.com/office/drawing/2014/main" id="{A85139E6-DA49-48E4-A667-37C7D1DFADF3}"/>
-              </a:ext>
-            </a:extLst>
-          </p:cNvPr>
-          <p:cNvPicPr>
-            <a:picLocks noChangeAspect="1"/>
-          </p:cNvPicPr>
-          <p:nvPr/>
-        </p:nvPicPr>
-        <p:blipFill>
-          <a:blip r:embed="rId7"/>
-          <a:stretch>
-            <a:fillRect/>
-          </a:stretch>
-        </p:blipFill>
-        <p:spPr>
-          <a:xfrm>
-            <a:off x="8133051" y="3948239"/>
-            <a:ext cx="3116376" cy="506789"/>
-          </a:xfrm>
-          <a:prstGeom prst="rect">
-            <a:avLst/>
-          </a:prstGeom>
-        </p:spPr>
-      </p:pic>
-      <p:sp>
-        <p:nvSpPr>
-          <p:cNvPr id="21" name="TextBox 20">
-            <a:extLst>
-              <a:ext uri="{FF2B5EF4-FFF2-40B4-BE49-F238E27FC236}">
-                <a16:creationId xmlns:a16="http://schemas.microsoft.com/office/drawing/2014/main" id="{135D34F8-43B9-488D-8970-4DADF1F27EDD}"/>
-              </a:ext>
-            </a:extLst>
-          </p:cNvPr>
-          <p:cNvSpPr txBox="1"/>
-          <p:nvPr/>
-        </p:nvSpPr>
-        <p:spPr>
-          <a:xfrm>
-            <a:off x="8782878" y="2496778"/>
-            <a:ext cx="2208143" cy="400110"/>
-          </a:xfrm>
-          <a:prstGeom prst="rect">
-            <a:avLst/>
-          </a:prstGeom>
-          <a:noFill/>
-        </p:spPr>
-        <p:txBody>
-          <a:bodyPr wrap="square" rtlCol="0">
-            <a:spAutoFit/>
-          </a:bodyPr>
-          <a:lstStyle/>
-          <a:p>
-            <a:pPr algn="ctr"/>
-            <a:r>
-              <a:rPr lang="en-US" sz="2000" dirty="0"/>
-              <a:t>(17 instances)</a:t>
-            </a:r>
-          </a:p>
-        </p:txBody>
-      </p:sp>
-      <p:sp>
-        <p:nvSpPr>
-          <p:cNvPr id="19" name="Rectangle 18">
-            <a:extLst>
-              <a:ext uri="{FF2B5EF4-FFF2-40B4-BE49-F238E27FC236}">
-                <a16:creationId xmlns:a16="http://schemas.microsoft.com/office/drawing/2014/main" id="{B46B4BBE-6985-40C6-8283-1AB66AFC548F}"/>
+                <a16:creationId xmlns:a16="http://schemas.microsoft.com/office/drawing/2014/main" id="{7A2A5F89-22ED-4F40-B7BF-3A31E63B5A12}"/>
               </a:ext>
             </a:extLst>
           </p:cNvPr>
@@ -23122,144 +23150,39 @@
         </p:nvSpPr>
         <p:spPr>
           <a:xfrm>
-            <a:off x="8180408" y="5210842"/>
-            <a:ext cx="2119491" cy="461665"/>
+            <a:off x="7896639" y="660952"/>
+            <a:ext cx="5172199" cy="461665"/>
           </a:xfrm>
           <a:prstGeom prst="rect">
             <a:avLst/>
           </a:prstGeom>
         </p:spPr>
         <p:txBody>
-          <a:bodyPr wrap="none">
+          <a:bodyPr wrap="square">
             <a:spAutoFit/>
           </a:bodyPr>
           <a:lstStyle/>
           <a:p>
-            <a:pPr algn="ctr"/>
-            <a:r>
-              <a:rPr lang="en-US" dirty="0"/>
-              <a:t>(13 instances)</a:t>
+            <a:pPr>
+              <a:spcBef>
+                <a:spcPct val="50000"/>
+              </a:spcBef>
+            </a:pPr>
+            <a:r>
+              <a:rPr lang="en-US" b="1" dirty="0">
+                <a:solidFill>
+                  <a:srgbClr val="E46102"/>
+                </a:solidFill>
+              </a:rPr>
+              <a:t>Alternate Splitting Criteria</a:t>
             </a:r>
           </a:p>
         </p:txBody>
       </p:sp>
-      <p:pic>
-        <p:nvPicPr>
-          <p:cNvPr id="22" name="Picture 21">
-            <a:extLst>
-              <a:ext uri="{FF2B5EF4-FFF2-40B4-BE49-F238E27FC236}">
-                <a16:creationId xmlns:a16="http://schemas.microsoft.com/office/drawing/2014/main" id="{39F0E606-2AE9-4B6B-A2DF-B7C18E69B7EC}"/>
-              </a:ext>
-            </a:extLst>
-          </p:cNvPr>
-          <p:cNvPicPr>
-            <a:picLocks noChangeAspect="1"/>
-          </p:cNvPicPr>
-          <p:nvPr/>
-        </p:nvPicPr>
-        <p:blipFill>
-          <a:blip r:embed="rId8"/>
-          <a:stretch>
-            <a:fillRect/>
-          </a:stretch>
-        </p:blipFill>
-        <p:spPr>
-          <a:xfrm>
-            <a:off x="2045395" y="5042300"/>
-            <a:ext cx="3404873" cy="589821"/>
-          </a:xfrm>
-          <a:prstGeom prst="rect">
-            <a:avLst/>
-          </a:prstGeom>
-        </p:spPr>
-      </p:pic>
-      <p:cxnSp>
-        <p:nvCxnSpPr>
-          <p:cNvPr id="24" name="Straight Arrow Connector 23">
-            <a:extLst>
-              <a:ext uri="{FF2B5EF4-FFF2-40B4-BE49-F238E27FC236}">
-                <a16:creationId xmlns:a16="http://schemas.microsoft.com/office/drawing/2014/main" id="{B6C81F54-D56D-4A3F-86BB-BE00A58491B0}"/>
-              </a:ext>
-            </a:extLst>
-          </p:cNvPr>
-          <p:cNvCxnSpPr>
-            <a:stCxn id="8" idx="3"/>
-          </p:cNvCxnSpPr>
-          <p:nvPr/>
-        </p:nvCxnSpPr>
-        <p:spPr>
-          <a:xfrm flipV="1">
-            <a:off x="2122004" y="3021496"/>
-            <a:ext cx="4890053" cy="1144649"/>
-          </a:xfrm>
-          <a:prstGeom prst="straightConnector1">
-            <a:avLst/>
-          </a:prstGeom>
-          <a:ln>
-            <a:tailEnd type="triangle"/>
-          </a:ln>
-        </p:spPr>
-        <p:style>
-          <a:lnRef idx="2">
-            <a:schemeClr val="accent1"/>
-          </a:lnRef>
-          <a:fillRef idx="0">
-            <a:schemeClr val="accent1"/>
-          </a:fillRef>
-          <a:effectRef idx="1">
-            <a:schemeClr val="accent1"/>
-          </a:effectRef>
-          <a:fontRef idx="minor">
-            <a:schemeClr val="tx1"/>
-          </a:fontRef>
-        </p:style>
-      </p:cxnSp>
-      <p:cxnSp>
-        <p:nvCxnSpPr>
-          <p:cNvPr id="26" name="Straight Arrow Connector 25">
-            <a:extLst>
-              <a:ext uri="{FF2B5EF4-FFF2-40B4-BE49-F238E27FC236}">
-                <a16:creationId xmlns:a16="http://schemas.microsoft.com/office/drawing/2014/main" id="{8A271ED3-607D-4930-93C6-5E41598B66BD}"/>
-              </a:ext>
-            </a:extLst>
-          </p:cNvPr>
-          <p:cNvCxnSpPr>
-            <a:stCxn id="8" idx="3"/>
-            <a:endCxn id="16" idx="1"/>
-          </p:cNvCxnSpPr>
-          <p:nvPr/>
-        </p:nvCxnSpPr>
-        <p:spPr>
-          <a:xfrm>
-            <a:off x="2122004" y="4166145"/>
-            <a:ext cx="4770784" cy="956866"/>
-          </a:xfrm>
-          <a:prstGeom prst="straightConnector1">
-            <a:avLst/>
-          </a:prstGeom>
-          <a:ln>
-            <a:tailEnd type="triangle"/>
-          </a:ln>
-        </p:spPr>
-        <p:style>
-          <a:lnRef idx="2">
-            <a:schemeClr val="accent1"/>
-          </a:lnRef>
-          <a:fillRef idx="0">
-            <a:schemeClr val="accent1"/>
-          </a:fillRef>
-          <a:effectRef idx="1">
-            <a:schemeClr val="accent1"/>
-          </a:effectRef>
-          <a:fontRef idx="minor">
-            <a:schemeClr val="tx1"/>
-          </a:fontRef>
-        </p:style>
-      </p:cxnSp>
     </p:spTree>
     <p:extLst>
       <p:ext uri="{BB962C8B-B14F-4D97-AF65-F5344CB8AC3E}">
-        <p14:creationId xmlns:p14="http://schemas.microsoft.com/office/powerpoint/2010/main" val="595689529"/>
+        <p14:creationId xmlns:p14="http://schemas.microsoft.com/office/powerpoint/2010/main" val="3345183997"/>
       </p:ext>
     </p:extLst>
   </p:cSld>
@@ -23317,6 +23240,142 @@
                   <a:srgbClr val="E46102"/>
                 </a:solidFill>
               </a:rPr>
+              <a:t>From Entropy to Information Gain</a:t>
+            </a:r>
+          </a:p>
+        </p:txBody>
+      </p:sp>
+      <p:sp>
+        <p:nvSpPr>
+          <p:cNvPr id="2" name="TextBox 1">
+            <a:extLst>
+              <a:ext uri="{FF2B5EF4-FFF2-40B4-BE49-F238E27FC236}">
+                <a16:creationId xmlns:a16="http://schemas.microsoft.com/office/drawing/2014/main" id="{C9A40173-E82D-4835-B7C1-D505B0ECE630}"/>
+              </a:ext>
+            </a:extLst>
+          </p:cNvPr>
+          <p:cNvSpPr txBox="1"/>
+          <p:nvPr/>
+        </p:nvSpPr>
+        <p:spPr>
+          <a:xfrm>
+            <a:off x="134179" y="6425648"/>
+            <a:ext cx="4497457" cy="307777"/>
+          </a:xfrm>
+          <a:prstGeom prst="rect">
+            <a:avLst/>
+          </a:prstGeom>
+          <a:noFill/>
+        </p:spPr>
+        <p:txBody>
+          <a:bodyPr wrap="square" rtlCol="0">
+            <a:spAutoFit/>
+          </a:bodyPr>
+          <a:lstStyle/>
+          <a:p>
+            <a:r>
+              <a:rPr lang="en-US" sz="1400" i="1" dirty="0">
+                <a:solidFill>
+                  <a:schemeClr val="bg1">
+                    <a:lumMod val="75000"/>
+                  </a:schemeClr>
+                </a:solidFill>
+              </a:rPr>
+              <a:t>Based on slide by Tom Mitchell</a:t>
+            </a:r>
+          </a:p>
+        </p:txBody>
+      </p:sp>
+      <p:pic>
+        <p:nvPicPr>
+          <p:cNvPr id="6" name="Picture 5">
+            <a:extLst>
+              <a:ext uri="{FF2B5EF4-FFF2-40B4-BE49-F238E27FC236}">
+                <a16:creationId xmlns:a16="http://schemas.microsoft.com/office/drawing/2014/main" id="{445DCCA3-7C29-4AF2-90DA-52BFCEEC5AD2}"/>
+              </a:ext>
+            </a:extLst>
+          </p:cNvPr>
+          <p:cNvPicPr>
+            <a:picLocks noChangeAspect="1"/>
+          </p:cNvPicPr>
+          <p:nvPr/>
+        </p:nvPicPr>
+        <p:blipFill rotWithShape="1">
+          <a:blip r:embed="rId3"/>
+          <a:srcRect b="71282"/>
+          <a:stretch/>
+        </p:blipFill>
+        <p:spPr>
+          <a:xfrm>
+            <a:off x="2507500" y="2027288"/>
+            <a:ext cx="7776193" cy="1640010"/>
+          </a:xfrm>
+          <a:prstGeom prst="rect">
+            <a:avLst/>
+          </a:prstGeom>
+        </p:spPr>
+      </p:pic>
+    </p:spTree>
+    <p:extLst>
+      <p:ext uri="{BB962C8B-B14F-4D97-AF65-F5344CB8AC3E}">
+        <p14:creationId xmlns:p14="http://schemas.microsoft.com/office/powerpoint/2010/main" val="10293956"/>
+      </p:ext>
+    </p:extLst>
+  </p:cSld>
+  <p:clrMapOvr>
+    <a:masterClrMapping/>
+  </p:clrMapOvr>
+</p:sld>
+</file>
+
+<file path=ppt/slides/slide39.xml><?xml version="1.0" encoding="utf-8"?>
+<p:sld xmlns:a="http://schemas.openxmlformats.org/drawingml/2006/main" xmlns:r="http://schemas.openxmlformats.org/officeDocument/2006/relationships" xmlns:p="http://schemas.openxmlformats.org/presentationml/2006/main">
+  <p:cSld>
+    <p:spTree>
+      <p:nvGrpSpPr>
+        <p:cNvPr id="1" name="Shape 94"/>
+        <p:cNvGrpSpPr/>
+        <p:nvPr/>
+      </p:nvGrpSpPr>
+      <p:grpSpPr>
+        <a:xfrm>
+          <a:off x="0" y="0"/>
+          <a:ext cx="0" cy="0"/>
+          <a:chOff x="0" y="0"/>
+          <a:chExt cx="0" cy="0"/>
+        </a:xfrm>
+      </p:grpSpPr>
+      <p:sp>
+        <p:nvSpPr>
+          <p:cNvPr id="95" name="Google Shape;95;p14"/>
+          <p:cNvSpPr txBox="1">
+            <a:spLocks noGrp="1"/>
+          </p:cNvSpPr>
+          <p:nvPr>
+            <p:ph type="title" idx="4294967295"/>
+          </p:nvPr>
+        </p:nvSpPr>
+        <p:spPr>
+          <a:xfrm>
+            <a:off x="717173" y="696913"/>
+            <a:ext cx="10972800" cy="506789"/>
+          </a:xfrm>
+          <a:prstGeom prst="rect">
+            <a:avLst/>
+          </a:prstGeom>
+        </p:spPr>
+        <p:txBody>
+          <a:bodyPr spcFirstLastPara="1" wrap="square" lIns="121900" tIns="121900" rIns="121900" bIns="121900" anchor="ctr" anchorCtr="0">
+            <a:noAutofit/>
+          </a:bodyPr>
+          <a:lstStyle/>
+          <a:p>
+            <a:r>
+              <a:rPr lang="en-US" sz="4000" b="1" dirty="0">
+                <a:solidFill>
+                  <a:srgbClr val="E46102"/>
+                </a:solidFill>
+              </a:rPr>
               <a:t>Calculating Information Gain</a:t>
             </a:r>
           </a:p>
@@ -23402,7 +23461,7 @@
         </p:blipFill>
         <p:spPr>
           <a:xfrm>
-            <a:off x="8239539" y="1344518"/>
+            <a:off x="8239539" y="1901110"/>
             <a:ext cx="3071446" cy="506789"/>
           </a:xfrm>
           <a:prstGeom prst="rect">
@@ -23410,6 +23469,41 @@
           </a:prstGeom>
         </p:spPr>
       </p:pic>
+      <p:sp>
+        <p:nvSpPr>
+          <p:cNvPr id="5" name="TextBox 4">
+            <a:extLst>
+              <a:ext uri="{FF2B5EF4-FFF2-40B4-BE49-F238E27FC236}">
+                <a16:creationId xmlns:a16="http://schemas.microsoft.com/office/drawing/2014/main" id="{052FF921-4FAA-46F2-92F1-A2300DEA12C7}"/>
+              </a:ext>
+            </a:extLst>
+          </p:cNvPr>
+          <p:cNvSpPr txBox="1"/>
+          <p:nvPr/>
+        </p:nvSpPr>
+        <p:spPr>
+          <a:xfrm>
+            <a:off x="506896" y="1364179"/>
+            <a:ext cx="6942482" cy="461665"/>
+          </a:xfrm>
+          <a:prstGeom prst="rect">
+            <a:avLst/>
+          </a:prstGeom>
+          <a:noFill/>
+        </p:spPr>
+        <p:txBody>
+          <a:bodyPr wrap="square" rtlCol="0">
+            <a:spAutoFit/>
+          </a:bodyPr>
+          <a:lstStyle/>
+          <a:p>
+            <a:r>
+              <a:rPr lang="en-US" dirty="0"/>
+              <a:t>IG: entropy(parent)- [average entropy (children)]</a:t>
+            </a:r>
+          </a:p>
+        </p:txBody>
+      </p:sp>
       <p:sp>
         <p:nvSpPr>
           <p:cNvPr id="9" name="TextBox 8">
@@ -23424,7 +23518,7 @@
         </p:nvSpPr>
         <p:spPr>
           <a:xfrm>
-            <a:off x="6309691" y="1344518"/>
+            <a:off x="6309691" y="1901110"/>
             <a:ext cx="1929848" cy="400110"/>
           </a:xfrm>
           <a:prstGeom prst="rect">
@@ -23463,7 +23557,7 @@
         </p:nvSpPr>
         <p:spPr>
           <a:xfrm>
-            <a:off x="544995" y="2025512"/>
+            <a:off x="544995" y="2582104"/>
             <a:ext cx="2208143" cy="707886"/>
           </a:xfrm>
           <a:prstGeom prst="rect">
@@ -23499,7 +23593,7 @@
         </p:nvSpPr>
         <p:spPr>
           <a:xfrm>
-            <a:off x="270013" y="4583018"/>
+            <a:off x="270013" y="5139610"/>
             <a:ext cx="1929848" cy="369332"/>
           </a:xfrm>
           <a:prstGeom prst="rect">
@@ -23538,7 +23632,7 @@
         </p:nvSpPr>
         <p:spPr>
           <a:xfrm>
-            <a:off x="6309691" y="3444987"/>
+            <a:off x="6309691" y="4001579"/>
             <a:ext cx="1929848" cy="400110"/>
           </a:xfrm>
           <a:prstGeom prst="rect">
@@ -23585,7 +23679,7 @@
         </p:blipFill>
         <p:spPr>
           <a:xfrm>
-            <a:off x="594238" y="2943187"/>
+            <a:off x="594238" y="3499779"/>
             <a:ext cx="1527766" cy="1332732"/>
           </a:xfrm>
           <a:prstGeom prst="rect">
@@ -23615,7 +23709,7 @@
         </p:blipFill>
         <p:spPr>
           <a:xfrm>
-            <a:off x="6950765" y="1777922"/>
+            <a:off x="6950765" y="2334514"/>
             <a:ext cx="1182286" cy="1085010"/>
           </a:xfrm>
           <a:prstGeom prst="rect">
@@ -23645,7 +23739,7 @@
         </p:blipFill>
         <p:spPr>
           <a:xfrm>
-            <a:off x="6892788" y="3953596"/>
+            <a:off x="6892788" y="4510188"/>
             <a:ext cx="1286064" cy="1225646"/>
           </a:xfrm>
           <a:prstGeom prst="rect">
@@ -23675,7 +23769,7 @@
         </p:blipFill>
         <p:spPr>
           <a:xfrm>
-            <a:off x="8133051" y="3391647"/>
+            <a:off x="8133051" y="3948239"/>
             <a:ext cx="3116376" cy="506789"/>
           </a:xfrm>
           <a:prstGeom prst="rect">
@@ -23697,7 +23791,7 @@
         </p:nvSpPr>
         <p:spPr>
           <a:xfrm>
-            <a:off x="8782878" y="1940186"/>
+            <a:off x="8782878" y="2496778"/>
             <a:ext cx="2208143" cy="400110"/>
           </a:xfrm>
           <a:prstGeom prst="rect">
@@ -23733,7 +23827,7 @@
         </p:nvSpPr>
         <p:spPr>
           <a:xfrm>
-            <a:off x="8180408" y="4654250"/>
+            <a:off x="8180408" y="5210842"/>
             <a:ext cx="2119491" cy="461665"/>
           </a:xfrm>
           <a:prstGeom prst="rect">
@@ -23776,7 +23870,7 @@
         </p:blipFill>
         <p:spPr>
           <a:xfrm>
-            <a:off x="2045395" y="4485708"/>
+            <a:off x="2045395" y="5042300"/>
             <a:ext cx="3404873" cy="589821"/>
           </a:xfrm>
           <a:prstGeom prst="rect">
@@ -23800,7 +23894,7 @@
         </p:nvCxnSpPr>
         <p:spPr>
           <a:xfrm flipV="1">
-            <a:off x="2122004" y="2464904"/>
+            <a:off x="2122004" y="3021496"/>
             <a:ext cx="4890053" cy="1144649"/>
           </a:xfrm>
           <a:prstGeom prst="straightConnector1">
@@ -23842,6 +23936,782 @@
         </p:nvCxnSpPr>
         <p:spPr>
           <a:xfrm>
+            <a:off x="2122004" y="4166145"/>
+            <a:ext cx="4770784" cy="956866"/>
+          </a:xfrm>
+          <a:prstGeom prst="straightConnector1">
+            <a:avLst/>
+          </a:prstGeom>
+          <a:ln>
+            <a:tailEnd type="triangle"/>
+          </a:ln>
+        </p:spPr>
+        <p:style>
+          <a:lnRef idx="2">
+            <a:schemeClr val="accent1"/>
+          </a:lnRef>
+          <a:fillRef idx="0">
+            <a:schemeClr val="accent1"/>
+          </a:fillRef>
+          <a:effectRef idx="1">
+            <a:schemeClr val="accent1"/>
+          </a:effectRef>
+          <a:fontRef idx="minor">
+            <a:schemeClr val="tx1"/>
+          </a:fontRef>
+        </p:style>
+      </p:cxnSp>
+    </p:spTree>
+    <p:extLst>
+      <p:ext uri="{BB962C8B-B14F-4D97-AF65-F5344CB8AC3E}">
+        <p14:creationId xmlns:p14="http://schemas.microsoft.com/office/powerpoint/2010/main" val="595689529"/>
+      </p:ext>
+    </p:extLst>
+  </p:cSld>
+  <p:clrMapOvr>
+    <a:masterClrMapping/>
+  </p:clrMapOvr>
+</p:sld>
+</file>
+
+<file path=ppt/slides/slide4.xml><?xml version="1.0" encoding="utf-8"?>
+<p:sld xmlns:a="http://schemas.openxmlformats.org/drawingml/2006/main" xmlns:r="http://schemas.openxmlformats.org/officeDocument/2006/relationships" xmlns:p="http://schemas.openxmlformats.org/presentationml/2006/main">
+  <p:cSld>
+    <p:spTree>
+      <p:nvGrpSpPr>
+        <p:cNvPr id="1" name="Shape 94"/>
+        <p:cNvGrpSpPr/>
+        <p:nvPr/>
+      </p:nvGrpSpPr>
+      <p:grpSpPr>
+        <a:xfrm>
+          <a:off x="0" y="0"/>
+          <a:ext cx="0" cy="0"/>
+          <a:chOff x="0" y="0"/>
+          <a:chExt cx="0" cy="0"/>
+        </a:xfrm>
+      </p:grpSpPr>
+      <p:sp>
+        <p:nvSpPr>
+          <p:cNvPr id="95" name="Google Shape;95;p14"/>
+          <p:cNvSpPr txBox="1">
+            <a:spLocks noGrp="1"/>
+          </p:cNvSpPr>
+          <p:nvPr>
+            <p:ph type="title" idx="4294967295"/>
+          </p:nvPr>
+        </p:nvSpPr>
+        <p:spPr>
+          <a:xfrm>
+            <a:off x="717173" y="696913"/>
+            <a:ext cx="10972800" cy="506789"/>
+          </a:xfrm>
+          <a:prstGeom prst="rect">
+            <a:avLst/>
+          </a:prstGeom>
+        </p:spPr>
+        <p:txBody>
+          <a:bodyPr spcFirstLastPara="1" wrap="square" lIns="121900" tIns="121900" rIns="121900" bIns="121900" anchor="ctr" anchorCtr="0">
+            <a:noAutofit/>
+          </a:bodyPr>
+          <a:lstStyle/>
+          <a:p>
+            <a:r>
+              <a:rPr lang="en-US" sz="4000" b="1" dirty="0">
+                <a:solidFill>
+                  <a:srgbClr val="E46102"/>
+                </a:solidFill>
+              </a:rPr>
+              <a:t>Decision Trees</a:t>
+            </a:r>
+            <a:endParaRPr sz="4000" b="1" dirty="0">
+              <a:solidFill>
+                <a:srgbClr val="E46102"/>
+              </a:solidFill>
+            </a:endParaRPr>
+          </a:p>
+        </p:txBody>
+      </p:sp>
+      <p:sp>
+        <p:nvSpPr>
+          <p:cNvPr id="96" name="Google Shape;96;p14"/>
+          <p:cNvSpPr txBox="1"/>
+          <p:nvPr/>
+        </p:nvSpPr>
+        <p:spPr>
+          <a:xfrm>
+            <a:off x="521776" y="1382233"/>
+            <a:ext cx="11168197" cy="4778854"/>
+          </a:xfrm>
+          <a:prstGeom prst="rect">
+            <a:avLst/>
+          </a:prstGeom>
+          <a:noFill/>
+          <a:ln>
+            <a:noFill/>
+          </a:ln>
+        </p:spPr>
+        <p:txBody>
+          <a:bodyPr spcFirstLastPara="1" wrap="square" lIns="121900" tIns="121900" rIns="121900" bIns="121900" anchor="t" anchorCtr="0">
+            <a:noAutofit/>
+          </a:bodyPr>
+          <a:lstStyle/>
+          <a:p>
+            <a:pPr marL="165100" indent="-165100">
+              <a:spcAft>
+                <a:spcPts val="600"/>
+              </a:spcAft>
+              <a:buFont typeface="Arial" pitchFamily="34" charset="0"/>
+              <a:buChar char="•"/>
+              <a:defRPr/>
+            </a:pPr>
+            <a:endParaRPr lang="en-US" dirty="0"/>
+          </a:p>
+          <a:p>
+            <a:pPr algn="ctr">
+              <a:spcAft>
+                <a:spcPts val="600"/>
+              </a:spcAft>
+              <a:defRPr/>
+            </a:pPr>
+            <a:r>
+              <a:rPr lang="en-US" dirty="0"/>
+              <a:t>Decision trees attempt to </a:t>
+            </a:r>
+            <a:r>
+              <a:rPr lang="en-US" b="1" dirty="0"/>
+              <a:t>classify a pattern through a sequence of questions</a:t>
+            </a:r>
+            <a:r>
+              <a:rPr lang="en-US" dirty="0"/>
+              <a:t>. </a:t>
+            </a:r>
+          </a:p>
+          <a:p>
+            <a:pPr algn="ctr">
+              <a:spcAft>
+                <a:spcPts val="600"/>
+              </a:spcAft>
+              <a:defRPr/>
+            </a:pPr>
+            <a:endParaRPr lang="en-US" dirty="0"/>
+          </a:p>
+          <a:p>
+            <a:pPr algn="ctr">
+              <a:spcAft>
+                <a:spcPts val="600"/>
+              </a:spcAft>
+              <a:defRPr/>
+            </a:pPr>
+            <a:r>
+              <a:rPr lang="en-US" dirty="0"/>
+              <a:t>For example, </a:t>
+            </a:r>
+            <a:r>
+              <a:rPr lang="en-US" i="1" dirty="0"/>
+              <a:t>attributes</a:t>
+            </a:r>
+            <a:r>
+              <a:rPr lang="en-US" dirty="0"/>
+              <a:t> such as gender and height can be used to classify people as short or tall. But the best </a:t>
+            </a:r>
+            <a:r>
+              <a:rPr lang="en-US" i="1" dirty="0"/>
+              <a:t>threshold</a:t>
+            </a:r>
+            <a:r>
+              <a:rPr lang="en-US" dirty="0"/>
+              <a:t> for height is gender dependent.</a:t>
+            </a:r>
+          </a:p>
+        </p:txBody>
+      </p:sp>
+    </p:spTree>
+    <p:extLst>
+      <p:ext uri="{BB962C8B-B14F-4D97-AF65-F5344CB8AC3E}">
+        <p14:creationId xmlns:p14="http://schemas.microsoft.com/office/powerpoint/2010/main" val="2082884330"/>
+      </p:ext>
+    </p:extLst>
+  </p:cSld>
+  <p:clrMapOvr>
+    <a:masterClrMapping/>
+  </p:clrMapOvr>
+</p:sld>
+</file>
+
+<file path=ppt/slides/slide40.xml><?xml version="1.0" encoding="utf-8"?>
+<p:sld xmlns:a="http://schemas.openxmlformats.org/drawingml/2006/main" xmlns:r="http://schemas.openxmlformats.org/officeDocument/2006/relationships" xmlns:p="http://schemas.openxmlformats.org/presentationml/2006/main">
+  <p:cSld>
+    <p:spTree>
+      <p:nvGrpSpPr>
+        <p:cNvPr id="1" name="Shape 94"/>
+        <p:cNvGrpSpPr/>
+        <p:nvPr/>
+      </p:nvGrpSpPr>
+      <p:grpSpPr>
+        <a:xfrm>
+          <a:off x="0" y="0"/>
+          <a:ext cx="0" cy="0"/>
+          <a:chOff x="0" y="0"/>
+          <a:chExt cx="0" cy="0"/>
+        </a:xfrm>
+      </p:grpSpPr>
+      <p:sp>
+        <p:nvSpPr>
+          <p:cNvPr id="95" name="Google Shape;95;p14"/>
+          <p:cNvSpPr txBox="1">
+            <a:spLocks noGrp="1"/>
+          </p:cNvSpPr>
+          <p:nvPr>
+            <p:ph type="title" idx="4294967295"/>
+          </p:nvPr>
+        </p:nvSpPr>
+        <p:spPr>
+          <a:xfrm>
+            <a:off x="717173" y="696913"/>
+            <a:ext cx="10972800" cy="506789"/>
+          </a:xfrm>
+          <a:prstGeom prst="rect">
+            <a:avLst/>
+          </a:prstGeom>
+        </p:spPr>
+        <p:txBody>
+          <a:bodyPr spcFirstLastPara="1" wrap="square" lIns="121900" tIns="121900" rIns="121900" bIns="121900" anchor="ctr" anchorCtr="0">
+            <a:noAutofit/>
+          </a:bodyPr>
+          <a:lstStyle/>
+          <a:p>
+            <a:r>
+              <a:rPr lang="en-US" sz="4000" b="1" dirty="0">
+                <a:solidFill>
+                  <a:srgbClr val="E46102"/>
+                </a:solidFill>
+              </a:rPr>
+              <a:t>Calculating Information Gain</a:t>
+            </a:r>
+          </a:p>
+        </p:txBody>
+      </p:sp>
+      <p:sp>
+        <p:nvSpPr>
+          <p:cNvPr id="2" name="TextBox 1">
+            <a:extLst>
+              <a:ext uri="{FF2B5EF4-FFF2-40B4-BE49-F238E27FC236}">
+                <a16:creationId xmlns:a16="http://schemas.microsoft.com/office/drawing/2014/main" id="{C9A40173-E82D-4835-B7C1-D505B0ECE630}"/>
+              </a:ext>
+            </a:extLst>
+          </p:cNvPr>
+          <p:cNvSpPr txBox="1"/>
+          <p:nvPr/>
+        </p:nvSpPr>
+        <p:spPr>
+          <a:xfrm>
+            <a:off x="134179" y="6425648"/>
+            <a:ext cx="4497457" cy="307777"/>
+          </a:xfrm>
+          <a:prstGeom prst="rect">
+            <a:avLst/>
+          </a:prstGeom>
+          <a:noFill/>
+        </p:spPr>
+        <p:txBody>
+          <a:bodyPr wrap="square" rtlCol="0">
+            <a:spAutoFit/>
+          </a:bodyPr>
+          <a:lstStyle/>
+          <a:p>
+            <a:r>
+              <a:rPr lang="en-US" sz="1400" i="1" dirty="0">
+                <a:solidFill>
+                  <a:schemeClr val="bg1">
+                    <a:lumMod val="75000"/>
+                  </a:schemeClr>
+                </a:solidFill>
+              </a:rPr>
+              <a:t>Based on slide by Pedro </a:t>
+            </a:r>
+            <a:r>
+              <a:rPr lang="en-US" sz="1400" i="1" dirty="0" err="1">
+                <a:solidFill>
+                  <a:schemeClr val="bg1">
+                    <a:lumMod val="75000"/>
+                  </a:schemeClr>
+                </a:solidFill>
+              </a:rPr>
+              <a:t>Domingos</a:t>
+            </a:r>
+            <a:endParaRPr lang="en-US" sz="1400" i="1" dirty="0">
+              <a:solidFill>
+                <a:schemeClr val="bg1">
+                  <a:lumMod val="75000"/>
+                </a:schemeClr>
+              </a:solidFill>
+            </a:endParaRPr>
+          </a:p>
+        </p:txBody>
+      </p:sp>
+      <p:pic>
+        <p:nvPicPr>
+          <p:cNvPr id="4" name="Picture 3">
+            <a:extLst>
+              <a:ext uri="{FF2B5EF4-FFF2-40B4-BE49-F238E27FC236}">
+                <a16:creationId xmlns:a16="http://schemas.microsoft.com/office/drawing/2014/main" id="{2A9AA9B8-FFDC-4D44-9A5F-26A8509EDCBA}"/>
+              </a:ext>
+            </a:extLst>
+          </p:cNvPr>
+          <p:cNvPicPr>
+            <a:picLocks noChangeAspect="1"/>
+          </p:cNvPicPr>
+          <p:nvPr/>
+        </p:nvPicPr>
+        <p:blipFill>
+          <a:blip r:embed="rId3"/>
+          <a:stretch>
+            <a:fillRect/>
+          </a:stretch>
+        </p:blipFill>
+        <p:spPr>
+          <a:xfrm>
+            <a:off x="8239539" y="1344518"/>
+            <a:ext cx="3071446" cy="506789"/>
+          </a:xfrm>
+          <a:prstGeom prst="rect">
+            <a:avLst/>
+          </a:prstGeom>
+        </p:spPr>
+      </p:pic>
+      <p:sp>
+        <p:nvSpPr>
+          <p:cNvPr id="9" name="TextBox 8">
+            <a:extLst>
+              <a:ext uri="{FF2B5EF4-FFF2-40B4-BE49-F238E27FC236}">
+                <a16:creationId xmlns:a16="http://schemas.microsoft.com/office/drawing/2014/main" id="{00558541-D71D-433E-88C6-B69771EE2510}"/>
+              </a:ext>
+            </a:extLst>
+          </p:cNvPr>
+          <p:cNvSpPr txBox="1"/>
+          <p:nvPr/>
+        </p:nvSpPr>
+        <p:spPr>
+          <a:xfrm>
+            <a:off x="6309691" y="1344518"/>
+            <a:ext cx="1929848" cy="400110"/>
+          </a:xfrm>
+          <a:prstGeom prst="rect">
+            <a:avLst/>
+          </a:prstGeom>
+          <a:noFill/>
+        </p:spPr>
+        <p:txBody>
+          <a:bodyPr wrap="square" rtlCol="0">
+            <a:spAutoFit/>
+          </a:bodyPr>
+          <a:lstStyle/>
+          <a:p>
+            <a:r>
+              <a:rPr lang="en-US" sz="2000" b="1" dirty="0">
+                <a:solidFill>
+                  <a:srgbClr val="E46102"/>
+                </a:solidFill>
+              </a:rPr>
+              <a:t>child entropy</a:t>
+            </a:r>
+          </a:p>
+        </p:txBody>
+      </p:sp>
+      <p:sp>
+        <p:nvSpPr>
+          <p:cNvPr id="10" name="TextBox 9">
+            <a:extLst>
+              <a:ext uri="{FF2B5EF4-FFF2-40B4-BE49-F238E27FC236}">
+                <a16:creationId xmlns:a16="http://schemas.microsoft.com/office/drawing/2014/main" id="{B3EEFDB2-FE12-47B8-88F6-D1DA73E4A4A7}"/>
+              </a:ext>
+            </a:extLst>
+          </p:cNvPr>
+          <p:cNvSpPr txBox="1"/>
+          <p:nvPr/>
+        </p:nvSpPr>
+        <p:spPr>
+          <a:xfrm>
+            <a:off x="544995" y="2025512"/>
+            <a:ext cx="2208143" cy="707886"/>
+          </a:xfrm>
+          <a:prstGeom prst="rect">
+            <a:avLst/>
+          </a:prstGeom>
+          <a:noFill/>
+        </p:spPr>
+        <p:txBody>
+          <a:bodyPr wrap="square" rtlCol="0">
+            <a:spAutoFit/>
+          </a:bodyPr>
+          <a:lstStyle/>
+          <a:p>
+            <a:pPr algn="ctr"/>
+            <a:r>
+              <a:rPr lang="en-US" sz="2000" dirty="0"/>
+              <a:t>Training dataset (30 instances)</a:t>
+            </a:r>
+          </a:p>
+        </p:txBody>
+      </p:sp>
+      <p:sp>
+        <p:nvSpPr>
+          <p:cNvPr id="11" name="TextBox 10">
+            <a:extLst>
+              <a:ext uri="{FF2B5EF4-FFF2-40B4-BE49-F238E27FC236}">
+                <a16:creationId xmlns:a16="http://schemas.microsoft.com/office/drawing/2014/main" id="{6F6079C9-F479-4604-B267-73D3E9F25EE9}"/>
+              </a:ext>
+            </a:extLst>
+          </p:cNvPr>
+          <p:cNvSpPr txBox="1"/>
+          <p:nvPr/>
+        </p:nvSpPr>
+        <p:spPr>
+          <a:xfrm>
+            <a:off x="270013" y="4583018"/>
+            <a:ext cx="1929848" cy="369332"/>
+          </a:xfrm>
+          <a:prstGeom prst="rect">
+            <a:avLst/>
+          </a:prstGeom>
+          <a:noFill/>
+        </p:spPr>
+        <p:txBody>
+          <a:bodyPr wrap="square" rtlCol="0">
+            <a:spAutoFit/>
+          </a:bodyPr>
+          <a:lstStyle/>
+          <a:p>
+            <a:r>
+              <a:rPr lang="en-US" sz="1800" b="1" dirty="0">
+                <a:solidFill>
+                  <a:srgbClr val="E46102"/>
+                </a:solidFill>
+              </a:rPr>
+              <a:t>parent entropy</a:t>
+            </a:r>
+          </a:p>
+        </p:txBody>
+      </p:sp>
+      <p:sp>
+        <p:nvSpPr>
+          <p:cNvPr id="12" name="TextBox 11">
+            <a:extLst>
+              <a:ext uri="{FF2B5EF4-FFF2-40B4-BE49-F238E27FC236}">
+                <a16:creationId xmlns:a16="http://schemas.microsoft.com/office/drawing/2014/main" id="{885A99EE-30D7-4781-844D-4399C0D8EF31}"/>
+              </a:ext>
+            </a:extLst>
+          </p:cNvPr>
+          <p:cNvSpPr txBox="1"/>
+          <p:nvPr/>
+        </p:nvSpPr>
+        <p:spPr>
+          <a:xfrm>
+            <a:off x="6309691" y="3444987"/>
+            <a:ext cx="1929848" cy="400110"/>
+          </a:xfrm>
+          <a:prstGeom prst="rect">
+            <a:avLst/>
+          </a:prstGeom>
+          <a:noFill/>
+        </p:spPr>
+        <p:txBody>
+          <a:bodyPr wrap="square" rtlCol="0">
+            <a:spAutoFit/>
+          </a:bodyPr>
+          <a:lstStyle/>
+          <a:p>
+            <a:r>
+              <a:rPr lang="en-US" sz="2000" b="1" dirty="0">
+                <a:solidFill>
+                  <a:srgbClr val="E46102"/>
+                </a:solidFill>
+              </a:rPr>
+              <a:t>child entropy</a:t>
+            </a:r>
+          </a:p>
+        </p:txBody>
+      </p:sp>
+      <p:pic>
+        <p:nvPicPr>
+          <p:cNvPr id="8" name="Picture 7">
+            <a:extLst>
+              <a:ext uri="{FF2B5EF4-FFF2-40B4-BE49-F238E27FC236}">
+                <a16:creationId xmlns:a16="http://schemas.microsoft.com/office/drawing/2014/main" id="{88DBDD81-8038-43FD-94AA-FCC5BE3B4759}"/>
+              </a:ext>
+            </a:extLst>
+          </p:cNvPr>
+          <p:cNvPicPr>
+            <a:picLocks noChangeAspect="1"/>
+          </p:cNvPicPr>
+          <p:nvPr/>
+        </p:nvPicPr>
+        <p:blipFill>
+          <a:blip r:embed="rId4"/>
+          <a:stretch>
+            <a:fillRect/>
+          </a:stretch>
+        </p:blipFill>
+        <p:spPr>
+          <a:xfrm>
+            <a:off x="594238" y="2943187"/>
+            <a:ext cx="1527766" cy="1332732"/>
+          </a:xfrm>
+          <a:prstGeom prst="rect">
+            <a:avLst/>
+          </a:prstGeom>
+        </p:spPr>
+      </p:pic>
+      <p:pic>
+        <p:nvPicPr>
+          <p:cNvPr id="14" name="Picture 13">
+            <a:extLst>
+              <a:ext uri="{FF2B5EF4-FFF2-40B4-BE49-F238E27FC236}">
+                <a16:creationId xmlns:a16="http://schemas.microsoft.com/office/drawing/2014/main" id="{801B1A41-4981-48DE-9BDA-353F48387896}"/>
+              </a:ext>
+            </a:extLst>
+          </p:cNvPr>
+          <p:cNvPicPr>
+            <a:picLocks noChangeAspect="1"/>
+          </p:cNvPicPr>
+          <p:nvPr/>
+        </p:nvPicPr>
+        <p:blipFill>
+          <a:blip r:embed="rId5"/>
+          <a:stretch>
+            <a:fillRect/>
+          </a:stretch>
+        </p:blipFill>
+        <p:spPr>
+          <a:xfrm>
+            <a:off x="6950765" y="1777922"/>
+            <a:ext cx="1182286" cy="1085010"/>
+          </a:xfrm>
+          <a:prstGeom prst="rect">
+            <a:avLst/>
+          </a:prstGeom>
+        </p:spPr>
+      </p:pic>
+      <p:pic>
+        <p:nvPicPr>
+          <p:cNvPr id="16" name="Picture 15">
+            <a:extLst>
+              <a:ext uri="{FF2B5EF4-FFF2-40B4-BE49-F238E27FC236}">
+                <a16:creationId xmlns:a16="http://schemas.microsoft.com/office/drawing/2014/main" id="{34D09DEA-B369-4DA0-9593-A17117516B0F}"/>
+              </a:ext>
+            </a:extLst>
+          </p:cNvPr>
+          <p:cNvPicPr>
+            <a:picLocks noChangeAspect="1"/>
+          </p:cNvPicPr>
+          <p:nvPr/>
+        </p:nvPicPr>
+        <p:blipFill>
+          <a:blip r:embed="rId6"/>
+          <a:stretch>
+            <a:fillRect/>
+          </a:stretch>
+        </p:blipFill>
+        <p:spPr>
+          <a:xfrm>
+            <a:off x="6892788" y="3953596"/>
+            <a:ext cx="1286064" cy="1225646"/>
+          </a:xfrm>
+          <a:prstGeom prst="rect">
+            <a:avLst/>
+          </a:prstGeom>
+        </p:spPr>
+      </p:pic>
+      <p:pic>
+        <p:nvPicPr>
+          <p:cNvPr id="18" name="Picture 17">
+            <a:extLst>
+              <a:ext uri="{FF2B5EF4-FFF2-40B4-BE49-F238E27FC236}">
+                <a16:creationId xmlns:a16="http://schemas.microsoft.com/office/drawing/2014/main" id="{A85139E6-DA49-48E4-A667-37C7D1DFADF3}"/>
+              </a:ext>
+            </a:extLst>
+          </p:cNvPr>
+          <p:cNvPicPr>
+            <a:picLocks noChangeAspect="1"/>
+          </p:cNvPicPr>
+          <p:nvPr/>
+        </p:nvPicPr>
+        <p:blipFill>
+          <a:blip r:embed="rId7"/>
+          <a:stretch>
+            <a:fillRect/>
+          </a:stretch>
+        </p:blipFill>
+        <p:spPr>
+          <a:xfrm>
+            <a:off x="8133051" y="3391647"/>
+            <a:ext cx="3116376" cy="506789"/>
+          </a:xfrm>
+          <a:prstGeom prst="rect">
+            <a:avLst/>
+          </a:prstGeom>
+        </p:spPr>
+      </p:pic>
+      <p:sp>
+        <p:nvSpPr>
+          <p:cNvPr id="21" name="TextBox 20">
+            <a:extLst>
+              <a:ext uri="{FF2B5EF4-FFF2-40B4-BE49-F238E27FC236}">
+                <a16:creationId xmlns:a16="http://schemas.microsoft.com/office/drawing/2014/main" id="{135D34F8-43B9-488D-8970-4DADF1F27EDD}"/>
+              </a:ext>
+            </a:extLst>
+          </p:cNvPr>
+          <p:cNvSpPr txBox="1"/>
+          <p:nvPr/>
+        </p:nvSpPr>
+        <p:spPr>
+          <a:xfrm>
+            <a:off x="8782878" y="1940186"/>
+            <a:ext cx="2208143" cy="400110"/>
+          </a:xfrm>
+          <a:prstGeom prst="rect">
+            <a:avLst/>
+          </a:prstGeom>
+          <a:noFill/>
+        </p:spPr>
+        <p:txBody>
+          <a:bodyPr wrap="square" rtlCol="0">
+            <a:spAutoFit/>
+          </a:bodyPr>
+          <a:lstStyle/>
+          <a:p>
+            <a:pPr algn="ctr"/>
+            <a:r>
+              <a:rPr lang="en-US" sz="2000" dirty="0"/>
+              <a:t>(17 instances)</a:t>
+            </a:r>
+          </a:p>
+        </p:txBody>
+      </p:sp>
+      <p:sp>
+        <p:nvSpPr>
+          <p:cNvPr id="19" name="Rectangle 18">
+            <a:extLst>
+              <a:ext uri="{FF2B5EF4-FFF2-40B4-BE49-F238E27FC236}">
+                <a16:creationId xmlns:a16="http://schemas.microsoft.com/office/drawing/2014/main" id="{B46B4BBE-6985-40C6-8283-1AB66AFC548F}"/>
+              </a:ext>
+            </a:extLst>
+          </p:cNvPr>
+          <p:cNvSpPr/>
+          <p:nvPr/>
+        </p:nvSpPr>
+        <p:spPr>
+          <a:xfrm>
+            <a:off x="8180408" y="4654250"/>
+            <a:ext cx="2119491" cy="461665"/>
+          </a:xfrm>
+          <a:prstGeom prst="rect">
+            <a:avLst/>
+          </a:prstGeom>
+        </p:spPr>
+        <p:txBody>
+          <a:bodyPr wrap="none">
+            <a:spAutoFit/>
+          </a:bodyPr>
+          <a:lstStyle/>
+          <a:p>
+            <a:pPr algn="ctr"/>
+            <a:r>
+              <a:rPr lang="en-US" dirty="0"/>
+              <a:t>(13 instances)</a:t>
+            </a:r>
+          </a:p>
+        </p:txBody>
+      </p:sp>
+      <p:pic>
+        <p:nvPicPr>
+          <p:cNvPr id="22" name="Picture 21">
+            <a:extLst>
+              <a:ext uri="{FF2B5EF4-FFF2-40B4-BE49-F238E27FC236}">
+                <a16:creationId xmlns:a16="http://schemas.microsoft.com/office/drawing/2014/main" id="{39F0E606-2AE9-4B6B-A2DF-B7C18E69B7EC}"/>
+              </a:ext>
+            </a:extLst>
+          </p:cNvPr>
+          <p:cNvPicPr>
+            <a:picLocks noChangeAspect="1"/>
+          </p:cNvPicPr>
+          <p:nvPr/>
+        </p:nvPicPr>
+        <p:blipFill>
+          <a:blip r:embed="rId8"/>
+          <a:stretch>
+            <a:fillRect/>
+          </a:stretch>
+        </p:blipFill>
+        <p:spPr>
+          <a:xfrm>
+            <a:off x="2045395" y="4485708"/>
+            <a:ext cx="3404873" cy="589821"/>
+          </a:xfrm>
+          <a:prstGeom prst="rect">
+            <a:avLst/>
+          </a:prstGeom>
+        </p:spPr>
+      </p:pic>
+      <p:cxnSp>
+        <p:nvCxnSpPr>
+          <p:cNvPr id="24" name="Straight Arrow Connector 23">
+            <a:extLst>
+              <a:ext uri="{FF2B5EF4-FFF2-40B4-BE49-F238E27FC236}">
+                <a16:creationId xmlns:a16="http://schemas.microsoft.com/office/drawing/2014/main" id="{B6C81F54-D56D-4A3F-86BB-BE00A58491B0}"/>
+              </a:ext>
+            </a:extLst>
+          </p:cNvPr>
+          <p:cNvCxnSpPr>
+            <a:stCxn id="8" idx="3"/>
+          </p:cNvCxnSpPr>
+          <p:nvPr/>
+        </p:nvCxnSpPr>
+        <p:spPr>
+          <a:xfrm flipV="1">
+            <a:off x="2122004" y="2464904"/>
+            <a:ext cx="4890053" cy="1144649"/>
+          </a:xfrm>
+          <a:prstGeom prst="straightConnector1">
+            <a:avLst/>
+          </a:prstGeom>
+          <a:ln>
+            <a:tailEnd type="triangle"/>
+          </a:ln>
+        </p:spPr>
+        <p:style>
+          <a:lnRef idx="2">
+            <a:schemeClr val="accent1"/>
+          </a:lnRef>
+          <a:fillRef idx="0">
+            <a:schemeClr val="accent1"/>
+          </a:fillRef>
+          <a:effectRef idx="1">
+            <a:schemeClr val="accent1"/>
+          </a:effectRef>
+          <a:fontRef idx="minor">
+            <a:schemeClr val="tx1"/>
+          </a:fontRef>
+        </p:style>
+      </p:cxnSp>
+      <p:cxnSp>
+        <p:nvCxnSpPr>
+          <p:cNvPr id="26" name="Straight Arrow Connector 25">
+            <a:extLst>
+              <a:ext uri="{FF2B5EF4-FFF2-40B4-BE49-F238E27FC236}">
+                <a16:creationId xmlns:a16="http://schemas.microsoft.com/office/drawing/2014/main" id="{8A271ED3-607D-4930-93C6-5E41598B66BD}"/>
+              </a:ext>
+            </a:extLst>
+          </p:cNvPr>
+          <p:cNvCxnSpPr>
+            <a:stCxn id="8" idx="3"/>
+            <a:endCxn id="16" idx="1"/>
+          </p:cNvCxnSpPr>
+          <p:nvPr/>
+        </p:nvCxnSpPr>
+        <p:spPr>
+          <a:xfrm>
             <a:off x="2122004" y="3609553"/>
             <a:ext cx="4770784" cy="956866"/>
           </a:xfrm>
@@ -23976,6 +24846,82 @@
           </a:p>
         </p:txBody>
       </p:sp>
+      <p:cxnSp>
+        <p:nvCxnSpPr>
+          <p:cNvPr id="5" name="Straight Arrow Connector 4">
+            <a:extLst>
+              <a:ext uri="{FF2B5EF4-FFF2-40B4-BE49-F238E27FC236}">
+                <a16:creationId xmlns:a16="http://schemas.microsoft.com/office/drawing/2014/main" id="{B5513D86-3741-13AF-D482-53D9BC7CDEE1}"/>
+              </a:ext>
+            </a:extLst>
+          </p:cNvPr>
+          <p:cNvCxnSpPr>
+            <a:cxnSpLocks/>
+          </p:cNvCxnSpPr>
+          <p:nvPr/>
+        </p:nvCxnSpPr>
+        <p:spPr>
+          <a:xfrm flipH="1" flipV="1">
+            <a:off x="10991021" y="3722914"/>
+            <a:ext cx="177722" cy="230682"/>
+          </a:xfrm>
+          <a:prstGeom prst="straightConnector1">
+            <a:avLst/>
+          </a:prstGeom>
+          <a:ln>
+            <a:tailEnd type="triangle"/>
+          </a:ln>
+        </p:spPr>
+        <p:style>
+          <a:lnRef idx="2">
+            <a:schemeClr val="accent1"/>
+          </a:lnRef>
+          <a:fillRef idx="0">
+            <a:schemeClr val="accent1"/>
+          </a:fillRef>
+          <a:effectRef idx="1">
+            <a:schemeClr val="accent1"/>
+          </a:effectRef>
+          <a:fontRef idx="minor">
+            <a:schemeClr val="tx1"/>
+          </a:fontRef>
+        </p:style>
+      </p:cxnSp>
+      <p:sp>
+        <p:nvSpPr>
+          <p:cNvPr id="15" name="TextBox 14">
+            <a:extLst>
+              <a:ext uri="{FF2B5EF4-FFF2-40B4-BE49-F238E27FC236}">
+                <a16:creationId xmlns:a16="http://schemas.microsoft.com/office/drawing/2014/main" id="{33954730-4804-3D4A-13D0-9667B3B0D9F6}"/>
+              </a:ext>
+            </a:extLst>
+          </p:cNvPr>
+          <p:cNvSpPr txBox="1"/>
+          <p:nvPr/>
+        </p:nvSpPr>
+        <p:spPr>
+          <a:xfrm>
+            <a:off x="10739535" y="4030824"/>
+            <a:ext cx="1026368" cy="553998"/>
+          </a:xfrm>
+          <a:prstGeom prst="rect">
+            <a:avLst/>
+          </a:prstGeom>
+          <a:noFill/>
+        </p:spPr>
+        <p:txBody>
+          <a:bodyPr wrap="square" rtlCol="0">
+            <a:spAutoFit/>
+          </a:bodyPr>
+          <a:lstStyle/>
+          <a:p>
+            <a:r>
+              <a:rPr lang="en-US" sz="1000" dirty="0"/>
+              <a:t>Lower entropy for a purer class</a:t>
+            </a:r>
+          </a:p>
+        </p:txBody>
+      </p:sp>
     </p:spTree>
     <p:extLst>
       <p:ext uri="{BB962C8B-B14F-4D97-AF65-F5344CB8AC3E}">
@@ -23989,7 +24935,7 @@
 </p:sld>
 </file>
 
-<file path=ppt/slides/slide39.xml><?xml version="1.0" encoding="utf-8"?>
+<file path=ppt/slides/slide41.xml><?xml version="1.0" encoding="utf-8"?>
 <p:sld xmlns:a="http://schemas.openxmlformats.org/drawingml/2006/main" xmlns:r="http://schemas.openxmlformats.org/officeDocument/2006/relationships" xmlns:p="http://schemas.openxmlformats.org/presentationml/2006/main" show="0">
   <p:cSld>
     <p:spTree>
@@ -24281,510 +25227,6 @@
 </p:sld>
 </file>
 
-<file path=ppt/slides/slide4.xml><?xml version="1.0" encoding="utf-8"?>
-<p:sld xmlns:a="http://schemas.openxmlformats.org/drawingml/2006/main" xmlns:r="http://schemas.openxmlformats.org/officeDocument/2006/relationships" xmlns:p="http://schemas.openxmlformats.org/presentationml/2006/main">
-  <p:cSld>
-    <p:spTree>
-      <p:nvGrpSpPr>
-        <p:cNvPr id="1" name="Shape 94"/>
-        <p:cNvGrpSpPr/>
-        <p:nvPr/>
-      </p:nvGrpSpPr>
-      <p:grpSpPr>
-        <a:xfrm>
-          <a:off x="0" y="0"/>
-          <a:ext cx="0" cy="0"/>
-          <a:chOff x="0" y="0"/>
-          <a:chExt cx="0" cy="0"/>
-        </a:xfrm>
-      </p:grpSpPr>
-      <p:sp>
-        <p:nvSpPr>
-          <p:cNvPr id="95" name="Google Shape;95;p14"/>
-          <p:cNvSpPr txBox="1">
-            <a:spLocks noGrp="1"/>
-          </p:cNvSpPr>
-          <p:nvPr>
-            <p:ph type="title" idx="4294967295"/>
-          </p:nvPr>
-        </p:nvSpPr>
-        <p:spPr>
-          <a:xfrm>
-            <a:off x="717173" y="696913"/>
-            <a:ext cx="10972800" cy="506789"/>
-          </a:xfrm>
-          <a:prstGeom prst="rect">
-            <a:avLst/>
-          </a:prstGeom>
-        </p:spPr>
-        <p:txBody>
-          <a:bodyPr spcFirstLastPara="1" wrap="square" lIns="121900" tIns="121900" rIns="121900" bIns="121900" anchor="ctr" anchorCtr="0">
-            <a:noAutofit/>
-          </a:bodyPr>
-          <a:lstStyle/>
-          <a:p>
-            <a:r>
-              <a:rPr lang="en-US" sz="4000" b="1" dirty="0">
-                <a:solidFill>
-                  <a:srgbClr val="E46102"/>
-                </a:solidFill>
-              </a:rPr>
-              <a:t>Decision Trees</a:t>
-            </a:r>
-            <a:endParaRPr sz="4000" b="1" dirty="0">
-              <a:solidFill>
-                <a:srgbClr val="E46102"/>
-              </a:solidFill>
-            </a:endParaRPr>
-          </a:p>
-        </p:txBody>
-      </p:sp>
-      <p:sp>
-        <p:nvSpPr>
-          <p:cNvPr id="96" name="Google Shape;96;p14"/>
-          <p:cNvSpPr txBox="1"/>
-          <p:nvPr/>
-        </p:nvSpPr>
-        <p:spPr>
-          <a:xfrm>
-            <a:off x="521776" y="1382233"/>
-            <a:ext cx="11168197" cy="4778854"/>
-          </a:xfrm>
-          <a:prstGeom prst="rect">
-            <a:avLst/>
-          </a:prstGeom>
-          <a:noFill/>
-          <a:ln>
-            <a:noFill/>
-          </a:ln>
-        </p:spPr>
-        <p:txBody>
-          <a:bodyPr spcFirstLastPara="1" wrap="square" lIns="121900" tIns="121900" rIns="121900" bIns="121900" anchor="t" anchorCtr="0">
-            <a:noAutofit/>
-          </a:bodyPr>
-          <a:lstStyle/>
-          <a:p>
-            <a:pPr marL="165100" indent="-165100">
-              <a:spcAft>
-                <a:spcPts val="600"/>
-              </a:spcAft>
-              <a:buFont typeface="Arial" pitchFamily="34" charset="0"/>
-              <a:buChar char="•"/>
-              <a:defRPr/>
-            </a:pPr>
-            <a:endParaRPr lang="en-US" dirty="0"/>
-          </a:p>
-          <a:p>
-            <a:pPr algn="ctr">
-              <a:spcAft>
-                <a:spcPts val="600"/>
-              </a:spcAft>
-              <a:defRPr/>
-            </a:pPr>
-            <a:r>
-              <a:rPr lang="en-US" dirty="0"/>
-              <a:t>Decision trees attempt to </a:t>
-            </a:r>
-            <a:r>
-              <a:rPr lang="en-US" b="1" dirty="0"/>
-              <a:t>classify a pattern through a sequence of questions</a:t>
-            </a:r>
-            <a:r>
-              <a:rPr lang="en-US" dirty="0"/>
-              <a:t>. </a:t>
-            </a:r>
-          </a:p>
-          <a:p>
-            <a:pPr algn="ctr">
-              <a:spcAft>
-                <a:spcPts val="600"/>
-              </a:spcAft>
-              <a:defRPr/>
-            </a:pPr>
-            <a:endParaRPr lang="en-US" dirty="0"/>
-          </a:p>
-          <a:p>
-            <a:pPr algn="ctr">
-              <a:spcAft>
-                <a:spcPts val="600"/>
-              </a:spcAft>
-              <a:defRPr/>
-            </a:pPr>
-            <a:r>
-              <a:rPr lang="en-US" dirty="0"/>
-              <a:t>For example, </a:t>
-            </a:r>
-            <a:r>
-              <a:rPr lang="en-US" i="1" dirty="0"/>
-              <a:t>attributes</a:t>
-            </a:r>
-            <a:r>
-              <a:rPr lang="en-US" dirty="0"/>
-              <a:t> such as gender and height can be used to classify people as short or tall. But the best </a:t>
-            </a:r>
-            <a:r>
-              <a:rPr lang="en-US" i="1" dirty="0"/>
-              <a:t>threshold</a:t>
-            </a:r>
-            <a:r>
-              <a:rPr lang="en-US" dirty="0"/>
-              <a:t> for height is gender dependent.</a:t>
-            </a:r>
-          </a:p>
-        </p:txBody>
-      </p:sp>
-    </p:spTree>
-    <p:extLst>
-      <p:ext uri="{BB962C8B-B14F-4D97-AF65-F5344CB8AC3E}">
-        <p14:creationId xmlns:p14="http://schemas.microsoft.com/office/powerpoint/2010/main" val="2082884330"/>
-      </p:ext>
-    </p:extLst>
-  </p:cSld>
-  <p:clrMapOvr>
-    <a:masterClrMapping/>
-  </p:clrMapOvr>
-</p:sld>
-</file>
-
-<file path=ppt/slides/slide40.xml><?xml version="1.0" encoding="utf-8"?>
-<p:sld xmlns:a="http://schemas.openxmlformats.org/drawingml/2006/main" xmlns:r="http://schemas.openxmlformats.org/officeDocument/2006/relationships" xmlns:p="http://schemas.openxmlformats.org/presentationml/2006/main">
-  <p:cSld>
-    <p:spTree>
-      <p:nvGrpSpPr>
-        <p:cNvPr id="1" name="Shape 94"/>
-        <p:cNvGrpSpPr/>
-        <p:nvPr/>
-      </p:nvGrpSpPr>
-      <p:grpSpPr>
-        <a:xfrm>
-          <a:off x="0" y="0"/>
-          <a:ext cx="0" cy="0"/>
-          <a:chOff x="0" y="0"/>
-          <a:chExt cx="0" cy="0"/>
-        </a:xfrm>
-      </p:grpSpPr>
-      <p:sp>
-        <p:nvSpPr>
-          <p:cNvPr id="95" name="Google Shape;95;p14"/>
-          <p:cNvSpPr txBox="1">
-            <a:spLocks noGrp="1"/>
-          </p:cNvSpPr>
-          <p:nvPr>
-            <p:ph type="title" idx="4294967295"/>
-          </p:nvPr>
-        </p:nvSpPr>
-        <p:spPr>
-          <a:xfrm>
-            <a:off x="717173" y="696913"/>
-            <a:ext cx="10972800" cy="506789"/>
-          </a:xfrm>
-          <a:prstGeom prst="rect">
-            <a:avLst/>
-          </a:prstGeom>
-        </p:spPr>
-        <p:txBody>
-          <a:bodyPr spcFirstLastPara="1" wrap="square" lIns="121900" tIns="121900" rIns="121900" bIns="121900" anchor="ctr" anchorCtr="0">
-            <a:noAutofit/>
-          </a:bodyPr>
-          <a:lstStyle/>
-          <a:p>
-            <a:r>
-              <a:rPr lang="en-US" sz="4000" b="1" dirty="0">
-                <a:solidFill>
-                  <a:srgbClr val="E46102"/>
-                </a:solidFill>
-              </a:rPr>
-              <a:t>CART Algorithm – Cost Function</a:t>
-            </a:r>
-            <a:endParaRPr sz="4000" b="1" dirty="0">
-              <a:solidFill>
-                <a:srgbClr val="E46102"/>
-              </a:solidFill>
-            </a:endParaRPr>
-          </a:p>
-        </p:txBody>
-      </p:sp>
-      <p:pic>
-        <p:nvPicPr>
-          <p:cNvPr id="3" name="Picture 2">
-            <a:extLst>
-              <a:ext uri="{FF2B5EF4-FFF2-40B4-BE49-F238E27FC236}">
-                <a16:creationId xmlns:a16="http://schemas.microsoft.com/office/drawing/2014/main" id="{AC5DCB4F-E617-4A14-A79D-8C4E8549EC9D}"/>
-              </a:ext>
-            </a:extLst>
-          </p:cNvPr>
-          <p:cNvPicPr>
-            <a:picLocks noChangeAspect="1"/>
-          </p:cNvPicPr>
-          <p:nvPr/>
-        </p:nvPicPr>
-        <p:blipFill>
-          <a:blip r:embed="rId3"/>
-          <a:stretch>
-            <a:fillRect/>
-          </a:stretch>
-        </p:blipFill>
-        <p:spPr>
-          <a:xfrm>
-            <a:off x="2310062" y="1624018"/>
-            <a:ext cx="8732157" cy="2093217"/>
-          </a:xfrm>
-          <a:prstGeom prst="rect">
-            <a:avLst/>
-          </a:prstGeom>
-        </p:spPr>
-      </p:pic>
-      <p:sp>
-        <p:nvSpPr>
-          <p:cNvPr id="4" name="TextBox 3">
-            <a:extLst>
-              <a:ext uri="{FF2B5EF4-FFF2-40B4-BE49-F238E27FC236}">
-                <a16:creationId xmlns:a16="http://schemas.microsoft.com/office/drawing/2014/main" id="{E21A26F3-EDBA-405B-A4C3-E52406FBC2CA}"/>
-              </a:ext>
-            </a:extLst>
-          </p:cNvPr>
-          <p:cNvSpPr txBox="1"/>
-          <p:nvPr/>
-        </p:nvSpPr>
-        <p:spPr>
-          <a:xfrm flipH="1">
-            <a:off x="609600" y="4080180"/>
-            <a:ext cx="10972799" cy="1323439"/>
-          </a:xfrm>
-          <a:prstGeom prst="rect">
-            <a:avLst/>
-          </a:prstGeom>
-          <a:noFill/>
-        </p:spPr>
-        <p:txBody>
-          <a:bodyPr wrap="square" rtlCol="0">
-            <a:spAutoFit/>
-          </a:bodyPr>
-          <a:lstStyle/>
-          <a:p>
-            <a:pPr algn="just"/>
-            <a:r>
-              <a:rPr lang="en-US" sz="2000" dirty="0"/>
-              <a:t>- Once it has successfully split the training set in two, it splits the subsets using the</a:t>
-            </a:r>
-          </a:p>
-          <a:p>
-            <a:pPr algn="just"/>
-            <a:r>
-              <a:rPr lang="en-US" sz="2000" dirty="0"/>
-              <a:t>same logic, then the sub-subsets and so on, </a:t>
-            </a:r>
-            <a:r>
-              <a:rPr lang="en-US" sz="2000"/>
-              <a:t>recursively.</a:t>
-            </a:r>
-            <a:endParaRPr lang="en-US" sz="2000" dirty="0"/>
-          </a:p>
-          <a:p>
-            <a:pPr algn="just"/>
-            <a:r>
-              <a:rPr lang="en-US" sz="2000" dirty="0"/>
-              <a:t>- It stops recursing once it reaches the maximum depth (defined by the </a:t>
-            </a:r>
-            <a:r>
-              <a:rPr lang="en-US" sz="2000" dirty="0" err="1"/>
-              <a:t>max_depth</a:t>
-            </a:r>
-            <a:r>
-              <a:rPr lang="en-US" sz="2000" dirty="0"/>
-              <a:t> hyperparameter), or if it cannot find a split that will reduce impurity.</a:t>
-            </a:r>
-          </a:p>
-        </p:txBody>
-      </p:sp>
-    </p:spTree>
-    <p:extLst>
-      <p:ext uri="{BB962C8B-B14F-4D97-AF65-F5344CB8AC3E}">
-        <p14:creationId xmlns:p14="http://schemas.microsoft.com/office/powerpoint/2010/main" val="281329884"/>
-      </p:ext>
-    </p:extLst>
-  </p:cSld>
-  <p:clrMapOvr>
-    <a:masterClrMapping/>
-  </p:clrMapOvr>
-</p:sld>
-</file>
-
-<file path=ppt/slides/slide41.xml><?xml version="1.0" encoding="utf-8"?>
-<p:sld xmlns:a="http://schemas.openxmlformats.org/drawingml/2006/main" xmlns:r="http://schemas.openxmlformats.org/officeDocument/2006/relationships" xmlns:p="http://schemas.openxmlformats.org/presentationml/2006/main">
-  <p:cSld>
-    <p:spTree>
-      <p:nvGrpSpPr>
-        <p:cNvPr id="1" name="Shape 94"/>
-        <p:cNvGrpSpPr/>
-        <p:nvPr/>
-      </p:nvGrpSpPr>
-      <p:grpSpPr>
-        <a:xfrm>
-          <a:off x="0" y="0"/>
-          <a:ext cx="0" cy="0"/>
-          <a:chOff x="0" y="0"/>
-          <a:chExt cx="0" cy="0"/>
-        </a:xfrm>
-      </p:grpSpPr>
-      <p:sp>
-        <p:nvSpPr>
-          <p:cNvPr id="95" name="Google Shape;95;p14"/>
-          <p:cNvSpPr txBox="1">
-            <a:spLocks noGrp="1"/>
-          </p:cNvSpPr>
-          <p:nvPr>
-            <p:ph type="title" idx="4294967295"/>
-          </p:nvPr>
-        </p:nvSpPr>
-        <p:spPr>
-          <a:xfrm>
-            <a:off x="717173" y="696913"/>
-            <a:ext cx="10972800" cy="506789"/>
-          </a:xfrm>
-          <a:prstGeom prst="rect">
-            <a:avLst/>
-          </a:prstGeom>
-        </p:spPr>
-        <p:txBody>
-          <a:bodyPr spcFirstLastPara="1" wrap="square" lIns="121900" tIns="121900" rIns="121900" bIns="121900" anchor="ctr" anchorCtr="0">
-            <a:noAutofit/>
-          </a:bodyPr>
-          <a:lstStyle/>
-          <a:p>
-            <a:r>
-              <a:rPr lang="en-US" sz="4000" b="1" dirty="0">
-                <a:solidFill>
-                  <a:srgbClr val="E46102"/>
-                </a:solidFill>
-              </a:rPr>
-              <a:t>CART Algorithm – Greedy Algorithm</a:t>
-            </a:r>
-            <a:endParaRPr sz="4000" b="1" dirty="0">
-              <a:solidFill>
-                <a:srgbClr val="E46102"/>
-              </a:solidFill>
-            </a:endParaRPr>
-          </a:p>
-        </p:txBody>
-      </p:sp>
-      <p:sp>
-        <p:nvSpPr>
-          <p:cNvPr id="4" name="TextBox 3">
-            <a:extLst>
-              <a:ext uri="{FF2B5EF4-FFF2-40B4-BE49-F238E27FC236}">
-                <a16:creationId xmlns:a16="http://schemas.microsoft.com/office/drawing/2014/main" id="{E21A26F3-EDBA-405B-A4C3-E52406FBC2CA}"/>
-              </a:ext>
-            </a:extLst>
-          </p:cNvPr>
-          <p:cNvSpPr txBox="1"/>
-          <p:nvPr/>
-        </p:nvSpPr>
-        <p:spPr>
-          <a:xfrm flipH="1">
-            <a:off x="900485" y="1795383"/>
-            <a:ext cx="10226372" cy="3416320"/>
-          </a:xfrm>
-          <a:prstGeom prst="rect">
-            <a:avLst/>
-          </a:prstGeom>
-          <a:noFill/>
-        </p:spPr>
-        <p:txBody>
-          <a:bodyPr wrap="square" rtlCol="0">
-            <a:spAutoFit/>
-          </a:bodyPr>
-          <a:lstStyle/>
-          <a:p>
-            <a:pPr marL="342900" indent="-342900" algn="just">
-              <a:buFont typeface="Arial" panose="020B0604020202020204" pitchFamily="34" charset="0"/>
-              <a:buChar char="•"/>
-            </a:pPr>
-            <a:r>
-              <a:rPr lang="en-US" dirty="0"/>
-              <a:t>Greedily searches for an optimum split at top level</a:t>
-            </a:r>
-          </a:p>
-          <a:p>
-            <a:pPr algn="just"/>
-            <a:endParaRPr lang="en-US" dirty="0"/>
-          </a:p>
-          <a:p>
-            <a:pPr marL="342900" indent="-342900" algn="just">
-              <a:buFont typeface="Arial" panose="020B0604020202020204" pitchFamily="34" charset="0"/>
-              <a:buChar char="•"/>
-            </a:pPr>
-            <a:r>
-              <a:rPr lang="en-US" dirty="0"/>
-              <a:t>Repeats greedy search for each level</a:t>
-            </a:r>
-          </a:p>
-          <a:p>
-            <a:pPr marL="342900" indent="-342900" algn="just">
-              <a:buFont typeface="Arial" panose="020B0604020202020204" pitchFamily="34" charset="0"/>
-              <a:buChar char="•"/>
-            </a:pPr>
-            <a:endParaRPr lang="en-US" dirty="0"/>
-          </a:p>
-          <a:p>
-            <a:pPr marL="342900" indent="-342900" algn="just">
-              <a:buFont typeface="Arial" panose="020B0604020202020204" pitchFamily="34" charset="0"/>
-              <a:buChar char="•"/>
-            </a:pPr>
-            <a:r>
-              <a:rPr lang="en-US" dirty="0"/>
-              <a:t>Does NOT check if the split will lead to best predicted price</a:t>
-            </a:r>
-          </a:p>
-          <a:p>
-            <a:pPr marL="342900" indent="-342900" algn="just">
-              <a:buFont typeface="Arial" panose="020B0604020202020204" pitchFamily="34" charset="0"/>
-              <a:buChar char="•"/>
-            </a:pPr>
-            <a:endParaRPr lang="en-US" dirty="0"/>
-          </a:p>
-          <a:p>
-            <a:pPr marL="342900" indent="-342900" algn="just">
-              <a:buFont typeface="Arial" panose="020B0604020202020204" pitchFamily="34" charset="0"/>
-              <a:buChar char="•"/>
-            </a:pPr>
-            <a:r>
-              <a:rPr lang="en-US" dirty="0"/>
-              <a:t>Greedy algorithm produces reasonably good solutions</a:t>
-            </a:r>
-          </a:p>
-          <a:p>
-            <a:pPr marL="342900" indent="-342900" algn="just">
-              <a:buFont typeface="Arial" panose="020B0604020202020204" pitchFamily="34" charset="0"/>
-              <a:buChar char="•"/>
-            </a:pPr>
-            <a:endParaRPr lang="en-US" dirty="0"/>
-          </a:p>
-          <a:p>
-            <a:pPr marL="342900" indent="-342900" algn="just">
-              <a:buFont typeface="Arial" panose="020B0604020202020204" pitchFamily="34" charset="0"/>
-              <a:buChar char="•"/>
-            </a:pPr>
-            <a:r>
-              <a:rPr lang="en-US" dirty="0"/>
-              <a:t>Not guaranteed to be optimal solution</a:t>
-            </a:r>
-          </a:p>
-        </p:txBody>
-      </p:sp>
-    </p:spTree>
-    <p:extLst>
-      <p:ext uri="{BB962C8B-B14F-4D97-AF65-F5344CB8AC3E}">
-        <p14:creationId xmlns:p14="http://schemas.microsoft.com/office/powerpoint/2010/main" val="4040633407"/>
-      </p:ext>
-    </p:extLst>
-  </p:cSld>
-  <p:clrMapOvr>
-    <a:masterClrMapping/>
-  </p:clrMapOvr>
-</p:sld>
-</file>
-
 <file path=ppt/slides/slide42.xml><?xml version="1.0" encoding="utf-8"?>
 <p:sld xmlns:a="http://schemas.openxmlformats.org/drawingml/2006/main" xmlns:r="http://schemas.openxmlformats.org/officeDocument/2006/relationships" xmlns:p="http://schemas.openxmlformats.org/presentationml/2006/main">
   <p:cSld>
@@ -24833,7 +25275,7 @@
                   <a:srgbClr val="E46102"/>
                 </a:solidFill>
               </a:rPr>
-              <a:t>CART Algorithm</a:t>
+              <a:t>CART Algorithm – Cost Function</a:t>
             </a:r>
             <a:endParaRPr sz="4000" b="1" dirty="0">
               <a:solidFill>
@@ -24843,12 +25285,42 @@
           </a:p>
         </p:txBody>
       </p:sp>
+      <p:pic>
+        <p:nvPicPr>
+          <p:cNvPr id="3" name="Picture 2">
+            <a:extLst>
+              <a:ext uri="{FF2B5EF4-FFF2-40B4-BE49-F238E27FC236}">
+                <a16:creationId xmlns:a16="http://schemas.microsoft.com/office/drawing/2014/main" id="{AC5DCB4F-E617-4A14-A79D-8C4E8549EC9D}"/>
+              </a:ext>
+            </a:extLst>
+          </p:cNvPr>
+          <p:cNvPicPr>
+            <a:picLocks noChangeAspect="1"/>
+          </p:cNvPicPr>
+          <p:nvPr/>
+        </p:nvPicPr>
+        <p:blipFill>
+          <a:blip r:embed="rId3"/>
+          <a:stretch>
+            <a:fillRect/>
+          </a:stretch>
+        </p:blipFill>
+        <p:spPr>
+          <a:xfrm>
+            <a:off x="2310062" y="1624018"/>
+            <a:ext cx="8732157" cy="2093217"/>
+          </a:xfrm>
+          <a:prstGeom prst="rect">
+            <a:avLst/>
+          </a:prstGeom>
+        </p:spPr>
+      </p:pic>
       <p:sp>
         <p:nvSpPr>
-          <p:cNvPr id="34" name="Google Shape;96;p14">
+          <p:cNvPr id="4" name="TextBox 3">
             <a:extLst>
               <a:ext uri="{FF2B5EF4-FFF2-40B4-BE49-F238E27FC236}">
-                <a16:creationId xmlns:a16="http://schemas.microsoft.com/office/drawing/2014/main" id="{58EA380B-9CCD-4D12-AAB2-9CBED38C12D0}"/>
+                <a16:creationId xmlns:a16="http://schemas.microsoft.com/office/drawing/2014/main" id="{E21A26F3-EDBA-405B-A4C3-E52406FBC2CA}"/>
               </a:ext>
             </a:extLst>
           </p:cNvPr>
@@ -24856,95 +25328,51 @@
           <p:nvPr/>
         </p:nvSpPr>
         <p:spPr>
-          <a:xfrm>
-            <a:off x="669207" y="1288207"/>
-            <a:ext cx="11277600" cy="5132867"/>
+          <a:xfrm flipH="1">
+            <a:off x="609600" y="4080180"/>
+            <a:ext cx="10972799" cy="1631216"/>
           </a:xfrm>
           <a:prstGeom prst="rect">
             <a:avLst/>
           </a:prstGeom>
           <a:noFill/>
-          <a:ln>
-            <a:noFill/>
-          </a:ln>
         </p:spPr>
         <p:txBody>
-          <a:bodyPr spcFirstLastPara="1" wrap="square" lIns="121900" tIns="121900" rIns="121900" bIns="121900" anchor="t" anchorCtr="0">
-            <a:noAutofit/>
+          <a:bodyPr wrap="square" rtlCol="0">
+            <a:spAutoFit/>
           </a:bodyPr>
           <a:lstStyle/>
           <a:p>
-            <a:pPr marL="342900" indent="-342900">
-              <a:lnSpc>
-                <a:spcPct val="90000"/>
-              </a:lnSpc>
-              <a:spcAft>
-                <a:spcPts val="1800"/>
-              </a:spcAft>
-              <a:buFont typeface="Arial" panose="020B0604020202020204" pitchFamily="34" charset="0"/>
-              <a:buChar char="•"/>
-            </a:pPr>
-            <a:r>
-              <a:rPr lang="en-US" dirty="0"/>
-              <a:t>Prefer trees that are simple and compact. Why? (Hint: </a:t>
-            </a:r>
-            <a:r>
-              <a:rPr lang="en-US" dirty="0">
-                <a:hlinkClick r:id="rId3"/>
-              </a:rPr>
-              <a:t>Occam’s Razor</a:t>
-            </a:r>
-            <a:r>
-              <a:rPr lang="en-US" dirty="0"/>
-              <a:t>).</a:t>
-            </a:r>
-          </a:p>
-          <a:p>
-            <a:pPr marL="342900" indent="-342900">
-              <a:lnSpc>
-                <a:spcPct val="90000"/>
-              </a:lnSpc>
-              <a:spcAft>
-                <a:spcPts val="1800"/>
-              </a:spcAft>
-              <a:buFont typeface="Arial" panose="020B0604020202020204" pitchFamily="34" charset="0"/>
-              <a:buChar char="•"/>
-            </a:pPr>
-            <a:r>
-              <a:rPr lang="en-US" dirty="0"/>
-              <a:t>We split data at a node to increase the </a:t>
-            </a:r>
-            <a:r>
-              <a:rPr lang="en-US" b="1" dirty="0"/>
-              <a:t>purity</a:t>
-            </a:r>
-            <a:r>
-              <a:rPr lang="en-US" dirty="0"/>
-              <a:t> at that node.</a:t>
-            </a:r>
-          </a:p>
-          <a:p>
-            <a:pPr marL="342900" indent="-342900">
-              <a:lnSpc>
-                <a:spcPct val="90000"/>
-              </a:lnSpc>
-              <a:spcAft>
-                <a:spcPts val="1800"/>
-              </a:spcAft>
-              <a:buFont typeface="Arial" panose="020B0604020202020204" pitchFamily="34" charset="0"/>
-              <a:buChar char="•"/>
-            </a:pPr>
-            <a:r>
-              <a:rPr lang="en-US" dirty="0"/>
-              <a:t>To split data at a node, we need to find the question that results in the greatest </a:t>
-            </a:r>
-            <a:r>
-              <a:rPr lang="en-US" b="1" dirty="0"/>
-              <a:t>entropy reduction </a:t>
-            </a:r>
-            <a:r>
-              <a:rPr lang="en-US" dirty="0"/>
-              <a:t>(removes uncertainty in the data)</a:t>
+            <a:pPr algn="just"/>
+            <a:r>
+              <a:rPr lang="en-US" sz="2000" dirty="0"/>
+              <a:t>- Once it has successfully split the training set in two, it splits the subsets using the</a:t>
+            </a:r>
+          </a:p>
+          <a:p>
+            <a:pPr algn="just"/>
+            <a:r>
+              <a:rPr lang="en-US" sz="2000" dirty="0"/>
+              <a:t>same logic, then the sub-subsets and so on, recursively.</a:t>
+            </a:r>
+          </a:p>
+          <a:p>
+            <a:pPr algn="just"/>
+            <a:endParaRPr lang="en-US" sz="2000" dirty="0"/>
+          </a:p>
+          <a:p>
+            <a:pPr algn="just"/>
+            <a:r>
+              <a:rPr lang="en-US" sz="2000" dirty="0"/>
+              <a:t>- It stops recursing once it reaches the maximum depth (defined by the </a:t>
+            </a:r>
+            <a:r>
+              <a:rPr lang="en-US" sz="2000" dirty="0" err="1"/>
+              <a:t>max_depth</a:t>
+            </a:r>
+            <a:r>
+              <a:rPr lang="en-US" sz="2000" dirty="0"/>
+              <a:t> hyperparameter), or if it cannot find a split that will reduce impurity.</a:t>
             </a:r>
           </a:p>
         </p:txBody>
@@ -24952,91 +25380,13 @@
     </p:spTree>
     <p:extLst>
       <p:ext uri="{BB962C8B-B14F-4D97-AF65-F5344CB8AC3E}">
-        <p14:creationId xmlns:p14="http://schemas.microsoft.com/office/powerpoint/2010/main" val="4152216398"/>
+        <p14:creationId xmlns:p14="http://schemas.microsoft.com/office/powerpoint/2010/main" val="281329884"/>
       </p:ext>
     </p:extLst>
   </p:cSld>
   <p:clrMapOvr>
     <a:masterClrMapping/>
   </p:clrMapOvr>
-  <p:timing>
-    <p:tnLst>
-      <p:par>
-        <p:cTn id="1" dur="indefinite" restart="never" nodeType="tmRoot">
-          <p:childTnLst>
-            <p:seq concurrent="1" nextAc="seek">
-              <p:cTn id="2" dur="indefinite" nodeType="mainSeq">
-                <p:childTnLst>
-                  <p:par>
-                    <p:cTn id="3" fill="hold">
-                      <p:stCondLst>
-                        <p:cond delay="indefinite"/>
-                      </p:stCondLst>
-                      <p:childTnLst>
-                        <p:par>
-                          <p:cTn id="4" fill="hold">
-                            <p:stCondLst>
-                              <p:cond delay="0"/>
-                            </p:stCondLst>
-                            <p:childTnLst>
-                              <p:par>
-                                <p:cTn id="5" presetID="1" presetClass="entr" presetSubtype="0" fill="hold" grpId="0" nodeType="clickEffect">
-                                  <p:stCondLst>
-                                    <p:cond delay="0"/>
-                                  </p:stCondLst>
-                                  <p:childTnLst>
-                                    <p:set>
-                                      <p:cBhvr>
-                                        <p:cTn id="6" dur="1" fill="hold">
-                                          <p:stCondLst>
-                                            <p:cond delay="0"/>
-                                          </p:stCondLst>
-                                        </p:cTn>
-                                        <p:tgtEl>
-                                          <p:spTgt spid="34"/>
-                                        </p:tgtEl>
-                                        <p:attrNameLst>
-                                          <p:attrName>style.visibility</p:attrName>
-                                        </p:attrNameLst>
-                                      </p:cBhvr>
-                                      <p:to>
-                                        <p:strVal val="visible"/>
-                                      </p:to>
-                                    </p:set>
-                                  </p:childTnLst>
-                                </p:cTn>
-                              </p:par>
-                            </p:childTnLst>
-                          </p:cTn>
-                        </p:par>
-                      </p:childTnLst>
-                    </p:cTn>
-                  </p:par>
-                </p:childTnLst>
-              </p:cTn>
-              <p:prevCondLst>
-                <p:cond evt="onPrev" delay="0">
-                  <p:tgtEl>
-                    <p:sldTgt/>
-                  </p:tgtEl>
-                </p:cond>
-              </p:prevCondLst>
-              <p:nextCondLst>
-                <p:cond evt="onNext" delay="0">
-                  <p:tgtEl>
-                    <p:sldTgt/>
-                  </p:tgtEl>
-                </p:cond>
-              </p:nextCondLst>
-            </p:seq>
-          </p:childTnLst>
-        </p:cTn>
-      </p:par>
-    </p:tnLst>
-    <p:bldLst>
-      <p:bldP spid="34" grpId="0"/>
-    </p:bldLst>
-  </p:timing>
 </p:sld>
 </file>
 
@@ -25088,7 +25438,7 @@
                   <a:srgbClr val="E46102"/>
                 </a:solidFill>
               </a:rPr>
-              <a:t>Overfitting in Decision Trees</a:t>
+              <a:t>CART Algorithm – Greedy Algorithm</a:t>
             </a:r>
             <a:endParaRPr sz="4000" b="1" dirty="0">
               <a:solidFill>
@@ -25100,10 +25450,10 @@
       </p:sp>
       <p:sp>
         <p:nvSpPr>
-          <p:cNvPr id="34" name="Google Shape;96;p14">
+          <p:cNvPr id="4" name="TextBox 3">
             <a:extLst>
               <a:ext uri="{FF2B5EF4-FFF2-40B4-BE49-F238E27FC236}">
-                <a16:creationId xmlns:a16="http://schemas.microsoft.com/office/drawing/2014/main" id="{58EA380B-9CCD-4D12-AAB2-9CBED38C12D0}"/>
+                <a16:creationId xmlns:a16="http://schemas.microsoft.com/office/drawing/2014/main" id="{E21A26F3-EDBA-405B-A4C3-E52406FBC2CA}"/>
               </a:ext>
             </a:extLst>
           </p:cNvPr>
@@ -25111,133 +25461,93 @@
           <p:nvPr/>
         </p:nvSpPr>
         <p:spPr>
-          <a:xfrm>
-            <a:off x="669207" y="1288207"/>
-            <a:ext cx="11277600" cy="5132867"/>
+          <a:xfrm flipH="1">
+            <a:off x="900485" y="1795383"/>
+            <a:ext cx="10226372" cy="3416320"/>
           </a:xfrm>
           <a:prstGeom prst="rect">
             <a:avLst/>
           </a:prstGeom>
           <a:noFill/>
-          <a:ln>
-            <a:noFill/>
-          </a:ln>
         </p:spPr>
         <p:txBody>
-          <a:bodyPr spcFirstLastPara="1" wrap="square" lIns="121900" tIns="121900" rIns="121900" bIns="121900" anchor="t" anchorCtr="0">
-            <a:noAutofit/>
+          <a:bodyPr wrap="square" rtlCol="0">
+            <a:spAutoFit/>
           </a:bodyPr>
           <a:lstStyle/>
           <a:p>
-            <a:pPr marL="342900" indent="-342900">
-              <a:lnSpc>
-                <a:spcPct val="90000"/>
-              </a:lnSpc>
-              <a:spcAft>
-                <a:spcPts val="1800"/>
-              </a:spcAft>
+            <a:pPr marL="342900" indent="-342900" algn="just">
               <a:buFont typeface="Arial" panose="020B0604020202020204" pitchFamily="34" charset="0"/>
               <a:buChar char="•"/>
             </a:pPr>
             <a:r>
               <a:rPr lang="en-US" dirty="0"/>
-              <a:t>If we continue to grow the tree until each leaf node has the lowest impurity, then the data will be overfit.</a:t>
-            </a:r>
-          </a:p>
-          <a:p>
-            <a:pPr marL="342900" indent="-342900">
-              <a:lnSpc>
-                <a:spcPct val="90000"/>
-              </a:lnSpc>
-              <a:spcAft>
-                <a:spcPts val="1800"/>
-              </a:spcAft>
+              <a:t>Greedily searches for an optimum split at top level</a:t>
+            </a:r>
+          </a:p>
+          <a:p>
+            <a:pPr algn="just"/>
+            <a:endParaRPr lang="en-US" dirty="0"/>
+          </a:p>
+          <a:p>
+            <a:pPr marL="342900" indent="-342900" algn="just">
               <a:buFont typeface="Arial" panose="020B0604020202020204" pitchFamily="34" charset="0"/>
               <a:buChar char="•"/>
             </a:pPr>
             <a:r>
               <a:rPr lang="en-US" dirty="0"/>
-              <a:t>Noisy data can occur in the examples</a:t>
-            </a:r>
-          </a:p>
-          <a:p>
-            <a:pPr marL="952485" lvl="1" indent="-342900">
-              <a:lnSpc>
-                <a:spcPct val="90000"/>
-              </a:lnSpc>
-              <a:spcAft>
-                <a:spcPts val="1800"/>
-              </a:spcAft>
+              <a:t>Repeats greedy search for each level</a:t>
+            </a:r>
+          </a:p>
+          <a:p>
+            <a:pPr marL="342900" indent="-342900" algn="just">
               <a:buFont typeface="Arial" panose="020B0604020202020204" pitchFamily="34" charset="0"/>
               <a:buChar char="•"/>
             </a:pPr>
-            <a:r>
-              <a:rPr lang="en-US" dirty="0"/>
-              <a:t>Two examples have same attribute/value pairs, but different classifications</a:t>
-            </a:r>
-          </a:p>
-          <a:p>
-            <a:pPr marL="952485" lvl="1" indent="-342900">
-              <a:lnSpc>
-                <a:spcPct val="90000"/>
-              </a:lnSpc>
-              <a:spcAft>
-                <a:spcPts val="1800"/>
-              </a:spcAft>
+            <a:endParaRPr lang="en-US" dirty="0"/>
+          </a:p>
+          <a:p>
+            <a:pPr marL="342900" indent="-342900" algn="just">
               <a:buFont typeface="Arial" panose="020B0604020202020204" pitchFamily="34" charset="0"/>
               <a:buChar char="•"/>
             </a:pPr>
             <a:r>
               <a:rPr lang="en-US" dirty="0"/>
-              <a:t>Some values of attributes are incorrect because of errors in the data acquisition process or the preprocessing phase</a:t>
-            </a:r>
-          </a:p>
-          <a:p>
-            <a:pPr marL="952485" lvl="1" indent="-342900">
-              <a:lnSpc>
-                <a:spcPct val="90000"/>
-              </a:lnSpc>
-              <a:spcAft>
-                <a:spcPts val="1800"/>
-              </a:spcAft>
+              <a:t>Does NOT check if the split will lead to best predicted price</a:t>
+            </a:r>
+          </a:p>
+          <a:p>
+            <a:pPr marL="342900" indent="-342900" algn="just">
               <a:buFont typeface="Arial" panose="020B0604020202020204" pitchFamily="34" charset="0"/>
               <a:buChar char="•"/>
             </a:pPr>
-            <a:r>
-              <a:rPr lang="en-US" dirty="0"/>
-              <a:t>The instance was labeled incorrectly (+ instead of -)</a:t>
-            </a:r>
-          </a:p>
-          <a:p>
-            <a:pPr marL="952485" lvl="1" indent="-342900">
-              <a:lnSpc>
-                <a:spcPct val="90000"/>
-              </a:lnSpc>
-              <a:spcAft>
-                <a:spcPts val="1800"/>
-              </a:spcAft>
+            <a:endParaRPr lang="en-US" dirty="0"/>
+          </a:p>
+          <a:p>
+            <a:pPr marL="342900" indent="-342900" algn="just">
               <a:buFont typeface="Arial" panose="020B0604020202020204" pitchFamily="34" charset="0"/>
               <a:buChar char="•"/>
             </a:pPr>
             <a:r>
               <a:rPr lang="en-US" dirty="0"/>
-              <a:t>Also, some attributes are irrelevant to the decision-making process</a:t>
-            </a:r>
-          </a:p>
-          <a:p>
-            <a:pPr marL="1562070" lvl="2" indent="-342900">
-              <a:lnSpc>
-                <a:spcPct val="90000"/>
-              </a:lnSpc>
-              <a:spcAft>
-                <a:spcPts val="1800"/>
-              </a:spcAft>
+              <a:t>Greedy algorithm produces reasonably good solutions</a:t>
+            </a:r>
+          </a:p>
+          <a:p>
+            <a:pPr marL="342900" indent="-342900" algn="just">
               <a:buFont typeface="Arial" panose="020B0604020202020204" pitchFamily="34" charset="0"/>
               <a:buChar char="•"/>
             </a:pPr>
+            <a:endParaRPr lang="en-US" dirty="0"/>
+          </a:p>
+          <a:p>
+            <a:pPr marL="342900" indent="-342900" algn="just">
+              <a:buFont typeface="Arial" panose="020B0604020202020204" pitchFamily="34" charset="0"/>
+              <a:buChar char="•"/>
+            </a:pPr>
             <a:r>
               <a:rPr lang="en-US" dirty="0"/>
-              <a:t>e.g., color of a die is irrelevant to its outcome</a:t>
+              <a:t>Not guaranteed to be optimal solution</a:t>
             </a:r>
           </a:p>
         </p:txBody>
@@ -25245,91 +25555,13 @@
     </p:spTree>
     <p:extLst>
       <p:ext uri="{BB962C8B-B14F-4D97-AF65-F5344CB8AC3E}">
-        <p14:creationId xmlns:p14="http://schemas.microsoft.com/office/powerpoint/2010/main" val="450663588"/>
+        <p14:creationId xmlns:p14="http://schemas.microsoft.com/office/powerpoint/2010/main" val="4040633407"/>
       </p:ext>
     </p:extLst>
   </p:cSld>
   <p:clrMapOvr>
     <a:masterClrMapping/>
   </p:clrMapOvr>
-  <p:timing>
-    <p:tnLst>
-      <p:par>
-        <p:cTn id="1" dur="indefinite" restart="never" nodeType="tmRoot">
-          <p:childTnLst>
-            <p:seq concurrent="1" nextAc="seek">
-              <p:cTn id="2" dur="indefinite" nodeType="mainSeq">
-                <p:childTnLst>
-                  <p:par>
-                    <p:cTn id="3" fill="hold">
-                      <p:stCondLst>
-                        <p:cond delay="indefinite"/>
-                      </p:stCondLst>
-                      <p:childTnLst>
-                        <p:par>
-                          <p:cTn id="4" fill="hold">
-                            <p:stCondLst>
-                              <p:cond delay="0"/>
-                            </p:stCondLst>
-                            <p:childTnLst>
-                              <p:par>
-                                <p:cTn id="5" presetID="1" presetClass="entr" presetSubtype="0" fill="hold" grpId="0" nodeType="clickEffect">
-                                  <p:stCondLst>
-                                    <p:cond delay="0"/>
-                                  </p:stCondLst>
-                                  <p:childTnLst>
-                                    <p:set>
-                                      <p:cBhvr>
-                                        <p:cTn id="6" dur="1" fill="hold">
-                                          <p:stCondLst>
-                                            <p:cond delay="0"/>
-                                          </p:stCondLst>
-                                        </p:cTn>
-                                        <p:tgtEl>
-                                          <p:spTgt spid="34"/>
-                                        </p:tgtEl>
-                                        <p:attrNameLst>
-                                          <p:attrName>style.visibility</p:attrName>
-                                        </p:attrNameLst>
-                                      </p:cBhvr>
-                                      <p:to>
-                                        <p:strVal val="visible"/>
-                                      </p:to>
-                                    </p:set>
-                                  </p:childTnLst>
-                                </p:cTn>
-                              </p:par>
-                            </p:childTnLst>
-                          </p:cTn>
-                        </p:par>
-                      </p:childTnLst>
-                    </p:cTn>
-                  </p:par>
-                </p:childTnLst>
-              </p:cTn>
-              <p:prevCondLst>
-                <p:cond evt="onPrev" delay="0">
-                  <p:tgtEl>
-                    <p:sldTgt/>
-                  </p:tgtEl>
-                </p:cond>
-              </p:prevCondLst>
-              <p:nextCondLst>
-                <p:cond evt="onNext" delay="0">
-                  <p:tgtEl>
-                    <p:sldTgt/>
-                  </p:tgtEl>
-                </p:cond>
-              </p:nextCondLst>
-            </p:seq>
-          </p:childTnLst>
-        </p:cTn>
-      </p:par>
-    </p:tnLst>
-    <p:bldLst>
-      <p:bldP spid="34" grpId="0"/>
-    </p:bldLst>
-  </p:timing>
 </p:sld>
 </file>
 
@@ -25381,7 +25613,7 @@
                   <a:srgbClr val="E46102"/>
                 </a:solidFill>
               </a:rPr>
-              <a:t>Overfitting in Decision Trees</a:t>
+              <a:t>CART Algorithm</a:t>
             </a:r>
             <a:endParaRPr sz="4000" b="1" dirty="0">
               <a:solidFill>
@@ -25434,7 +25666,17 @@
             </a:pPr>
             <a:r>
               <a:rPr lang="en-US" dirty="0"/>
-              <a:t>Irrelevant features can result in overfitting training example data</a:t>
+              <a:t>Prefer trees that are simple and compact. Why? (Hint: </a:t>
+            </a:r>
+            <a:r>
+              <a:rPr lang="en-US" dirty="0">
+                <a:hlinkClick r:id="rId3"/>
+              </a:rPr>
+              <a:t>Occam’s Razor</a:t>
+            </a:r>
+            <a:r>
+              <a:rPr lang="en-US" dirty="0"/>
+              <a:t>).</a:t>
             </a:r>
           </a:p>
           <a:p>
@@ -25450,7 +25692,15 @@
             </a:pPr>
             <a:r>
               <a:rPr lang="en-US" dirty="0"/>
-              <a:t>Two strategies: (1) stop tree from growing or (2) grow and then prune the tree.</a:t>
+              <a:t>We split data at a node to increase the </a:t>
+            </a:r>
+            <a:r>
+              <a:rPr lang="en-US" b="1" dirty="0"/>
+              <a:t>purity</a:t>
+            </a:r>
+            <a:r>
+              <a:rPr lang="en-US" dirty="0"/>
+              <a:t> at that node.</a:t>
             </a:r>
           </a:p>
           <a:p>
@@ -25466,91 +25716,15 @@
             </a:pPr>
             <a:r>
               <a:rPr lang="en-US" dirty="0"/>
-              <a:t>A traditional approach to stopping splitting relies on cross-validation:</a:t>
-            </a:r>
-          </a:p>
-          <a:p>
-            <a:pPr marL="952485" lvl="1" indent="-342900">
-              <a:lnSpc>
-                <a:spcPct val="90000"/>
-              </a:lnSpc>
-              <a:spcAft>
-                <a:spcPts val="1800"/>
-              </a:spcAft>
-              <a:buFont typeface="Arial" panose="020B0604020202020204" pitchFamily="34" charset="0"/>
-              <a:buChar char="•"/>
-            </a:pPr>
-            <a:r>
-              <a:rPr lang="en-US" sz="2000" dirty="0"/>
-              <a:t>Validation: train a tree on 80% of the data and test on 20% of the data</a:t>
-            </a:r>
-          </a:p>
-          <a:p>
-            <a:pPr marL="952485" lvl="1" indent="-342900">
-              <a:lnSpc>
-                <a:spcPct val="90000"/>
-              </a:lnSpc>
-              <a:spcAft>
-                <a:spcPts val="1800"/>
-              </a:spcAft>
-              <a:buFont typeface="Arial" panose="020B0604020202020204" pitchFamily="34" charset="0"/>
-              <a:buChar char="•"/>
-            </a:pPr>
-            <a:r>
-              <a:rPr lang="en-US" sz="2000" dirty="0"/>
-              <a:t>Cross-validation: repeat for several independently chosen partitions.</a:t>
-            </a:r>
-          </a:p>
-          <a:p>
-            <a:pPr marL="952485" lvl="1" indent="-342900">
-              <a:lnSpc>
-                <a:spcPct val="90000"/>
-              </a:lnSpc>
-              <a:spcAft>
-                <a:spcPts val="1800"/>
-              </a:spcAft>
-              <a:buFont typeface="Arial" panose="020B0604020202020204" pitchFamily="34" charset="0"/>
-              <a:buChar char="•"/>
-            </a:pPr>
-            <a:r>
-              <a:rPr lang="en-US" sz="2000" dirty="0"/>
-              <a:t>Stopping Criterion: Continue splitting until the error on the held-out data is minimized.</a:t>
-            </a:r>
-          </a:p>
-          <a:p>
-            <a:pPr marL="952485" lvl="1" indent="-342900">
-              <a:lnSpc>
-                <a:spcPct val="90000"/>
-              </a:lnSpc>
-              <a:spcAft>
-                <a:spcPts val="1800"/>
-              </a:spcAft>
-              <a:buFont typeface="Arial" panose="020B0604020202020204" pitchFamily="34" charset="0"/>
-              <a:buChar char="•"/>
-            </a:pPr>
-            <a:r>
-              <a:rPr lang="en-US" sz="2000" dirty="0"/>
-              <a:t>Reduction In Impurity: stop if the candidate split leads to a marginal reduction of the impurity (drawback: leads to an unbalanced tree).</a:t>
-            </a:r>
-          </a:p>
-          <a:p>
-            <a:pPr marL="952485" lvl="1" indent="-342900">
-              <a:lnSpc>
-                <a:spcPct val="90000"/>
-              </a:lnSpc>
-              <a:spcAft>
-                <a:spcPts val="1800"/>
-              </a:spcAft>
-              <a:buFont typeface="Arial" panose="020B0604020202020204" pitchFamily="34" charset="0"/>
-              <a:buChar char="•"/>
-            </a:pPr>
-            <a:r>
-              <a:rPr lang="en-US" sz="2000" dirty="0"/>
-              <a:t>Cost-Complexity: use a global criterion function that combines size and </a:t>
+              <a:t>To split data at a node, we need to find the question that results in the greatest </a:t>
+            </a:r>
+            <a:r>
+              <a:rPr lang="en-US" b="1" dirty="0"/>
+              <a:t>entropy reduction </a:t>
             </a:r>
             <a:r>
               <a:rPr lang="en-US" dirty="0"/>
-              <a:t>impurity:</a:t>
+              <a:t>(removes uncertainty in the data)</a:t>
             </a:r>
           </a:p>
         </p:txBody>
@@ -25558,7 +25732,7 @@
     </p:spTree>
     <p:extLst>
       <p:ext uri="{BB962C8B-B14F-4D97-AF65-F5344CB8AC3E}">
-        <p14:creationId xmlns:p14="http://schemas.microsoft.com/office/powerpoint/2010/main" val="1893796766"/>
+        <p14:creationId xmlns:p14="http://schemas.microsoft.com/office/powerpoint/2010/main" val="4152216398"/>
       </p:ext>
     </p:extLst>
   </p:cSld>
@@ -25694,6 +25868,612 @@
                   <a:srgbClr val="E46102"/>
                 </a:solidFill>
               </a:rPr>
+              <a:t>Overfitting in Decision Trees</a:t>
+            </a:r>
+            <a:endParaRPr sz="4000" b="1" dirty="0">
+              <a:solidFill>
+                <a:srgbClr val="E46102"/>
+              </a:solidFill>
+            </a:endParaRPr>
+          </a:p>
+        </p:txBody>
+      </p:sp>
+      <p:sp>
+        <p:nvSpPr>
+          <p:cNvPr id="34" name="Google Shape;96;p14">
+            <a:extLst>
+              <a:ext uri="{FF2B5EF4-FFF2-40B4-BE49-F238E27FC236}">
+                <a16:creationId xmlns:a16="http://schemas.microsoft.com/office/drawing/2014/main" id="{58EA380B-9CCD-4D12-AAB2-9CBED38C12D0}"/>
+              </a:ext>
+            </a:extLst>
+          </p:cNvPr>
+          <p:cNvSpPr txBox="1"/>
+          <p:nvPr/>
+        </p:nvSpPr>
+        <p:spPr>
+          <a:xfrm>
+            <a:off x="669207" y="1288207"/>
+            <a:ext cx="11277600" cy="5132867"/>
+          </a:xfrm>
+          <a:prstGeom prst="rect">
+            <a:avLst/>
+          </a:prstGeom>
+          <a:noFill/>
+          <a:ln>
+            <a:noFill/>
+          </a:ln>
+        </p:spPr>
+        <p:txBody>
+          <a:bodyPr spcFirstLastPara="1" wrap="square" lIns="121900" tIns="121900" rIns="121900" bIns="121900" anchor="t" anchorCtr="0">
+            <a:noAutofit/>
+          </a:bodyPr>
+          <a:lstStyle/>
+          <a:p>
+            <a:pPr marL="342900" indent="-342900">
+              <a:lnSpc>
+                <a:spcPct val="90000"/>
+              </a:lnSpc>
+              <a:spcAft>
+                <a:spcPts val="1800"/>
+              </a:spcAft>
+              <a:buFont typeface="Arial" panose="020B0604020202020204" pitchFamily="34" charset="0"/>
+              <a:buChar char="•"/>
+            </a:pPr>
+            <a:r>
+              <a:rPr lang="en-US" dirty="0"/>
+              <a:t>If we continue to grow the tree until each leaf node has the lowest impurity, then the data will be overfit.</a:t>
+            </a:r>
+          </a:p>
+          <a:p>
+            <a:pPr marL="342900" indent="-342900">
+              <a:lnSpc>
+                <a:spcPct val="90000"/>
+              </a:lnSpc>
+              <a:spcAft>
+                <a:spcPts val="1800"/>
+              </a:spcAft>
+              <a:buFont typeface="Arial" panose="020B0604020202020204" pitchFamily="34" charset="0"/>
+              <a:buChar char="•"/>
+            </a:pPr>
+            <a:r>
+              <a:rPr lang="en-US" dirty="0"/>
+              <a:t>Noisy data can occur in the examples</a:t>
+            </a:r>
+          </a:p>
+          <a:p>
+            <a:pPr marL="952485" lvl="1" indent="-342900">
+              <a:lnSpc>
+                <a:spcPct val="90000"/>
+              </a:lnSpc>
+              <a:spcAft>
+                <a:spcPts val="1800"/>
+              </a:spcAft>
+              <a:buFont typeface="Arial" panose="020B0604020202020204" pitchFamily="34" charset="0"/>
+              <a:buChar char="•"/>
+            </a:pPr>
+            <a:r>
+              <a:rPr lang="en-US" dirty="0"/>
+              <a:t>Two examples have same attribute/value pairs, but different classifications</a:t>
+            </a:r>
+          </a:p>
+          <a:p>
+            <a:pPr marL="952485" lvl="1" indent="-342900">
+              <a:lnSpc>
+                <a:spcPct val="90000"/>
+              </a:lnSpc>
+              <a:spcAft>
+                <a:spcPts val="1800"/>
+              </a:spcAft>
+              <a:buFont typeface="Arial" panose="020B0604020202020204" pitchFamily="34" charset="0"/>
+              <a:buChar char="•"/>
+            </a:pPr>
+            <a:r>
+              <a:rPr lang="en-US" dirty="0"/>
+              <a:t>Some values of attributes are incorrect because of errors in the data acquisition process or the preprocessing phase</a:t>
+            </a:r>
+          </a:p>
+          <a:p>
+            <a:pPr marL="952485" lvl="1" indent="-342900">
+              <a:lnSpc>
+                <a:spcPct val="90000"/>
+              </a:lnSpc>
+              <a:spcAft>
+                <a:spcPts val="1800"/>
+              </a:spcAft>
+              <a:buFont typeface="Arial" panose="020B0604020202020204" pitchFamily="34" charset="0"/>
+              <a:buChar char="•"/>
+            </a:pPr>
+            <a:r>
+              <a:rPr lang="en-US" dirty="0"/>
+              <a:t>The instance was labeled incorrectly (+ instead of -)</a:t>
+            </a:r>
+          </a:p>
+          <a:p>
+            <a:pPr marL="952485" lvl="1" indent="-342900">
+              <a:lnSpc>
+                <a:spcPct val="90000"/>
+              </a:lnSpc>
+              <a:spcAft>
+                <a:spcPts val="1800"/>
+              </a:spcAft>
+              <a:buFont typeface="Arial" panose="020B0604020202020204" pitchFamily="34" charset="0"/>
+              <a:buChar char="•"/>
+            </a:pPr>
+            <a:r>
+              <a:rPr lang="en-US" dirty="0"/>
+              <a:t>Also, some attributes are irrelevant to the decision-making process</a:t>
+            </a:r>
+          </a:p>
+          <a:p>
+            <a:pPr marL="1562070" lvl="2" indent="-342900">
+              <a:lnSpc>
+                <a:spcPct val="90000"/>
+              </a:lnSpc>
+              <a:spcAft>
+                <a:spcPts val="1800"/>
+              </a:spcAft>
+              <a:buFont typeface="Arial" panose="020B0604020202020204" pitchFamily="34" charset="0"/>
+              <a:buChar char="•"/>
+            </a:pPr>
+            <a:r>
+              <a:rPr lang="en-US" dirty="0"/>
+              <a:t>e.g., color of a die is irrelevant to its outcome</a:t>
+            </a:r>
+          </a:p>
+        </p:txBody>
+      </p:sp>
+    </p:spTree>
+    <p:extLst>
+      <p:ext uri="{BB962C8B-B14F-4D97-AF65-F5344CB8AC3E}">
+        <p14:creationId xmlns:p14="http://schemas.microsoft.com/office/powerpoint/2010/main" val="450663588"/>
+      </p:ext>
+    </p:extLst>
+  </p:cSld>
+  <p:clrMapOvr>
+    <a:masterClrMapping/>
+  </p:clrMapOvr>
+  <p:timing>
+    <p:tnLst>
+      <p:par>
+        <p:cTn id="1" dur="indefinite" restart="never" nodeType="tmRoot">
+          <p:childTnLst>
+            <p:seq concurrent="1" nextAc="seek">
+              <p:cTn id="2" dur="indefinite" nodeType="mainSeq">
+                <p:childTnLst>
+                  <p:par>
+                    <p:cTn id="3" fill="hold">
+                      <p:stCondLst>
+                        <p:cond delay="indefinite"/>
+                      </p:stCondLst>
+                      <p:childTnLst>
+                        <p:par>
+                          <p:cTn id="4" fill="hold">
+                            <p:stCondLst>
+                              <p:cond delay="0"/>
+                            </p:stCondLst>
+                            <p:childTnLst>
+                              <p:par>
+                                <p:cTn id="5" presetID="1" presetClass="entr" presetSubtype="0" fill="hold" grpId="0" nodeType="clickEffect">
+                                  <p:stCondLst>
+                                    <p:cond delay="0"/>
+                                  </p:stCondLst>
+                                  <p:childTnLst>
+                                    <p:set>
+                                      <p:cBhvr>
+                                        <p:cTn id="6" dur="1" fill="hold">
+                                          <p:stCondLst>
+                                            <p:cond delay="0"/>
+                                          </p:stCondLst>
+                                        </p:cTn>
+                                        <p:tgtEl>
+                                          <p:spTgt spid="34"/>
+                                        </p:tgtEl>
+                                        <p:attrNameLst>
+                                          <p:attrName>style.visibility</p:attrName>
+                                        </p:attrNameLst>
+                                      </p:cBhvr>
+                                      <p:to>
+                                        <p:strVal val="visible"/>
+                                      </p:to>
+                                    </p:set>
+                                  </p:childTnLst>
+                                </p:cTn>
+                              </p:par>
+                            </p:childTnLst>
+                          </p:cTn>
+                        </p:par>
+                      </p:childTnLst>
+                    </p:cTn>
+                  </p:par>
+                </p:childTnLst>
+              </p:cTn>
+              <p:prevCondLst>
+                <p:cond evt="onPrev" delay="0">
+                  <p:tgtEl>
+                    <p:sldTgt/>
+                  </p:tgtEl>
+                </p:cond>
+              </p:prevCondLst>
+              <p:nextCondLst>
+                <p:cond evt="onNext" delay="0">
+                  <p:tgtEl>
+                    <p:sldTgt/>
+                  </p:tgtEl>
+                </p:cond>
+              </p:nextCondLst>
+            </p:seq>
+          </p:childTnLst>
+        </p:cTn>
+      </p:par>
+    </p:tnLst>
+    <p:bldLst>
+      <p:bldP spid="34" grpId="0"/>
+    </p:bldLst>
+  </p:timing>
+</p:sld>
+</file>
+
+<file path=ppt/slides/slide46.xml><?xml version="1.0" encoding="utf-8"?>
+<p:sld xmlns:a="http://schemas.openxmlformats.org/drawingml/2006/main" xmlns:r="http://schemas.openxmlformats.org/officeDocument/2006/relationships" xmlns:p="http://schemas.openxmlformats.org/presentationml/2006/main">
+  <p:cSld>
+    <p:spTree>
+      <p:nvGrpSpPr>
+        <p:cNvPr id="1" name="Shape 94"/>
+        <p:cNvGrpSpPr/>
+        <p:nvPr/>
+      </p:nvGrpSpPr>
+      <p:grpSpPr>
+        <a:xfrm>
+          <a:off x="0" y="0"/>
+          <a:ext cx="0" cy="0"/>
+          <a:chOff x="0" y="0"/>
+          <a:chExt cx="0" cy="0"/>
+        </a:xfrm>
+      </p:grpSpPr>
+      <p:sp>
+        <p:nvSpPr>
+          <p:cNvPr id="95" name="Google Shape;95;p14"/>
+          <p:cNvSpPr txBox="1">
+            <a:spLocks noGrp="1"/>
+          </p:cNvSpPr>
+          <p:nvPr>
+            <p:ph type="title" idx="4294967295"/>
+          </p:nvPr>
+        </p:nvSpPr>
+        <p:spPr>
+          <a:xfrm>
+            <a:off x="717173" y="696913"/>
+            <a:ext cx="10972800" cy="506789"/>
+          </a:xfrm>
+          <a:prstGeom prst="rect">
+            <a:avLst/>
+          </a:prstGeom>
+        </p:spPr>
+        <p:txBody>
+          <a:bodyPr spcFirstLastPara="1" wrap="square" lIns="121900" tIns="121900" rIns="121900" bIns="121900" anchor="ctr" anchorCtr="0">
+            <a:noAutofit/>
+          </a:bodyPr>
+          <a:lstStyle/>
+          <a:p>
+            <a:r>
+              <a:rPr lang="en-US" sz="4000" b="1" dirty="0">
+                <a:solidFill>
+                  <a:srgbClr val="E46102"/>
+                </a:solidFill>
+              </a:rPr>
+              <a:t>Overfitting in Decision Trees</a:t>
+            </a:r>
+            <a:endParaRPr sz="4000" b="1" dirty="0">
+              <a:solidFill>
+                <a:srgbClr val="E46102"/>
+              </a:solidFill>
+            </a:endParaRPr>
+          </a:p>
+        </p:txBody>
+      </p:sp>
+      <p:sp>
+        <p:nvSpPr>
+          <p:cNvPr id="34" name="Google Shape;96;p14">
+            <a:extLst>
+              <a:ext uri="{FF2B5EF4-FFF2-40B4-BE49-F238E27FC236}">
+                <a16:creationId xmlns:a16="http://schemas.microsoft.com/office/drawing/2014/main" id="{58EA380B-9CCD-4D12-AAB2-9CBED38C12D0}"/>
+              </a:ext>
+            </a:extLst>
+          </p:cNvPr>
+          <p:cNvSpPr txBox="1"/>
+          <p:nvPr/>
+        </p:nvSpPr>
+        <p:spPr>
+          <a:xfrm>
+            <a:off x="669207" y="1288207"/>
+            <a:ext cx="11277600" cy="5132867"/>
+          </a:xfrm>
+          <a:prstGeom prst="rect">
+            <a:avLst/>
+          </a:prstGeom>
+          <a:noFill/>
+          <a:ln>
+            <a:noFill/>
+          </a:ln>
+        </p:spPr>
+        <p:txBody>
+          <a:bodyPr spcFirstLastPara="1" wrap="square" lIns="121900" tIns="121900" rIns="121900" bIns="121900" anchor="t" anchorCtr="0">
+            <a:noAutofit/>
+          </a:bodyPr>
+          <a:lstStyle/>
+          <a:p>
+            <a:pPr marL="342900" indent="-342900">
+              <a:lnSpc>
+                <a:spcPct val="90000"/>
+              </a:lnSpc>
+              <a:spcAft>
+                <a:spcPts val="1800"/>
+              </a:spcAft>
+              <a:buFont typeface="Arial" panose="020B0604020202020204" pitchFamily="34" charset="0"/>
+              <a:buChar char="•"/>
+            </a:pPr>
+            <a:r>
+              <a:rPr lang="en-US" dirty="0"/>
+              <a:t>Irrelevant features can result in overfitting training example data</a:t>
+            </a:r>
+          </a:p>
+          <a:p>
+            <a:pPr marL="342900" indent="-342900">
+              <a:lnSpc>
+                <a:spcPct val="90000"/>
+              </a:lnSpc>
+              <a:spcAft>
+                <a:spcPts val="1800"/>
+              </a:spcAft>
+              <a:buFont typeface="Arial" panose="020B0604020202020204" pitchFamily="34" charset="0"/>
+              <a:buChar char="•"/>
+            </a:pPr>
+            <a:r>
+              <a:rPr lang="en-US" dirty="0"/>
+              <a:t>Two strategies: (1) stop tree from growing or (2) grow and then prune the tree.</a:t>
+            </a:r>
+          </a:p>
+          <a:p>
+            <a:pPr marL="342900" indent="-342900">
+              <a:lnSpc>
+                <a:spcPct val="90000"/>
+              </a:lnSpc>
+              <a:spcAft>
+                <a:spcPts val="1800"/>
+              </a:spcAft>
+              <a:buFont typeface="Arial" panose="020B0604020202020204" pitchFamily="34" charset="0"/>
+              <a:buChar char="•"/>
+            </a:pPr>
+            <a:r>
+              <a:rPr lang="en-US" dirty="0"/>
+              <a:t>A traditional approach to stopping splitting relies on cross-validation:</a:t>
+            </a:r>
+          </a:p>
+          <a:p>
+            <a:pPr marL="952485" lvl="1" indent="-342900">
+              <a:lnSpc>
+                <a:spcPct val="90000"/>
+              </a:lnSpc>
+              <a:spcAft>
+                <a:spcPts val="1800"/>
+              </a:spcAft>
+              <a:buFont typeface="Arial" panose="020B0604020202020204" pitchFamily="34" charset="0"/>
+              <a:buChar char="•"/>
+            </a:pPr>
+            <a:r>
+              <a:rPr lang="en-US" sz="2000" dirty="0"/>
+              <a:t>Validation: train a tree on 80% of the data and test on 20% of the data</a:t>
+            </a:r>
+          </a:p>
+          <a:p>
+            <a:pPr marL="952485" lvl="1" indent="-342900">
+              <a:lnSpc>
+                <a:spcPct val="90000"/>
+              </a:lnSpc>
+              <a:spcAft>
+                <a:spcPts val="1800"/>
+              </a:spcAft>
+              <a:buFont typeface="Arial" panose="020B0604020202020204" pitchFamily="34" charset="0"/>
+              <a:buChar char="•"/>
+            </a:pPr>
+            <a:r>
+              <a:rPr lang="en-US" sz="2000" dirty="0"/>
+              <a:t>Cross-validation: repeat for several independently chosen partitions.</a:t>
+            </a:r>
+          </a:p>
+          <a:p>
+            <a:pPr marL="952485" lvl="1" indent="-342900">
+              <a:lnSpc>
+                <a:spcPct val="90000"/>
+              </a:lnSpc>
+              <a:spcAft>
+                <a:spcPts val="1800"/>
+              </a:spcAft>
+              <a:buFont typeface="Arial" panose="020B0604020202020204" pitchFamily="34" charset="0"/>
+              <a:buChar char="•"/>
+            </a:pPr>
+            <a:r>
+              <a:rPr lang="en-US" sz="2000" dirty="0"/>
+              <a:t>Stopping Criterion: Continue splitting until the error on the held-out data is minimized.</a:t>
+            </a:r>
+          </a:p>
+          <a:p>
+            <a:pPr marL="952485" lvl="1" indent="-342900">
+              <a:lnSpc>
+                <a:spcPct val="90000"/>
+              </a:lnSpc>
+              <a:spcAft>
+                <a:spcPts val="1800"/>
+              </a:spcAft>
+              <a:buFont typeface="Arial" panose="020B0604020202020204" pitchFamily="34" charset="0"/>
+              <a:buChar char="•"/>
+            </a:pPr>
+            <a:r>
+              <a:rPr lang="en-US" sz="2000" dirty="0"/>
+              <a:t>Reduction In Impurity: stop if the candidate split leads to a marginal reduction of the impurity (drawback: leads to an unbalanced tree).</a:t>
+            </a:r>
+          </a:p>
+          <a:p>
+            <a:pPr marL="952485" lvl="1" indent="-342900">
+              <a:lnSpc>
+                <a:spcPct val="90000"/>
+              </a:lnSpc>
+              <a:spcAft>
+                <a:spcPts val="1800"/>
+              </a:spcAft>
+              <a:buFont typeface="Arial" panose="020B0604020202020204" pitchFamily="34" charset="0"/>
+              <a:buChar char="•"/>
+            </a:pPr>
+            <a:r>
+              <a:rPr lang="en-US" sz="2000" dirty="0"/>
+              <a:t>Cost-Complexity: use a global criterion function that combines size and </a:t>
+            </a:r>
+            <a:r>
+              <a:rPr lang="en-US" dirty="0"/>
+              <a:t>impurity:</a:t>
+            </a:r>
+          </a:p>
+        </p:txBody>
+      </p:sp>
+    </p:spTree>
+    <p:extLst>
+      <p:ext uri="{BB962C8B-B14F-4D97-AF65-F5344CB8AC3E}">
+        <p14:creationId xmlns:p14="http://schemas.microsoft.com/office/powerpoint/2010/main" val="1893796766"/>
+      </p:ext>
+    </p:extLst>
+  </p:cSld>
+  <p:clrMapOvr>
+    <a:masterClrMapping/>
+  </p:clrMapOvr>
+  <p:timing>
+    <p:tnLst>
+      <p:par>
+        <p:cTn id="1" dur="indefinite" restart="never" nodeType="tmRoot">
+          <p:childTnLst>
+            <p:seq concurrent="1" nextAc="seek">
+              <p:cTn id="2" dur="indefinite" nodeType="mainSeq">
+                <p:childTnLst>
+                  <p:par>
+                    <p:cTn id="3" fill="hold">
+                      <p:stCondLst>
+                        <p:cond delay="indefinite"/>
+                      </p:stCondLst>
+                      <p:childTnLst>
+                        <p:par>
+                          <p:cTn id="4" fill="hold">
+                            <p:stCondLst>
+                              <p:cond delay="0"/>
+                            </p:stCondLst>
+                            <p:childTnLst>
+                              <p:par>
+                                <p:cTn id="5" presetID="1" presetClass="entr" presetSubtype="0" fill="hold" grpId="0" nodeType="clickEffect">
+                                  <p:stCondLst>
+                                    <p:cond delay="0"/>
+                                  </p:stCondLst>
+                                  <p:childTnLst>
+                                    <p:set>
+                                      <p:cBhvr>
+                                        <p:cTn id="6" dur="1" fill="hold">
+                                          <p:stCondLst>
+                                            <p:cond delay="0"/>
+                                          </p:stCondLst>
+                                        </p:cTn>
+                                        <p:tgtEl>
+                                          <p:spTgt spid="34"/>
+                                        </p:tgtEl>
+                                        <p:attrNameLst>
+                                          <p:attrName>style.visibility</p:attrName>
+                                        </p:attrNameLst>
+                                      </p:cBhvr>
+                                      <p:to>
+                                        <p:strVal val="visible"/>
+                                      </p:to>
+                                    </p:set>
+                                  </p:childTnLst>
+                                </p:cTn>
+                              </p:par>
+                            </p:childTnLst>
+                          </p:cTn>
+                        </p:par>
+                      </p:childTnLst>
+                    </p:cTn>
+                  </p:par>
+                </p:childTnLst>
+              </p:cTn>
+              <p:prevCondLst>
+                <p:cond evt="onPrev" delay="0">
+                  <p:tgtEl>
+                    <p:sldTgt/>
+                  </p:tgtEl>
+                </p:cond>
+              </p:prevCondLst>
+              <p:nextCondLst>
+                <p:cond evt="onNext" delay="0">
+                  <p:tgtEl>
+                    <p:sldTgt/>
+                  </p:tgtEl>
+                </p:cond>
+              </p:nextCondLst>
+            </p:seq>
+          </p:childTnLst>
+        </p:cTn>
+      </p:par>
+    </p:tnLst>
+    <p:bldLst>
+      <p:bldP spid="34" grpId="0"/>
+    </p:bldLst>
+  </p:timing>
+</p:sld>
+</file>
+
+<file path=ppt/slides/slide47.xml><?xml version="1.0" encoding="utf-8"?>
+<p:sld xmlns:a="http://schemas.openxmlformats.org/drawingml/2006/main" xmlns:r="http://schemas.openxmlformats.org/officeDocument/2006/relationships" xmlns:p="http://schemas.openxmlformats.org/presentationml/2006/main">
+  <p:cSld>
+    <p:spTree>
+      <p:nvGrpSpPr>
+        <p:cNvPr id="1" name="Shape 94"/>
+        <p:cNvGrpSpPr/>
+        <p:nvPr/>
+      </p:nvGrpSpPr>
+      <p:grpSpPr>
+        <a:xfrm>
+          <a:off x="0" y="0"/>
+          <a:ext cx="0" cy="0"/>
+          <a:chOff x="0" y="0"/>
+          <a:chExt cx="0" cy="0"/>
+        </a:xfrm>
+      </p:grpSpPr>
+      <p:sp>
+        <p:nvSpPr>
+          <p:cNvPr id="95" name="Google Shape;95;p14"/>
+          <p:cNvSpPr txBox="1">
+            <a:spLocks noGrp="1"/>
+          </p:cNvSpPr>
+          <p:nvPr>
+            <p:ph type="title" idx="4294967295"/>
+          </p:nvPr>
+        </p:nvSpPr>
+        <p:spPr>
+          <a:xfrm>
+            <a:off x="717173" y="696913"/>
+            <a:ext cx="10972800" cy="506789"/>
+          </a:xfrm>
+          <a:prstGeom prst="rect">
+            <a:avLst/>
+          </a:prstGeom>
+        </p:spPr>
+        <p:txBody>
+          <a:bodyPr spcFirstLastPara="1" wrap="square" lIns="121900" tIns="121900" rIns="121900" bIns="121900" anchor="ctr" anchorCtr="0">
+            <a:noAutofit/>
+          </a:bodyPr>
+          <a:lstStyle/>
+          <a:p>
+            <a:r>
+              <a:rPr lang="en-US" sz="4000" b="1" dirty="0">
+                <a:solidFill>
+                  <a:srgbClr val="E46102"/>
+                </a:solidFill>
+              </a:rPr>
               <a:t>CART Algorithm</a:t>
             </a:r>
             <a:endParaRPr sz="4000" b="1" dirty="0">
@@ -25779,7 +26559,7 @@
           <a:p>
             <a:r>
               <a:rPr lang="en-US" dirty="0"/>
-              <a:t>1.Evaluate impact on validation set of pruning each possible node (plus those below it)</a:t>
+              <a:t>1. Evaluate impact on validation set of pruning each possible node (plus those below it)</a:t>
             </a:r>
           </a:p>
           <a:p>

--- a/Syllabus/Lecture06/Lec06.pptx
+++ b/Syllabus/Lecture06/Lec06.pptx
@@ -327,7 +327,7 @@
           <a:p>
             <a:fld id="{DF9C6931-D0F6-AB40-9D7F-95567148A5C2}" type="datetimeFigureOut">
               <a:rPr lang="en-US" smtClean="0"/>
-              <a:t>10/2/23</a:t>
+              <a:t>10/4/23</a:t>
             </a:fld>
             <a:endParaRPr lang="en-US"/>
           </a:p>
@@ -504,7 +504,7 @@
           <a:p>
             <a:fld id="{736C18F2-6801-5147-A332-A6E1C7D69D18}" type="datetimeFigureOut">
               <a:rPr lang="en-US" smtClean="0"/>
-              <a:t>10/2/23</a:t>
+              <a:t>10/4/23</a:t>
             </a:fld>
             <a:endParaRPr lang="en-US"/>
           </a:p>
